--- a/순서도.pptx
+++ b/순서도.pptx
@@ -6,6 +6,7 @@
   </p:sldMasterIdLst>
   <p:sldIdLst>
     <p:sldId id="256" r:id="rId2"/>
+    <p:sldId id="257" r:id="rId3"/>
   </p:sldIdLst>
   <p:sldSz cx="12192000" cy="6858000"/>
   <p:notesSz cx="6858000" cy="9144000"/>
@@ -113,6 +114,753 @@
 </file>
 
 <file path=ppt/diagrams/colors1.xml><?xml version="1.0" encoding="utf-8"?>
+<dgm:colorsDef xmlns:dgm="http://schemas.openxmlformats.org/drawingml/2006/diagram" xmlns:a="http://schemas.openxmlformats.org/drawingml/2006/main" uniqueId="urn:microsoft.com/office/officeart/2005/8/colors/accent6_2">
+  <dgm:title val=""/>
+  <dgm:desc val=""/>
+  <dgm:catLst>
+    <dgm:cat type="accent6" pri="11200"/>
+  </dgm:catLst>
+  <dgm:styleLbl name="node0">
+    <dgm:fillClrLst meth="repeat">
+      <a:schemeClr val="accent6"/>
+    </dgm:fillClrLst>
+    <dgm:linClrLst meth="repeat">
+      <a:schemeClr val="lt1"/>
+    </dgm:linClrLst>
+    <dgm:effectClrLst/>
+    <dgm:txLinClrLst/>
+    <dgm:txFillClrLst/>
+    <dgm:txEffectClrLst/>
+  </dgm:styleLbl>
+  <dgm:styleLbl name="node1">
+    <dgm:fillClrLst meth="repeat">
+      <a:schemeClr val="accent6"/>
+    </dgm:fillClrLst>
+    <dgm:linClrLst meth="repeat">
+      <a:schemeClr val="lt1"/>
+    </dgm:linClrLst>
+    <dgm:effectClrLst/>
+    <dgm:txLinClrLst/>
+    <dgm:txFillClrLst/>
+    <dgm:txEffectClrLst/>
+  </dgm:styleLbl>
+  <dgm:styleLbl name="alignNode1">
+    <dgm:fillClrLst meth="repeat">
+      <a:schemeClr val="accent6"/>
+    </dgm:fillClrLst>
+    <dgm:linClrLst meth="repeat">
+      <a:schemeClr val="accent6"/>
+    </dgm:linClrLst>
+    <dgm:effectClrLst/>
+    <dgm:txLinClrLst/>
+    <dgm:txFillClrLst/>
+    <dgm:txEffectClrLst/>
+  </dgm:styleLbl>
+  <dgm:styleLbl name="lnNode1">
+    <dgm:fillClrLst meth="repeat">
+      <a:schemeClr val="accent6"/>
+    </dgm:fillClrLst>
+    <dgm:linClrLst meth="repeat">
+      <a:schemeClr val="lt1"/>
+    </dgm:linClrLst>
+    <dgm:effectClrLst/>
+    <dgm:txLinClrLst/>
+    <dgm:txFillClrLst/>
+    <dgm:txEffectClrLst/>
+  </dgm:styleLbl>
+  <dgm:styleLbl name="vennNode1">
+    <dgm:fillClrLst meth="repeat">
+      <a:schemeClr val="accent6">
+        <a:alpha val="50000"/>
+      </a:schemeClr>
+    </dgm:fillClrLst>
+    <dgm:linClrLst meth="repeat">
+      <a:schemeClr val="lt1"/>
+    </dgm:linClrLst>
+    <dgm:effectClrLst/>
+    <dgm:txLinClrLst/>
+    <dgm:txFillClrLst/>
+    <dgm:txEffectClrLst/>
+  </dgm:styleLbl>
+  <dgm:styleLbl name="node2">
+    <dgm:fillClrLst meth="repeat">
+      <a:schemeClr val="accent6"/>
+    </dgm:fillClrLst>
+    <dgm:linClrLst meth="repeat">
+      <a:schemeClr val="lt1"/>
+    </dgm:linClrLst>
+    <dgm:effectClrLst/>
+    <dgm:txLinClrLst/>
+    <dgm:txFillClrLst/>
+    <dgm:txEffectClrLst/>
+  </dgm:styleLbl>
+  <dgm:styleLbl name="node3">
+    <dgm:fillClrLst meth="repeat">
+      <a:schemeClr val="accent6"/>
+    </dgm:fillClrLst>
+    <dgm:linClrLst meth="repeat">
+      <a:schemeClr val="lt1"/>
+    </dgm:linClrLst>
+    <dgm:effectClrLst/>
+    <dgm:txLinClrLst/>
+    <dgm:txFillClrLst/>
+    <dgm:txEffectClrLst/>
+  </dgm:styleLbl>
+  <dgm:styleLbl name="node4">
+    <dgm:fillClrLst meth="repeat">
+      <a:schemeClr val="accent6"/>
+    </dgm:fillClrLst>
+    <dgm:linClrLst meth="repeat">
+      <a:schemeClr val="lt1"/>
+    </dgm:linClrLst>
+    <dgm:effectClrLst/>
+    <dgm:txLinClrLst/>
+    <dgm:txFillClrLst/>
+    <dgm:txEffectClrLst/>
+  </dgm:styleLbl>
+  <dgm:styleLbl name="fgImgPlace1">
+    <dgm:fillClrLst meth="repeat">
+      <a:schemeClr val="accent6">
+        <a:tint val="50000"/>
+      </a:schemeClr>
+    </dgm:fillClrLst>
+    <dgm:linClrLst meth="repeat">
+      <a:schemeClr val="lt1"/>
+    </dgm:linClrLst>
+    <dgm:effectClrLst/>
+    <dgm:txLinClrLst/>
+    <dgm:txFillClrLst meth="repeat">
+      <a:schemeClr val="lt1"/>
+    </dgm:txFillClrLst>
+    <dgm:txEffectClrLst/>
+  </dgm:styleLbl>
+  <dgm:styleLbl name="alignImgPlace1">
+    <dgm:fillClrLst meth="repeat">
+      <a:schemeClr val="accent6">
+        <a:tint val="50000"/>
+      </a:schemeClr>
+    </dgm:fillClrLst>
+    <dgm:linClrLst meth="repeat">
+      <a:schemeClr val="lt1"/>
+    </dgm:linClrLst>
+    <dgm:effectClrLst/>
+    <dgm:txLinClrLst/>
+    <dgm:txFillClrLst meth="repeat">
+      <a:schemeClr val="lt1"/>
+    </dgm:txFillClrLst>
+    <dgm:txEffectClrLst/>
+  </dgm:styleLbl>
+  <dgm:styleLbl name="bgImgPlace1">
+    <dgm:fillClrLst meth="repeat">
+      <a:schemeClr val="accent6">
+        <a:tint val="50000"/>
+      </a:schemeClr>
+    </dgm:fillClrLst>
+    <dgm:linClrLst meth="repeat">
+      <a:schemeClr val="lt1"/>
+    </dgm:linClrLst>
+    <dgm:effectClrLst/>
+    <dgm:txLinClrLst/>
+    <dgm:txFillClrLst meth="repeat">
+      <a:schemeClr val="lt1"/>
+    </dgm:txFillClrLst>
+    <dgm:txEffectClrLst/>
+  </dgm:styleLbl>
+  <dgm:styleLbl name="sibTrans2D1">
+    <dgm:fillClrLst meth="repeat">
+      <a:schemeClr val="accent6">
+        <a:tint val="60000"/>
+      </a:schemeClr>
+    </dgm:fillClrLst>
+    <dgm:linClrLst meth="repeat">
+      <a:schemeClr val="accent6">
+        <a:tint val="60000"/>
+      </a:schemeClr>
+    </dgm:linClrLst>
+    <dgm:effectClrLst/>
+    <dgm:txLinClrLst/>
+    <dgm:txFillClrLst/>
+    <dgm:txEffectClrLst/>
+  </dgm:styleLbl>
+  <dgm:styleLbl name="fgSibTrans2D1">
+    <dgm:fillClrLst meth="repeat">
+      <a:schemeClr val="accent6">
+        <a:tint val="60000"/>
+      </a:schemeClr>
+    </dgm:fillClrLst>
+    <dgm:linClrLst meth="repeat">
+      <a:schemeClr val="accent6">
+        <a:tint val="60000"/>
+      </a:schemeClr>
+    </dgm:linClrLst>
+    <dgm:effectClrLst/>
+    <dgm:txLinClrLst/>
+    <dgm:txFillClrLst/>
+    <dgm:txEffectClrLst/>
+  </dgm:styleLbl>
+  <dgm:styleLbl name="bgSibTrans2D1">
+    <dgm:fillClrLst meth="repeat">
+      <a:schemeClr val="accent6">
+        <a:tint val="60000"/>
+      </a:schemeClr>
+    </dgm:fillClrLst>
+    <dgm:linClrLst meth="repeat">
+      <a:schemeClr val="accent6">
+        <a:tint val="60000"/>
+      </a:schemeClr>
+    </dgm:linClrLst>
+    <dgm:effectClrLst/>
+    <dgm:txLinClrLst/>
+    <dgm:txFillClrLst/>
+    <dgm:txEffectClrLst/>
+  </dgm:styleLbl>
+  <dgm:styleLbl name="sibTrans1D1">
+    <dgm:fillClrLst meth="repeat">
+      <a:schemeClr val="accent6"/>
+    </dgm:fillClrLst>
+    <dgm:linClrLst meth="repeat">
+      <a:schemeClr val="accent6"/>
+    </dgm:linClrLst>
+    <dgm:effectClrLst/>
+    <dgm:txLinClrLst/>
+    <dgm:txFillClrLst meth="repeat">
+      <a:schemeClr val="tx1"/>
+    </dgm:txFillClrLst>
+    <dgm:txEffectClrLst/>
+  </dgm:styleLbl>
+  <dgm:styleLbl name="callout">
+    <dgm:fillClrLst meth="repeat">
+      <a:schemeClr val="accent6"/>
+    </dgm:fillClrLst>
+    <dgm:linClrLst meth="repeat">
+      <a:schemeClr val="accent6">
+        <a:tint val="50000"/>
+      </a:schemeClr>
+    </dgm:linClrLst>
+    <dgm:effectClrLst/>
+    <dgm:txLinClrLst/>
+    <dgm:txFillClrLst meth="repeat">
+      <a:schemeClr val="tx1"/>
+    </dgm:txFillClrLst>
+    <dgm:txEffectClrLst/>
+  </dgm:styleLbl>
+  <dgm:styleLbl name="asst0">
+    <dgm:fillClrLst meth="repeat">
+      <a:schemeClr val="accent6"/>
+    </dgm:fillClrLst>
+    <dgm:linClrLst meth="repeat">
+      <a:schemeClr val="lt1"/>
+    </dgm:linClrLst>
+    <dgm:effectClrLst/>
+    <dgm:txLinClrLst/>
+    <dgm:txFillClrLst/>
+    <dgm:txEffectClrLst/>
+  </dgm:styleLbl>
+  <dgm:styleLbl name="asst1">
+    <dgm:fillClrLst meth="repeat">
+      <a:schemeClr val="accent6"/>
+    </dgm:fillClrLst>
+    <dgm:linClrLst meth="repeat">
+      <a:schemeClr val="lt1"/>
+    </dgm:linClrLst>
+    <dgm:effectClrLst/>
+    <dgm:txLinClrLst/>
+    <dgm:txFillClrLst/>
+    <dgm:txEffectClrLst/>
+  </dgm:styleLbl>
+  <dgm:styleLbl name="asst2">
+    <dgm:fillClrLst meth="repeat">
+      <a:schemeClr val="accent6"/>
+    </dgm:fillClrLst>
+    <dgm:linClrLst meth="repeat">
+      <a:schemeClr val="lt1"/>
+    </dgm:linClrLst>
+    <dgm:effectClrLst/>
+    <dgm:txLinClrLst/>
+    <dgm:txFillClrLst/>
+    <dgm:txEffectClrLst/>
+  </dgm:styleLbl>
+  <dgm:styleLbl name="asst3">
+    <dgm:fillClrLst meth="repeat">
+      <a:schemeClr val="accent6"/>
+    </dgm:fillClrLst>
+    <dgm:linClrLst meth="repeat">
+      <a:schemeClr val="lt1"/>
+    </dgm:linClrLst>
+    <dgm:effectClrLst/>
+    <dgm:txLinClrLst/>
+    <dgm:txFillClrLst/>
+    <dgm:txEffectClrLst/>
+  </dgm:styleLbl>
+  <dgm:styleLbl name="asst4">
+    <dgm:fillClrLst meth="repeat">
+      <a:schemeClr val="accent6"/>
+    </dgm:fillClrLst>
+    <dgm:linClrLst meth="repeat">
+      <a:schemeClr val="lt1"/>
+    </dgm:linClrLst>
+    <dgm:effectClrLst/>
+    <dgm:txLinClrLst/>
+    <dgm:txFillClrLst/>
+    <dgm:txEffectClrLst/>
+  </dgm:styleLbl>
+  <dgm:styleLbl name="parChTrans2D1">
+    <dgm:fillClrLst meth="repeat">
+      <a:schemeClr val="accent6">
+        <a:tint val="60000"/>
+      </a:schemeClr>
+    </dgm:fillClrLst>
+    <dgm:linClrLst meth="repeat">
+      <a:schemeClr val="accent6">
+        <a:tint val="60000"/>
+      </a:schemeClr>
+    </dgm:linClrLst>
+    <dgm:effectClrLst/>
+    <dgm:txLinClrLst/>
+    <dgm:txFillClrLst meth="repeat">
+      <a:schemeClr val="lt1"/>
+    </dgm:txFillClrLst>
+    <dgm:txEffectClrLst/>
+  </dgm:styleLbl>
+  <dgm:styleLbl name="parChTrans2D2">
+    <dgm:fillClrLst meth="repeat">
+      <a:schemeClr val="accent6"/>
+    </dgm:fillClrLst>
+    <dgm:linClrLst meth="repeat">
+      <a:schemeClr val="accent6"/>
+    </dgm:linClrLst>
+    <dgm:effectClrLst/>
+    <dgm:txLinClrLst/>
+    <dgm:txFillClrLst meth="repeat">
+      <a:schemeClr val="lt1"/>
+    </dgm:txFillClrLst>
+    <dgm:txEffectClrLst/>
+  </dgm:styleLbl>
+  <dgm:styleLbl name="parChTrans2D3">
+    <dgm:fillClrLst meth="repeat">
+      <a:schemeClr val="accent6"/>
+    </dgm:fillClrLst>
+    <dgm:linClrLst meth="repeat">
+      <a:schemeClr val="accent6"/>
+    </dgm:linClrLst>
+    <dgm:effectClrLst/>
+    <dgm:txLinClrLst/>
+    <dgm:txFillClrLst meth="repeat">
+      <a:schemeClr val="lt1"/>
+    </dgm:txFillClrLst>
+    <dgm:txEffectClrLst/>
+  </dgm:styleLbl>
+  <dgm:styleLbl name="parChTrans2D4">
+    <dgm:fillClrLst meth="repeat">
+      <a:schemeClr val="accent6"/>
+    </dgm:fillClrLst>
+    <dgm:linClrLst meth="repeat">
+      <a:schemeClr val="accent6"/>
+    </dgm:linClrLst>
+    <dgm:effectClrLst/>
+    <dgm:txLinClrLst/>
+    <dgm:txFillClrLst meth="repeat">
+      <a:schemeClr val="lt1"/>
+    </dgm:txFillClrLst>
+    <dgm:txEffectClrLst/>
+  </dgm:styleLbl>
+  <dgm:styleLbl name="parChTrans1D1">
+    <dgm:fillClrLst meth="repeat">
+      <a:schemeClr val="accent6"/>
+    </dgm:fillClrLst>
+    <dgm:linClrLst meth="repeat">
+      <a:schemeClr val="accent6">
+        <a:shade val="60000"/>
+      </a:schemeClr>
+    </dgm:linClrLst>
+    <dgm:effectClrLst/>
+    <dgm:txLinClrLst/>
+    <dgm:txFillClrLst meth="repeat">
+      <a:schemeClr val="tx1"/>
+    </dgm:txFillClrLst>
+    <dgm:txEffectClrLst/>
+  </dgm:styleLbl>
+  <dgm:styleLbl name="parChTrans1D2">
+    <dgm:fillClrLst meth="repeat">
+      <a:schemeClr val="accent6"/>
+    </dgm:fillClrLst>
+    <dgm:linClrLst meth="repeat">
+      <a:schemeClr val="accent6">
+        <a:shade val="60000"/>
+      </a:schemeClr>
+    </dgm:linClrLst>
+    <dgm:effectClrLst/>
+    <dgm:txLinClrLst/>
+    <dgm:txFillClrLst meth="repeat">
+      <a:schemeClr val="tx1"/>
+    </dgm:txFillClrLst>
+    <dgm:txEffectClrLst/>
+  </dgm:styleLbl>
+  <dgm:styleLbl name="parChTrans1D3">
+    <dgm:fillClrLst meth="repeat">
+      <a:schemeClr val="accent6"/>
+    </dgm:fillClrLst>
+    <dgm:linClrLst meth="repeat">
+      <a:schemeClr val="accent6">
+        <a:shade val="80000"/>
+      </a:schemeClr>
+    </dgm:linClrLst>
+    <dgm:effectClrLst/>
+    <dgm:txLinClrLst/>
+    <dgm:txFillClrLst meth="repeat">
+      <a:schemeClr val="tx1"/>
+    </dgm:txFillClrLst>
+    <dgm:txEffectClrLst/>
+  </dgm:styleLbl>
+  <dgm:styleLbl name="parChTrans1D4">
+    <dgm:fillClrLst meth="repeat">
+      <a:schemeClr val="accent6"/>
+    </dgm:fillClrLst>
+    <dgm:linClrLst meth="repeat">
+      <a:schemeClr val="accent6">
+        <a:shade val="80000"/>
+      </a:schemeClr>
+    </dgm:linClrLst>
+    <dgm:effectClrLst/>
+    <dgm:txLinClrLst/>
+    <dgm:txFillClrLst meth="repeat">
+      <a:schemeClr val="tx1"/>
+    </dgm:txFillClrLst>
+    <dgm:txEffectClrLst/>
+  </dgm:styleLbl>
+  <dgm:styleLbl name="fgAcc1">
+    <dgm:fillClrLst meth="repeat">
+      <a:schemeClr val="lt1">
+        <a:alpha val="90000"/>
+      </a:schemeClr>
+    </dgm:fillClrLst>
+    <dgm:linClrLst meth="repeat">
+      <a:schemeClr val="accent6"/>
+    </dgm:linClrLst>
+    <dgm:effectClrLst/>
+    <dgm:txLinClrLst/>
+    <dgm:txFillClrLst meth="repeat">
+      <a:schemeClr val="dk1"/>
+    </dgm:txFillClrLst>
+    <dgm:txEffectClrLst/>
+  </dgm:styleLbl>
+  <dgm:styleLbl name="conFgAcc1">
+    <dgm:fillClrLst meth="repeat">
+      <a:schemeClr val="lt1">
+        <a:alpha val="90000"/>
+      </a:schemeClr>
+    </dgm:fillClrLst>
+    <dgm:linClrLst meth="repeat">
+      <a:schemeClr val="accent6"/>
+    </dgm:linClrLst>
+    <dgm:effectClrLst/>
+    <dgm:txLinClrLst/>
+    <dgm:txFillClrLst meth="repeat">
+      <a:schemeClr val="dk1"/>
+    </dgm:txFillClrLst>
+    <dgm:txEffectClrLst/>
+  </dgm:styleLbl>
+  <dgm:styleLbl name="alignAcc1">
+    <dgm:fillClrLst meth="repeat">
+      <a:schemeClr val="lt1">
+        <a:alpha val="90000"/>
+      </a:schemeClr>
+    </dgm:fillClrLst>
+    <dgm:linClrLst meth="repeat">
+      <a:schemeClr val="accent6"/>
+    </dgm:linClrLst>
+    <dgm:effectClrLst/>
+    <dgm:txLinClrLst/>
+    <dgm:txFillClrLst meth="repeat">
+      <a:schemeClr val="dk1"/>
+    </dgm:txFillClrLst>
+    <dgm:txEffectClrLst/>
+  </dgm:styleLbl>
+  <dgm:styleLbl name="trAlignAcc1">
+    <dgm:fillClrLst meth="repeat">
+      <a:schemeClr val="lt1">
+        <a:alpha val="40000"/>
+      </a:schemeClr>
+    </dgm:fillClrLst>
+    <dgm:linClrLst meth="repeat">
+      <a:schemeClr val="accent6"/>
+    </dgm:linClrLst>
+    <dgm:effectClrLst/>
+    <dgm:txLinClrLst/>
+    <dgm:txFillClrLst meth="repeat">
+      <a:schemeClr val="dk1"/>
+    </dgm:txFillClrLst>
+    <dgm:txEffectClrLst/>
+  </dgm:styleLbl>
+  <dgm:styleLbl name="bgAcc1">
+    <dgm:fillClrLst meth="repeat">
+      <a:schemeClr val="lt1">
+        <a:alpha val="90000"/>
+      </a:schemeClr>
+    </dgm:fillClrLst>
+    <dgm:linClrLst meth="repeat">
+      <a:schemeClr val="accent6"/>
+    </dgm:linClrLst>
+    <dgm:effectClrLst/>
+    <dgm:txLinClrLst/>
+    <dgm:txFillClrLst meth="repeat">
+      <a:schemeClr val="dk1"/>
+    </dgm:txFillClrLst>
+    <dgm:txEffectClrLst/>
+  </dgm:styleLbl>
+  <dgm:styleLbl name="solidFgAcc1">
+    <dgm:fillClrLst meth="repeat">
+      <a:schemeClr val="lt1"/>
+    </dgm:fillClrLst>
+    <dgm:linClrLst meth="repeat">
+      <a:schemeClr val="accent6"/>
+    </dgm:linClrLst>
+    <dgm:effectClrLst/>
+    <dgm:txLinClrLst/>
+    <dgm:txFillClrLst meth="repeat">
+      <a:schemeClr val="dk1"/>
+    </dgm:txFillClrLst>
+    <dgm:txEffectClrLst/>
+  </dgm:styleLbl>
+  <dgm:styleLbl name="solidAlignAcc1">
+    <dgm:fillClrLst meth="repeat">
+      <a:schemeClr val="lt1"/>
+    </dgm:fillClrLst>
+    <dgm:linClrLst meth="repeat">
+      <a:schemeClr val="accent6"/>
+    </dgm:linClrLst>
+    <dgm:effectClrLst/>
+    <dgm:txLinClrLst/>
+    <dgm:txFillClrLst meth="repeat">
+      <a:schemeClr val="dk1"/>
+    </dgm:txFillClrLst>
+    <dgm:txEffectClrLst/>
+  </dgm:styleLbl>
+  <dgm:styleLbl name="solidBgAcc1">
+    <dgm:fillClrLst meth="repeat">
+      <a:schemeClr val="lt1"/>
+    </dgm:fillClrLst>
+    <dgm:linClrLst meth="repeat">
+      <a:schemeClr val="accent6"/>
+    </dgm:linClrLst>
+    <dgm:effectClrLst/>
+    <dgm:txLinClrLst/>
+    <dgm:txFillClrLst meth="repeat">
+      <a:schemeClr val="dk1"/>
+    </dgm:txFillClrLst>
+    <dgm:txEffectClrLst/>
+  </dgm:styleLbl>
+  <dgm:styleLbl name="fgAccFollowNode1">
+    <dgm:fillClrLst meth="repeat">
+      <a:schemeClr val="accent6">
+        <a:alpha val="90000"/>
+        <a:tint val="40000"/>
+      </a:schemeClr>
+    </dgm:fillClrLst>
+    <dgm:linClrLst meth="repeat">
+      <a:schemeClr val="accent6">
+        <a:alpha val="90000"/>
+        <a:tint val="40000"/>
+      </a:schemeClr>
+    </dgm:linClrLst>
+    <dgm:effectClrLst/>
+    <dgm:txLinClrLst/>
+    <dgm:txFillClrLst meth="repeat">
+      <a:schemeClr val="dk1"/>
+    </dgm:txFillClrLst>
+    <dgm:txEffectClrLst/>
+  </dgm:styleLbl>
+  <dgm:styleLbl name="alignAccFollowNode1">
+    <dgm:fillClrLst meth="repeat">
+      <a:schemeClr val="accent6">
+        <a:alpha val="90000"/>
+        <a:tint val="40000"/>
+      </a:schemeClr>
+    </dgm:fillClrLst>
+    <dgm:linClrLst meth="repeat">
+      <a:schemeClr val="accent6">
+        <a:alpha val="90000"/>
+        <a:tint val="40000"/>
+      </a:schemeClr>
+    </dgm:linClrLst>
+    <dgm:effectClrLst/>
+    <dgm:txLinClrLst/>
+    <dgm:txFillClrLst meth="repeat">
+      <a:schemeClr val="dk1"/>
+    </dgm:txFillClrLst>
+    <dgm:txEffectClrLst/>
+  </dgm:styleLbl>
+  <dgm:styleLbl name="bgAccFollowNode1">
+    <dgm:fillClrLst meth="repeat">
+      <a:schemeClr val="accent6">
+        <a:alpha val="90000"/>
+        <a:tint val="40000"/>
+      </a:schemeClr>
+    </dgm:fillClrLst>
+    <dgm:linClrLst meth="repeat">
+      <a:schemeClr val="accent6">
+        <a:alpha val="90000"/>
+        <a:tint val="40000"/>
+      </a:schemeClr>
+    </dgm:linClrLst>
+    <dgm:effectClrLst/>
+    <dgm:txLinClrLst/>
+    <dgm:txFillClrLst meth="repeat">
+      <a:schemeClr val="dk1"/>
+    </dgm:txFillClrLst>
+    <dgm:txEffectClrLst/>
+  </dgm:styleLbl>
+  <dgm:styleLbl name="fgAcc0">
+    <dgm:fillClrLst meth="repeat">
+      <a:schemeClr val="lt1">
+        <a:alpha val="90000"/>
+      </a:schemeClr>
+    </dgm:fillClrLst>
+    <dgm:linClrLst meth="repeat">
+      <a:schemeClr val="accent6"/>
+    </dgm:linClrLst>
+    <dgm:effectClrLst/>
+    <dgm:txLinClrLst/>
+    <dgm:txFillClrLst meth="repeat">
+      <a:schemeClr val="dk1"/>
+    </dgm:txFillClrLst>
+    <dgm:txEffectClrLst/>
+  </dgm:styleLbl>
+  <dgm:styleLbl name="fgAcc2">
+    <dgm:fillClrLst meth="repeat">
+      <a:schemeClr val="lt1">
+        <a:alpha val="90000"/>
+      </a:schemeClr>
+    </dgm:fillClrLst>
+    <dgm:linClrLst meth="repeat">
+      <a:schemeClr val="accent6"/>
+    </dgm:linClrLst>
+    <dgm:effectClrLst/>
+    <dgm:txLinClrLst/>
+    <dgm:txFillClrLst meth="repeat">
+      <a:schemeClr val="dk1"/>
+    </dgm:txFillClrLst>
+    <dgm:txEffectClrLst/>
+  </dgm:styleLbl>
+  <dgm:styleLbl name="fgAcc3">
+    <dgm:fillClrLst meth="repeat">
+      <a:schemeClr val="lt1">
+        <a:alpha val="90000"/>
+      </a:schemeClr>
+    </dgm:fillClrLst>
+    <dgm:linClrLst meth="repeat">
+      <a:schemeClr val="accent6"/>
+    </dgm:linClrLst>
+    <dgm:effectClrLst/>
+    <dgm:txLinClrLst/>
+    <dgm:txFillClrLst meth="repeat">
+      <a:schemeClr val="dk1"/>
+    </dgm:txFillClrLst>
+    <dgm:txEffectClrLst/>
+  </dgm:styleLbl>
+  <dgm:styleLbl name="fgAcc4">
+    <dgm:fillClrLst meth="repeat">
+      <a:schemeClr val="lt1">
+        <a:alpha val="90000"/>
+      </a:schemeClr>
+    </dgm:fillClrLst>
+    <dgm:linClrLst meth="repeat">
+      <a:schemeClr val="accent6"/>
+    </dgm:linClrLst>
+    <dgm:effectClrLst/>
+    <dgm:txLinClrLst/>
+    <dgm:txFillClrLst meth="repeat">
+      <a:schemeClr val="dk1"/>
+    </dgm:txFillClrLst>
+    <dgm:txEffectClrLst/>
+  </dgm:styleLbl>
+  <dgm:styleLbl name="bgShp">
+    <dgm:fillClrLst meth="repeat">
+      <a:schemeClr val="accent6">
+        <a:tint val="40000"/>
+      </a:schemeClr>
+    </dgm:fillClrLst>
+    <dgm:linClrLst meth="repeat">
+      <a:schemeClr val="accent6"/>
+    </dgm:linClrLst>
+    <dgm:effectClrLst/>
+    <dgm:txLinClrLst/>
+    <dgm:txFillClrLst meth="repeat">
+      <a:schemeClr val="dk1"/>
+    </dgm:txFillClrLst>
+    <dgm:txEffectClrLst/>
+  </dgm:styleLbl>
+  <dgm:styleLbl name="dkBgShp">
+    <dgm:fillClrLst meth="repeat">
+      <a:schemeClr val="accent6">
+        <a:shade val="80000"/>
+      </a:schemeClr>
+    </dgm:fillClrLst>
+    <dgm:linClrLst meth="repeat">
+      <a:schemeClr val="accent6"/>
+    </dgm:linClrLst>
+    <dgm:effectClrLst/>
+    <dgm:txLinClrLst/>
+    <dgm:txFillClrLst meth="repeat">
+      <a:schemeClr val="lt1"/>
+    </dgm:txFillClrLst>
+    <dgm:txEffectClrLst/>
+  </dgm:styleLbl>
+  <dgm:styleLbl name="trBgShp">
+    <dgm:fillClrLst meth="repeat">
+      <a:schemeClr val="accent6">
+        <a:tint val="50000"/>
+        <a:alpha val="40000"/>
+      </a:schemeClr>
+    </dgm:fillClrLst>
+    <dgm:linClrLst meth="repeat">
+      <a:schemeClr val="accent6"/>
+    </dgm:linClrLst>
+    <dgm:effectClrLst/>
+    <dgm:txLinClrLst/>
+    <dgm:txFillClrLst meth="repeat">
+      <a:schemeClr val="lt1"/>
+    </dgm:txFillClrLst>
+    <dgm:txEffectClrLst/>
+  </dgm:styleLbl>
+  <dgm:styleLbl name="fgShp">
+    <dgm:fillClrLst meth="repeat">
+      <a:schemeClr val="accent6">
+        <a:tint val="60000"/>
+      </a:schemeClr>
+    </dgm:fillClrLst>
+    <dgm:linClrLst meth="repeat">
+      <a:schemeClr val="lt1"/>
+    </dgm:linClrLst>
+    <dgm:effectClrLst/>
+    <dgm:txLinClrLst/>
+    <dgm:txFillClrLst meth="repeat">
+      <a:schemeClr val="dk1"/>
+    </dgm:txFillClrLst>
+    <dgm:txEffectClrLst/>
+  </dgm:styleLbl>
+  <dgm:styleLbl name="revTx">
+    <dgm:fillClrLst meth="repeat">
+      <a:schemeClr val="lt1">
+        <a:alpha val="0"/>
+      </a:schemeClr>
+    </dgm:fillClrLst>
+    <dgm:linClrLst meth="repeat">
+      <a:schemeClr val="dk1">
+        <a:alpha val="0"/>
+      </a:schemeClr>
+    </dgm:linClrLst>
+    <dgm:effectClrLst/>
+    <dgm:txLinClrLst/>
+    <dgm:txFillClrLst meth="repeat">
+      <a:schemeClr val="tx1"/>
+    </dgm:txFillClrLst>
+    <dgm:txEffectClrLst/>
+  </dgm:styleLbl>
+</dgm:colorsDef>
+</file>
+
+<file path=ppt/diagrams/colors2.xml><?xml version="1.0" encoding="utf-8"?>
 <dgm:colorsDef xmlns:dgm="http://schemas.openxmlformats.org/drawingml/2006/diagram" xmlns:a="http://schemas.openxmlformats.org/drawingml/2006/main" uniqueId="urn:microsoft.com/office/officeart/2005/8/colors/accent6_2">
   <dgm:title val=""/>
   <dgm:desc val=""/>
@@ -1601,6 +2349,842 @@
     <dgm:cxn modelId="{A2B079EC-287A-42F8-9A34-411271C8B561}" type="presParOf" srcId="{0AE85C83-8B01-4B56-A245-6469B83D6B0D}" destId="{32D39A9C-07C4-47E1-806F-EC3E4934616C}" srcOrd="1" destOrd="0" presId="urn:microsoft.com/office/officeart/2005/8/layout/bProcess2"/>
     <dgm:cxn modelId="{60AEF2FB-1875-4619-B27A-0689B2762967}" type="presParOf" srcId="{518A01C0-EC69-4C94-AA46-00651156550A}" destId="{2F498206-EF98-4025-B343-2598E47412D2}" srcOrd="9" destOrd="0" presId="urn:microsoft.com/office/officeart/2005/8/layout/bProcess2"/>
     <dgm:cxn modelId="{62F79C88-35A9-4FF4-9D3B-E1C52B90D774}" type="presParOf" srcId="{518A01C0-EC69-4C94-AA46-00651156550A}" destId="{37C50742-30D4-4FE2-A7B8-468B9D277869}" srcOrd="10" destOrd="0" presId="urn:microsoft.com/office/officeart/2005/8/layout/bProcess2"/>
+  </dgm:cxnLst>
+  <dgm:bg/>
+  <dgm:whole/>
+  <dgm:extLst>
+    <a:ext uri="http://schemas.microsoft.com/office/drawing/2008/diagram">
+      <dsp:dataModelExt xmlns:dsp="http://schemas.microsoft.com/office/drawing/2008/diagram" relId="rId6" minVer="http://schemas.openxmlformats.org/drawingml/2006/diagram"/>
+    </a:ext>
+  </dgm:extLst>
+</dgm:dataModel>
+</file>
+
+<file path=ppt/diagrams/data2.xml><?xml version="1.0" encoding="utf-8"?>
+<dgm:dataModel xmlns:dgm="http://schemas.openxmlformats.org/drawingml/2006/diagram" xmlns:a="http://schemas.openxmlformats.org/drawingml/2006/main">
+  <dgm:ptLst>
+    <dgm:pt modelId="{E2806877-746D-4643-9C90-BA9CB4181DC3}" type="doc">
+      <dgm:prSet loTypeId="urn:microsoft.com/office/officeart/2005/8/layout/bProcess2" loCatId="process" qsTypeId="urn:microsoft.com/office/officeart/2005/8/quickstyle/3d1" qsCatId="3D" csTypeId="urn:microsoft.com/office/officeart/2005/8/colors/accent6_2" csCatId="accent6" phldr="1"/>
+      <dgm:spPr/>
+      <dgm:t>
+        <a:bodyPr/>
+        <a:lstStyle/>
+        <a:p>
+          <a:pPr latinLnBrk="1"/>
+          <a:endParaRPr lang="ko-KR" altLang="en-US"/>
+        </a:p>
+      </dgm:t>
+    </dgm:pt>
+    <dgm:pt modelId="{7320D77F-B631-4F2B-B0B3-2391747ECA16}">
+      <dgm:prSet phldrT="[텍스트]" custT="1"/>
+      <dgm:spPr/>
+      <dgm:t>
+        <a:bodyPr/>
+        <a:lstStyle/>
+        <a:p>
+          <a:pPr latinLnBrk="1">
+            <a:lnSpc>
+              <a:spcPct val="100000"/>
+            </a:lnSpc>
+            <a:spcAft>
+              <a:spcPts val="0"/>
+            </a:spcAft>
+          </a:pPr>
+          <a:r>
+            <a:rPr lang="ko-KR" altLang="en-US" sz="3200" b="1" dirty="0" smtClean="0"/>
+            <a:t>입력</a:t>
+          </a:r>
+          <a:endParaRPr lang="en-US" altLang="ko-KR" sz="3200" b="1" dirty="0" smtClean="0"/>
+        </a:p>
+        <a:p>
+          <a:pPr latinLnBrk="1">
+            <a:lnSpc>
+              <a:spcPct val="100000"/>
+            </a:lnSpc>
+            <a:spcAft>
+              <a:spcPts val="0"/>
+            </a:spcAft>
+          </a:pPr>
+          <a:r>
+            <a:rPr lang="en-US" altLang="ko-KR" sz="1600" dirty="0" smtClean="0"/>
+            <a:t>-from Team #2</a:t>
+          </a:r>
+          <a:endParaRPr lang="ko-KR" altLang="en-US" sz="3200" dirty="0"/>
+        </a:p>
+      </dgm:t>
+    </dgm:pt>
+    <dgm:pt modelId="{DA4DEA12-F4F3-4B71-98D0-42E515EEFBD0}" type="parTrans" cxnId="{EA33CCE6-B2B3-4B0C-B066-4B7DCEABC4D9}">
+      <dgm:prSet/>
+      <dgm:spPr/>
+      <dgm:t>
+        <a:bodyPr/>
+        <a:lstStyle/>
+        <a:p>
+          <a:pPr latinLnBrk="1">
+            <a:lnSpc>
+              <a:spcPct val="100000"/>
+            </a:lnSpc>
+          </a:pPr>
+          <a:endParaRPr lang="ko-KR" altLang="en-US"/>
+        </a:p>
+      </dgm:t>
+    </dgm:pt>
+    <dgm:pt modelId="{69BE0210-F737-43E2-B184-34603EE25F62}" type="sibTrans" cxnId="{EA33CCE6-B2B3-4B0C-B066-4B7DCEABC4D9}">
+      <dgm:prSet/>
+      <dgm:spPr/>
+      <dgm:t>
+        <a:bodyPr/>
+        <a:lstStyle/>
+        <a:p>
+          <a:pPr latinLnBrk="1">
+            <a:lnSpc>
+              <a:spcPct val="100000"/>
+            </a:lnSpc>
+          </a:pPr>
+          <a:endParaRPr lang="ko-KR" altLang="en-US"/>
+        </a:p>
+      </dgm:t>
+    </dgm:pt>
+    <dgm:pt modelId="{186F2164-448C-4CB0-9E6E-B794EBB64215}">
+      <dgm:prSet phldrT="[텍스트]" custT="1"/>
+      <dgm:spPr/>
+      <dgm:t>
+        <a:bodyPr/>
+        <a:lstStyle/>
+        <a:p>
+          <a:pPr latinLnBrk="1">
+            <a:lnSpc>
+              <a:spcPct val="100000"/>
+            </a:lnSpc>
+          </a:pPr>
+          <a:r>
+            <a:rPr lang="en-US" altLang="ko-KR" sz="4500" dirty="0" smtClean="0"/>
+            <a:t>Parse</a:t>
+          </a:r>
+        </a:p>
+        <a:p>
+          <a:pPr latinLnBrk="1">
+            <a:lnSpc>
+              <a:spcPct val="100000"/>
+            </a:lnSpc>
+          </a:pPr>
+          <a:r>
+            <a:rPr lang="en-US" altLang="ko-KR" sz="2000" dirty="0" smtClean="0"/>
+            <a:t>‘do’, </a:t>
+          </a:r>
+          <a:r>
+            <a:rPr lang="en-US" altLang="ko-KR" sz="2000" dirty="0" err="1" smtClean="0"/>
+            <a:t>s,u,d,r,l,R,L</a:t>
+          </a:r>
+          <a:r>
+            <a:rPr lang="en-US" altLang="ko-KR" sz="2000" dirty="0" smtClean="0"/>
+            <a:t>, </a:t>
+          </a:r>
+          <a:r>
+            <a:rPr lang="ko-KR" altLang="en-US" sz="2000" dirty="0" smtClean="0"/>
+            <a:t>치환</a:t>
+          </a:r>
+          <a:r>
+            <a:rPr lang="en-US" altLang="ko-KR" sz="2000" dirty="0" smtClean="0"/>
+            <a:t>,</a:t>
+          </a:r>
+          <a:r>
+            <a:rPr lang="ko-KR" altLang="en-US" sz="2000" dirty="0" smtClean="0"/>
+            <a:t>확률 등</a:t>
+          </a:r>
+          <a:r>
+            <a:rPr lang="en-US" altLang="ko-KR" sz="2000" dirty="0" smtClean="0"/>
+            <a:t> </a:t>
+          </a:r>
+          <a:r>
+            <a:rPr lang="ko-KR" altLang="en-US" sz="2000" dirty="0" smtClean="0"/>
+            <a:t>구분</a:t>
+          </a:r>
+          <a:endParaRPr lang="ko-KR" altLang="en-US" sz="2000" dirty="0"/>
+        </a:p>
+      </dgm:t>
+    </dgm:pt>
+    <dgm:pt modelId="{79FAC0AC-985A-485A-818D-7412D3D66113}" type="parTrans" cxnId="{08B86E4F-460B-4AC2-8622-7FC66F53344E}">
+      <dgm:prSet/>
+      <dgm:spPr/>
+      <dgm:t>
+        <a:bodyPr/>
+        <a:lstStyle/>
+        <a:p>
+          <a:pPr latinLnBrk="1">
+            <a:lnSpc>
+              <a:spcPct val="100000"/>
+            </a:lnSpc>
+          </a:pPr>
+          <a:endParaRPr lang="ko-KR" altLang="en-US"/>
+        </a:p>
+      </dgm:t>
+    </dgm:pt>
+    <dgm:pt modelId="{486A03B7-2417-475D-8CDC-05836D705E9F}" type="sibTrans" cxnId="{08B86E4F-460B-4AC2-8622-7FC66F53344E}">
+      <dgm:prSet/>
+      <dgm:spPr/>
+      <dgm:t>
+        <a:bodyPr/>
+        <a:lstStyle/>
+        <a:p>
+          <a:pPr latinLnBrk="1">
+            <a:lnSpc>
+              <a:spcPct val="100000"/>
+            </a:lnSpc>
+          </a:pPr>
+          <a:endParaRPr lang="ko-KR" altLang="en-US"/>
+        </a:p>
+      </dgm:t>
+    </dgm:pt>
+    <dgm:pt modelId="{D9637B58-BA7A-46B4-ADA2-6A2AD5AC04B0}">
+      <dgm:prSet phldrT="[텍스트]" custT="1"/>
+      <dgm:spPr/>
+      <dgm:t>
+        <a:bodyPr/>
+        <a:lstStyle/>
+        <a:p>
+          <a:pPr latinLnBrk="1">
+            <a:lnSpc>
+              <a:spcPct val="100000"/>
+            </a:lnSpc>
+            <a:spcAft>
+              <a:spcPts val="0"/>
+            </a:spcAft>
+          </a:pPr>
+          <a:r>
+            <a:rPr lang="ko-KR" altLang="en-US" sz="2000" b="1" dirty="0" smtClean="0"/>
+            <a:t>치환</a:t>
+          </a:r>
+          <a:endParaRPr lang="en-US" altLang="ko-KR" sz="2000" b="1" dirty="0" smtClean="0"/>
+        </a:p>
+        <a:p>
+          <a:pPr latinLnBrk="1">
+            <a:lnSpc>
+              <a:spcPct val="100000"/>
+            </a:lnSpc>
+            <a:spcAft>
+              <a:spcPts val="0"/>
+            </a:spcAft>
+          </a:pPr>
+          <a:r>
+            <a:rPr lang="en-US" altLang="ko-KR" sz="2000" b="1" dirty="0" smtClean="0"/>
+            <a:t>&amp; </a:t>
+          </a:r>
+          <a:r>
+            <a:rPr lang="ko-KR" altLang="en-US" sz="2000" b="1" dirty="0" smtClean="0"/>
+            <a:t>확률</a:t>
+          </a:r>
+          <a:r>
+            <a:rPr lang="ko-KR" altLang="en-US" sz="2000" dirty="0" smtClean="0"/>
+            <a:t> </a:t>
+          </a:r>
+          <a:endParaRPr lang="en-US" altLang="ko-KR" sz="2000" dirty="0" smtClean="0"/>
+        </a:p>
+        <a:p>
+          <a:pPr latinLnBrk="1">
+            <a:lnSpc>
+              <a:spcPct val="100000"/>
+            </a:lnSpc>
+            <a:spcAft>
+              <a:spcPts val="0"/>
+            </a:spcAft>
+          </a:pPr>
+          <a:r>
+            <a:rPr lang="en-US" altLang="ko-KR" sz="2000" dirty="0" smtClean="0"/>
+            <a:t>: </a:t>
+          </a:r>
+          <a:r>
+            <a:rPr lang="ko-KR" altLang="en-US" sz="2000" dirty="0" smtClean="0"/>
+            <a:t>적용</a:t>
+          </a:r>
+          <a:r>
+            <a:rPr lang="en-US" altLang="ko-KR" sz="2000" dirty="0" smtClean="0"/>
+            <a:t>!!</a:t>
+          </a:r>
+          <a:endParaRPr lang="ko-KR" altLang="en-US" sz="2000" dirty="0"/>
+        </a:p>
+      </dgm:t>
+    </dgm:pt>
+    <dgm:pt modelId="{F7872226-D0BE-4222-836A-D19242FBB4C2}" type="parTrans" cxnId="{9D70EBE6-62DE-492F-95A4-7FC4B1A81BCA}">
+      <dgm:prSet/>
+      <dgm:spPr/>
+      <dgm:t>
+        <a:bodyPr/>
+        <a:lstStyle/>
+        <a:p>
+          <a:pPr latinLnBrk="1">
+            <a:lnSpc>
+              <a:spcPct val="100000"/>
+            </a:lnSpc>
+          </a:pPr>
+          <a:endParaRPr lang="ko-KR" altLang="en-US"/>
+        </a:p>
+      </dgm:t>
+    </dgm:pt>
+    <dgm:pt modelId="{A922E25C-AC37-448D-AD12-4ACF9C82326F}" type="sibTrans" cxnId="{9D70EBE6-62DE-492F-95A4-7FC4B1A81BCA}">
+      <dgm:prSet/>
+      <dgm:spPr/>
+      <dgm:t>
+        <a:bodyPr/>
+        <a:lstStyle/>
+        <a:p>
+          <a:pPr latinLnBrk="1">
+            <a:lnSpc>
+              <a:spcPct val="100000"/>
+            </a:lnSpc>
+          </a:pPr>
+          <a:endParaRPr lang="ko-KR" altLang="en-US"/>
+        </a:p>
+      </dgm:t>
+    </dgm:pt>
+    <dgm:pt modelId="{2CD01FC3-8F3E-40E4-AE1E-EACD538AF0EA}">
+      <dgm:prSet phldrT="[텍스트]" custT="1"/>
+      <dgm:spPr/>
+      <dgm:t>
+        <a:bodyPr/>
+        <a:lstStyle/>
+        <a:p>
+          <a:pPr latinLnBrk="1">
+            <a:lnSpc>
+              <a:spcPct val="100000"/>
+            </a:lnSpc>
+            <a:spcAft>
+              <a:spcPts val="0"/>
+            </a:spcAft>
+          </a:pPr>
+          <a:r>
+            <a:rPr lang="en-US" altLang="ko-KR" sz="2800" b="1" dirty="0" smtClean="0"/>
+            <a:t>s l r </a:t>
+          </a:r>
+          <a:r>
+            <a:rPr lang="en-US" altLang="ko-KR" sz="2800" b="1" dirty="0" err="1" smtClean="0"/>
+            <a:t>R</a:t>
+          </a:r>
+          <a:r>
+            <a:rPr lang="en-US" altLang="ko-KR" sz="2800" b="1" dirty="0" smtClean="0"/>
+            <a:t> L u d</a:t>
+          </a:r>
+        </a:p>
+        <a:p>
+          <a:pPr latinLnBrk="1">
+            <a:lnSpc>
+              <a:spcPct val="100000"/>
+            </a:lnSpc>
+            <a:spcAft>
+              <a:spcPts val="0"/>
+            </a:spcAft>
+          </a:pPr>
+          <a:r>
+            <a:rPr lang="ko-KR" altLang="en-US" sz="2800" dirty="0" smtClean="0"/>
+            <a:t>명령어</a:t>
+          </a:r>
+          <a:endParaRPr lang="en-US" altLang="ko-KR" sz="2800" dirty="0" smtClean="0"/>
+        </a:p>
+        <a:p>
+          <a:pPr latinLnBrk="1">
+            <a:lnSpc>
+              <a:spcPct val="100000"/>
+            </a:lnSpc>
+            <a:spcAft>
+              <a:spcPts val="0"/>
+            </a:spcAft>
+          </a:pPr>
+          <a:r>
+            <a:rPr lang="ko-KR" altLang="en-US" sz="2800" dirty="0" smtClean="0"/>
+            <a:t>좌표 처리</a:t>
+          </a:r>
+          <a:r>
+            <a:rPr lang="en-US" altLang="ko-KR" sz="2800" dirty="0" smtClean="0"/>
+            <a:t>!</a:t>
+          </a:r>
+          <a:endParaRPr lang="ko-KR" altLang="en-US" sz="2800" dirty="0"/>
+        </a:p>
+      </dgm:t>
+    </dgm:pt>
+    <dgm:pt modelId="{4E45351B-22AB-4E6A-BC37-9914C6075356}" type="parTrans" cxnId="{BD6C25B9-4D1F-4F3C-9C64-45E7AD72F5F6}">
+      <dgm:prSet/>
+      <dgm:spPr/>
+      <dgm:t>
+        <a:bodyPr/>
+        <a:lstStyle/>
+        <a:p>
+          <a:pPr latinLnBrk="1">
+            <a:lnSpc>
+              <a:spcPct val="100000"/>
+            </a:lnSpc>
+          </a:pPr>
+          <a:endParaRPr lang="ko-KR" altLang="en-US"/>
+        </a:p>
+      </dgm:t>
+    </dgm:pt>
+    <dgm:pt modelId="{AF8927E3-E0F9-4A40-8AF1-357E0BA7A968}" type="sibTrans" cxnId="{BD6C25B9-4D1F-4F3C-9C64-45E7AD72F5F6}">
+      <dgm:prSet/>
+      <dgm:spPr/>
+      <dgm:t>
+        <a:bodyPr/>
+        <a:lstStyle/>
+        <a:p>
+          <a:pPr latinLnBrk="1">
+            <a:lnSpc>
+              <a:spcPct val="100000"/>
+            </a:lnSpc>
+          </a:pPr>
+          <a:endParaRPr lang="ko-KR" altLang="en-US"/>
+        </a:p>
+      </dgm:t>
+    </dgm:pt>
+    <dgm:pt modelId="{5BE5D2EC-9506-4BF6-82A5-801C97AD52BB}">
+      <dgm:prSet phldrT="[텍스트]" custT="1"/>
+      <dgm:spPr/>
+      <dgm:t>
+        <a:bodyPr/>
+        <a:lstStyle/>
+        <a:p>
+          <a:pPr latinLnBrk="1">
+            <a:lnSpc>
+              <a:spcPct val="100000"/>
+            </a:lnSpc>
+            <a:spcAft>
+              <a:spcPts val="0"/>
+            </a:spcAft>
+          </a:pPr>
+          <a:r>
+            <a:rPr lang="ko-KR" altLang="en-US" sz="2000" dirty="0" smtClean="0"/>
+            <a:t>좌표 </a:t>
+          </a:r>
+          <a:r>
+            <a:rPr lang="ko-KR" altLang="en-US" sz="2000" dirty="0" smtClean="0"/>
+            <a:t>수합</a:t>
+          </a:r>
+          <a:endParaRPr lang="en-US" altLang="ko-KR" sz="2000" dirty="0" smtClean="0"/>
+        </a:p>
+        <a:p>
+          <a:pPr latinLnBrk="1">
+            <a:lnSpc>
+              <a:spcPct val="100000"/>
+            </a:lnSpc>
+            <a:spcAft>
+              <a:spcPts val="0"/>
+            </a:spcAft>
+          </a:pPr>
+          <a:r>
+            <a:rPr lang="en-US" altLang="ko-KR" sz="1400" dirty="0" smtClean="0"/>
+            <a:t>-DB </a:t>
+          </a:r>
+          <a:r>
+            <a:rPr lang="ko-KR" altLang="en-US" sz="1400" dirty="0" smtClean="0"/>
+            <a:t>배열 저장</a:t>
+          </a:r>
+          <a:endParaRPr lang="ko-KR" altLang="en-US" sz="1400" dirty="0"/>
+        </a:p>
+      </dgm:t>
+    </dgm:pt>
+    <dgm:pt modelId="{0E1339FC-06BE-444C-8F90-9874FA6E8256}" type="parTrans" cxnId="{E2F48667-A63B-43DC-9E85-37AFF5489746}">
+      <dgm:prSet/>
+      <dgm:spPr/>
+      <dgm:t>
+        <a:bodyPr/>
+        <a:lstStyle/>
+        <a:p>
+          <a:pPr latinLnBrk="1">
+            <a:lnSpc>
+              <a:spcPct val="100000"/>
+            </a:lnSpc>
+          </a:pPr>
+          <a:endParaRPr lang="ko-KR" altLang="en-US"/>
+        </a:p>
+      </dgm:t>
+    </dgm:pt>
+    <dgm:pt modelId="{1C1288FC-9242-4597-ACFF-EDA909CFF940}" type="sibTrans" cxnId="{E2F48667-A63B-43DC-9E85-37AFF5489746}">
+      <dgm:prSet/>
+      <dgm:spPr/>
+      <dgm:t>
+        <a:bodyPr/>
+        <a:lstStyle/>
+        <a:p>
+          <a:pPr latinLnBrk="1">
+            <a:lnSpc>
+              <a:spcPct val="100000"/>
+            </a:lnSpc>
+          </a:pPr>
+          <a:endParaRPr lang="ko-KR" altLang="en-US"/>
+        </a:p>
+      </dgm:t>
+    </dgm:pt>
+    <dgm:pt modelId="{C8BC96D9-310C-415D-9C66-F4B036D57604}">
+      <dgm:prSet phldrT="[텍스트]" custT="1"/>
+      <dgm:spPr/>
+      <dgm:t>
+        <a:bodyPr/>
+        <a:lstStyle/>
+        <a:p>
+          <a:pPr latinLnBrk="1">
+            <a:lnSpc>
+              <a:spcPct val="100000"/>
+            </a:lnSpc>
+            <a:spcAft>
+              <a:spcPts val="0"/>
+            </a:spcAft>
+          </a:pPr>
+          <a:r>
+            <a:rPr lang="ko-KR" altLang="en-US" sz="3600" dirty="0" smtClean="0"/>
+            <a:t>출력</a:t>
+          </a:r>
+          <a:endParaRPr lang="en-US" altLang="ko-KR" sz="3600" dirty="0" smtClean="0"/>
+        </a:p>
+        <a:p>
+          <a:pPr latinLnBrk="1">
+            <a:lnSpc>
+              <a:spcPct val="100000"/>
+            </a:lnSpc>
+            <a:spcAft>
+              <a:spcPts val="0"/>
+            </a:spcAft>
+          </a:pPr>
+          <a:r>
+            <a:rPr lang="en-US" altLang="ko-KR" sz="1400" dirty="0" smtClean="0"/>
+            <a:t>-&gt; </a:t>
+          </a:r>
+          <a:r>
+            <a:rPr lang="ko-KR" altLang="en-US" sz="1400" dirty="0" err="1" smtClean="0"/>
+            <a:t>웹페이지로</a:t>
+          </a:r>
+          <a:endParaRPr lang="ko-KR" altLang="en-US" sz="1400" dirty="0"/>
+        </a:p>
+      </dgm:t>
+    </dgm:pt>
+    <dgm:pt modelId="{DF7CA638-51E4-40E0-A4C8-417443F24457}" type="parTrans" cxnId="{E99ED63C-1924-4E3C-9137-380A309D6DE1}">
+      <dgm:prSet/>
+      <dgm:spPr/>
+      <dgm:t>
+        <a:bodyPr/>
+        <a:lstStyle/>
+        <a:p>
+          <a:pPr latinLnBrk="1"/>
+          <a:endParaRPr lang="ko-KR" altLang="en-US"/>
+        </a:p>
+      </dgm:t>
+    </dgm:pt>
+    <dgm:pt modelId="{24E4E485-3EE0-4582-B746-0320D0ECA731}" type="sibTrans" cxnId="{E99ED63C-1924-4E3C-9137-380A309D6DE1}">
+      <dgm:prSet/>
+      <dgm:spPr/>
+      <dgm:t>
+        <a:bodyPr/>
+        <a:lstStyle/>
+        <a:p>
+          <a:pPr latinLnBrk="1"/>
+          <a:endParaRPr lang="ko-KR" altLang="en-US"/>
+        </a:p>
+      </dgm:t>
+    </dgm:pt>
+    <dgm:pt modelId="{518A01C0-EC69-4C94-AA46-00651156550A}" type="pres">
+      <dgm:prSet presAssocID="{E2806877-746D-4643-9C90-BA9CB4181DC3}" presName="diagram" presStyleCnt="0">
+        <dgm:presLayoutVars>
+          <dgm:dir/>
+          <dgm:resizeHandles/>
+        </dgm:presLayoutVars>
+      </dgm:prSet>
+      <dgm:spPr/>
+      <dgm:t>
+        <a:bodyPr/>
+        <a:lstStyle/>
+        <a:p>
+          <a:pPr latinLnBrk="1"/>
+          <a:endParaRPr lang="ko-KR" altLang="en-US"/>
+        </a:p>
+      </dgm:t>
+    </dgm:pt>
+    <dgm:pt modelId="{EEEADB88-EB1F-44CB-8BEA-2D5C0621E504}" type="pres">
+      <dgm:prSet presAssocID="{7320D77F-B631-4F2B-B0B3-2391747ECA16}" presName="firstNode" presStyleLbl="node1" presStyleIdx="0" presStyleCnt="6" custScaleX="98657" custScaleY="96479">
+        <dgm:presLayoutVars>
+          <dgm:bulletEnabled val="1"/>
+        </dgm:presLayoutVars>
+      </dgm:prSet>
+      <dgm:spPr/>
+      <dgm:t>
+        <a:bodyPr/>
+        <a:lstStyle/>
+        <a:p>
+          <a:pPr latinLnBrk="1"/>
+          <a:endParaRPr lang="ko-KR" altLang="en-US"/>
+        </a:p>
+      </dgm:t>
+    </dgm:pt>
+    <dgm:pt modelId="{F706B9BB-0D37-4981-9D9B-EC76D93A30BA}" type="pres">
+      <dgm:prSet presAssocID="{69BE0210-F737-43E2-B184-34603EE25F62}" presName="sibTrans" presStyleLbl="sibTrans2D1" presStyleIdx="0" presStyleCnt="5"/>
+      <dgm:spPr/>
+      <dgm:t>
+        <a:bodyPr/>
+        <a:lstStyle/>
+        <a:p>
+          <a:pPr latinLnBrk="1"/>
+          <a:endParaRPr lang="ko-KR" altLang="en-US"/>
+        </a:p>
+      </dgm:t>
+    </dgm:pt>
+    <dgm:pt modelId="{B684EA59-B882-4F57-B63A-BCCD760ED718}" type="pres">
+      <dgm:prSet presAssocID="{186F2164-448C-4CB0-9E6E-B794EBB64215}" presName="middleNode" presStyleCnt="0"/>
+      <dgm:spPr/>
+      <dgm:t>
+        <a:bodyPr/>
+        <a:lstStyle/>
+        <a:p>
+          <a:pPr latinLnBrk="1"/>
+          <a:endParaRPr lang="ko-KR" altLang="en-US"/>
+        </a:p>
+      </dgm:t>
+    </dgm:pt>
+    <dgm:pt modelId="{86CB7B8B-53C6-41DD-BC73-2E38793277EB}" type="pres">
+      <dgm:prSet presAssocID="{186F2164-448C-4CB0-9E6E-B794EBB64215}" presName="padding" presStyleLbl="node1" presStyleIdx="0" presStyleCnt="6"/>
+      <dgm:spPr/>
+      <dgm:t>
+        <a:bodyPr/>
+        <a:lstStyle/>
+        <a:p>
+          <a:pPr latinLnBrk="1"/>
+          <a:endParaRPr lang="ko-KR" altLang="en-US"/>
+        </a:p>
+      </dgm:t>
+    </dgm:pt>
+    <dgm:pt modelId="{6B99CEB0-FEC2-45CD-A80E-2BB943DC7B60}" type="pres">
+      <dgm:prSet presAssocID="{186F2164-448C-4CB0-9E6E-B794EBB64215}" presName="shape" presStyleLbl="node1" presStyleIdx="1" presStyleCnt="6" custScaleX="268805" custScaleY="260663">
+        <dgm:presLayoutVars>
+          <dgm:bulletEnabled val="1"/>
+        </dgm:presLayoutVars>
+      </dgm:prSet>
+      <dgm:spPr/>
+      <dgm:t>
+        <a:bodyPr/>
+        <a:lstStyle/>
+        <a:p>
+          <a:pPr latinLnBrk="1"/>
+          <a:endParaRPr lang="ko-KR" altLang="en-US"/>
+        </a:p>
+      </dgm:t>
+    </dgm:pt>
+    <dgm:pt modelId="{3CE98933-FF12-4CE4-9418-79D456604D4B}" type="pres">
+      <dgm:prSet presAssocID="{486A03B7-2417-475D-8CDC-05836D705E9F}" presName="sibTrans" presStyleLbl="sibTrans2D1" presStyleIdx="1" presStyleCnt="5"/>
+      <dgm:spPr/>
+      <dgm:t>
+        <a:bodyPr/>
+        <a:lstStyle/>
+        <a:p>
+          <a:pPr latinLnBrk="1"/>
+          <a:endParaRPr lang="ko-KR" altLang="en-US"/>
+        </a:p>
+      </dgm:t>
+    </dgm:pt>
+    <dgm:pt modelId="{A83EE8B5-5FB2-41B7-888F-9E081A0F389F}" type="pres">
+      <dgm:prSet presAssocID="{D9637B58-BA7A-46B4-ADA2-6A2AD5AC04B0}" presName="middleNode" presStyleCnt="0"/>
+      <dgm:spPr/>
+      <dgm:t>
+        <a:bodyPr/>
+        <a:lstStyle/>
+        <a:p>
+          <a:pPr latinLnBrk="1"/>
+          <a:endParaRPr lang="ko-KR" altLang="en-US"/>
+        </a:p>
+      </dgm:t>
+    </dgm:pt>
+    <dgm:pt modelId="{A3E14F96-5779-4C28-ACEE-3AAC01EB617B}" type="pres">
+      <dgm:prSet presAssocID="{D9637B58-BA7A-46B4-ADA2-6A2AD5AC04B0}" presName="padding" presStyleLbl="node1" presStyleIdx="1" presStyleCnt="6"/>
+      <dgm:spPr/>
+      <dgm:t>
+        <a:bodyPr/>
+        <a:lstStyle/>
+        <a:p>
+          <a:pPr latinLnBrk="1"/>
+          <a:endParaRPr lang="ko-KR" altLang="en-US"/>
+        </a:p>
+      </dgm:t>
+    </dgm:pt>
+    <dgm:pt modelId="{7A28E3D2-93CE-46A1-9B01-86D0ADBA8B5E}" type="pres">
+      <dgm:prSet presAssocID="{D9637B58-BA7A-46B4-ADA2-6A2AD5AC04B0}" presName="shape" presStyleLbl="node1" presStyleIdx="2" presStyleCnt="6" custScaleX="161403" custScaleY="161403">
+        <dgm:presLayoutVars>
+          <dgm:bulletEnabled val="1"/>
+        </dgm:presLayoutVars>
+      </dgm:prSet>
+      <dgm:spPr/>
+      <dgm:t>
+        <a:bodyPr/>
+        <a:lstStyle/>
+        <a:p>
+          <a:pPr latinLnBrk="1"/>
+          <a:endParaRPr lang="ko-KR" altLang="en-US"/>
+        </a:p>
+      </dgm:t>
+    </dgm:pt>
+    <dgm:pt modelId="{2CEC5635-DCDB-4F69-B92E-7040BDE833B8}" type="pres">
+      <dgm:prSet presAssocID="{A922E25C-AC37-448D-AD12-4ACF9C82326F}" presName="sibTrans" presStyleLbl="sibTrans2D1" presStyleIdx="2" presStyleCnt="5"/>
+      <dgm:spPr/>
+      <dgm:t>
+        <a:bodyPr/>
+        <a:lstStyle/>
+        <a:p>
+          <a:pPr latinLnBrk="1"/>
+          <a:endParaRPr lang="ko-KR" altLang="en-US"/>
+        </a:p>
+      </dgm:t>
+    </dgm:pt>
+    <dgm:pt modelId="{0AE85C83-8B01-4B56-A245-6469B83D6B0D}" type="pres">
+      <dgm:prSet presAssocID="{2CD01FC3-8F3E-40E4-AE1E-EACD538AF0EA}" presName="middleNode" presStyleCnt="0"/>
+      <dgm:spPr/>
+      <dgm:t>
+        <a:bodyPr/>
+        <a:lstStyle/>
+        <a:p>
+          <a:pPr latinLnBrk="1"/>
+          <a:endParaRPr lang="ko-KR" altLang="en-US"/>
+        </a:p>
+      </dgm:t>
+    </dgm:pt>
+    <dgm:pt modelId="{B2799FEF-94D8-4EA5-9C88-55D45C5FB1D4}" type="pres">
+      <dgm:prSet presAssocID="{2CD01FC3-8F3E-40E4-AE1E-EACD538AF0EA}" presName="padding" presStyleLbl="node1" presStyleIdx="2" presStyleCnt="6"/>
+      <dgm:spPr/>
+      <dgm:t>
+        <a:bodyPr/>
+        <a:lstStyle/>
+        <a:p>
+          <a:pPr latinLnBrk="1"/>
+          <a:endParaRPr lang="ko-KR" altLang="en-US"/>
+        </a:p>
+      </dgm:t>
+    </dgm:pt>
+    <dgm:pt modelId="{32D39A9C-07C4-47E1-806F-EC3E4934616C}" type="pres">
+      <dgm:prSet presAssocID="{2CD01FC3-8F3E-40E4-AE1E-EACD538AF0EA}" presName="shape" presStyleLbl="node1" presStyleIdx="3" presStyleCnt="6" custScaleX="248034" custScaleY="241183">
+        <dgm:presLayoutVars>
+          <dgm:bulletEnabled val="1"/>
+        </dgm:presLayoutVars>
+      </dgm:prSet>
+      <dgm:spPr/>
+      <dgm:t>
+        <a:bodyPr/>
+        <a:lstStyle/>
+        <a:p>
+          <a:pPr latinLnBrk="1"/>
+          <a:endParaRPr lang="ko-KR" altLang="en-US"/>
+        </a:p>
+      </dgm:t>
+    </dgm:pt>
+    <dgm:pt modelId="{2F498206-EF98-4025-B343-2598E47412D2}" type="pres">
+      <dgm:prSet presAssocID="{AF8927E3-E0F9-4A40-8AF1-357E0BA7A968}" presName="sibTrans" presStyleLbl="sibTrans2D1" presStyleIdx="3" presStyleCnt="5"/>
+      <dgm:spPr/>
+      <dgm:t>
+        <a:bodyPr/>
+        <a:lstStyle/>
+        <a:p>
+          <a:pPr latinLnBrk="1"/>
+          <a:endParaRPr lang="ko-KR" altLang="en-US"/>
+        </a:p>
+      </dgm:t>
+    </dgm:pt>
+    <dgm:pt modelId="{59E36A69-5A60-497E-AA4A-B7FBC67CC707}" type="pres">
+      <dgm:prSet presAssocID="{5BE5D2EC-9506-4BF6-82A5-801C97AD52BB}" presName="middleNode" presStyleCnt="0"/>
+      <dgm:spPr/>
+      <dgm:t>
+        <a:bodyPr/>
+        <a:lstStyle/>
+        <a:p>
+          <a:pPr latinLnBrk="1"/>
+          <a:endParaRPr lang="ko-KR" altLang="en-US"/>
+        </a:p>
+      </dgm:t>
+    </dgm:pt>
+    <dgm:pt modelId="{B60795C4-6251-471F-A797-F7CDC3F4392C}" type="pres">
+      <dgm:prSet presAssocID="{5BE5D2EC-9506-4BF6-82A5-801C97AD52BB}" presName="padding" presStyleLbl="node1" presStyleIdx="3" presStyleCnt="6"/>
+      <dgm:spPr/>
+      <dgm:t>
+        <a:bodyPr/>
+        <a:lstStyle/>
+        <a:p>
+          <a:pPr latinLnBrk="1"/>
+          <a:endParaRPr lang="ko-KR" altLang="en-US"/>
+        </a:p>
+      </dgm:t>
+    </dgm:pt>
+    <dgm:pt modelId="{3DD585B4-E792-43B7-A8FB-83493083EBB2}" type="pres">
+      <dgm:prSet presAssocID="{5BE5D2EC-9506-4BF6-82A5-801C97AD52BB}" presName="shape" presStyleLbl="node1" presStyleIdx="4" presStyleCnt="6" custScaleX="142592" custScaleY="142592">
+        <dgm:presLayoutVars>
+          <dgm:bulletEnabled val="1"/>
+        </dgm:presLayoutVars>
+      </dgm:prSet>
+      <dgm:spPr/>
+      <dgm:t>
+        <a:bodyPr/>
+        <a:lstStyle/>
+        <a:p>
+          <a:pPr latinLnBrk="1"/>
+          <a:endParaRPr lang="ko-KR" altLang="en-US"/>
+        </a:p>
+      </dgm:t>
+    </dgm:pt>
+    <dgm:pt modelId="{7A1E91C8-8A0C-4492-870F-1ED0473A2920}" type="pres">
+      <dgm:prSet presAssocID="{1C1288FC-9242-4597-ACFF-EDA909CFF940}" presName="sibTrans" presStyleLbl="sibTrans2D1" presStyleIdx="4" presStyleCnt="5"/>
+      <dgm:spPr/>
+      <dgm:t>
+        <a:bodyPr/>
+        <a:lstStyle/>
+        <a:p>
+          <a:pPr latinLnBrk="1"/>
+          <a:endParaRPr lang="ko-KR" altLang="en-US"/>
+        </a:p>
+      </dgm:t>
+    </dgm:pt>
+    <dgm:pt modelId="{CE80D0E0-C9C4-4D3E-BE7D-AB8C6C488505}" type="pres">
+      <dgm:prSet presAssocID="{C8BC96D9-310C-415D-9C66-F4B036D57604}" presName="lastNode" presStyleLbl="node1" presStyleIdx="5" presStyleCnt="6">
+        <dgm:presLayoutVars>
+          <dgm:bulletEnabled val="1"/>
+        </dgm:presLayoutVars>
+      </dgm:prSet>
+      <dgm:spPr/>
+      <dgm:t>
+        <a:bodyPr/>
+        <a:lstStyle/>
+        <a:p>
+          <a:pPr latinLnBrk="1"/>
+          <a:endParaRPr lang="ko-KR" altLang="en-US"/>
+        </a:p>
+      </dgm:t>
+    </dgm:pt>
+  </dgm:ptLst>
+  <dgm:cxnLst>
+    <dgm:cxn modelId="{08B86E4F-460B-4AC2-8622-7FC66F53344E}" srcId="{E2806877-746D-4643-9C90-BA9CB4181DC3}" destId="{186F2164-448C-4CB0-9E6E-B794EBB64215}" srcOrd="1" destOrd="0" parTransId="{79FAC0AC-985A-485A-818D-7412D3D66113}" sibTransId="{486A03B7-2417-475D-8CDC-05836D705E9F}"/>
+    <dgm:cxn modelId="{AF3B8813-8C0F-49BF-A43D-2D614E54A958}" type="presOf" srcId="{1C1288FC-9242-4597-ACFF-EDA909CFF940}" destId="{7A1E91C8-8A0C-4492-870F-1ED0473A2920}" srcOrd="0" destOrd="0" presId="urn:microsoft.com/office/officeart/2005/8/layout/bProcess2"/>
+    <dgm:cxn modelId="{EA33CCE6-B2B3-4B0C-B066-4B7DCEABC4D9}" srcId="{E2806877-746D-4643-9C90-BA9CB4181DC3}" destId="{7320D77F-B631-4F2B-B0B3-2391747ECA16}" srcOrd="0" destOrd="0" parTransId="{DA4DEA12-F4F3-4B71-98D0-42E515EEFBD0}" sibTransId="{69BE0210-F737-43E2-B184-34603EE25F62}"/>
+    <dgm:cxn modelId="{8EE554FD-1FFF-48E6-B966-0B06C9308AE9}" type="presOf" srcId="{486A03B7-2417-475D-8CDC-05836D705E9F}" destId="{3CE98933-FF12-4CE4-9418-79D456604D4B}" srcOrd="0" destOrd="0" presId="urn:microsoft.com/office/officeart/2005/8/layout/bProcess2"/>
+    <dgm:cxn modelId="{5A616D6B-2DE8-479B-B35C-9A902D0B7A69}" type="presOf" srcId="{C8BC96D9-310C-415D-9C66-F4B036D57604}" destId="{CE80D0E0-C9C4-4D3E-BE7D-AB8C6C488505}" srcOrd="0" destOrd="0" presId="urn:microsoft.com/office/officeart/2005/8/layout/bProcess2"/>
+    <dgm:cxn modelId="{013B874F-0770-4FC2-8589-D96B5592806A}" type="presOf" srcId="{69BE0210-F737-43E2-B184-34603EE25F62}" destId="{F706B9BB-0D37-4981-9D9B-EC76D93A30BA}" srcOrd="0" destOrd="0" presId="urn:microsoft.com/office/officeart/2005/8/layout/bProcess2"/>
+    <dgm:cxn modelId="{077783E0-3132-4D56-9DDB-9D76E0D2EE53}" type="presOf" srcId="{D9637B58-BA7A-46B4-ADA2-6A2AD5AC04B0}" destId="{7A28E3D2-93CE-46A1-9B01-86D0ADBA8B5E}" srcOrd="0" destOrd="0" presId="urn:microsoft.com/office/officeart/2005/8/layout/bProcess2"/>
+    <dgm:cxn modelId="{A6264B30-9571-46A4-9B76-627E5F7B219E}" type="presOf" srcId="{7320D77F-B631-4F2B-B0B3-2391747ECA16}" destId="{EEEADB88-EB1F-44CB-8BEA-2D5C0621E504}" srcOrd="0" destOrd="0" presId="urn:microsoft.com/office/officeart/2005/8/layout/bProcess2"/>
+    <dgm:cxn modelId="{9CA530CB-03C6-4945-A9A4-5526EB97E6BF}" type="presOf" srcId="{A922E25C-AC37-448D-AD12-4ACF9C82326F}" destId="{2CEC5635-DCDB-4F69-B92E-7040BDE833B8}" srcOrd="0" destOrd="0" presId="urn:microsoft.com/office/officeart/2005/8/layout/bProcess2"/>
+    <dgm:cxn modelId="{C8AA9B88-920B-4A05-AEE9-6F51E5DFE148}" type="presOf" srcId="{186F2164-448C-4CB0-9E6E-B794EBB64215}" destId="{6B99CEB0-FEC2-45CD-A80E-2BB943DC7B60}" srcOrd="0" destOrd="0" presId="urn:microsoft.com/office/officeart/2005/8/layout/bProcess2"/>
+    <dgm:cxn modelId="{E99ED63C-1924-4E3C-9137-380A309D6DE1}" srcId="{E2806877-746D-4643-9C90-BA9CB4181DC3}" destId="{C8BC96D9-310C-415D-9C66-F4B036D57604}" srcOrd="5" destOrd="0" parTransId="{DF7CA638-51E4-40E0-A4C8-417443F24457}" sibTransId="{24E4E485-3EE0-4582-B746-0320D0ECA731}"/>
+    <dgm:cxn modelId="{CD01716F-CAFF-4B2B-876C-4B47CE395409}" type="presOf" srcId="{5BE5D2EC-9506-4BF6-82A5-801C97AD52BB}" destId="{3DD585B4-E792-43B7-A8FB-83493083EBB2}" srcOrd="0" destOrd="0" presId="urn:microsoft.com/office/officeart/2005/8/layout/bProcess2"/>
+    <dgm:cxn modelId="{C17A81B7-064E-4DE1-B7A2-2E4683812DFA}" type="presOf" srcId="{2CD01FC3-8F3E-40E4-AE1E-EACD538AF0EA}" destId="{32D39A9C-07C4-47E1-806F-EC3E4934616C}" srcOrd="0" destOrd="0" presId="urn:microsoft.com/office/officeart/2005/8/layout/bProcess2"/>
+    <dgm:cxn modelId="{E2F48667-A63B-43DC-9E85-37AFF5489746}" srcId="{E2806877-746D-4643-9C90-BA9CB4181DC3}" destId="{5BE5D2EC-9506-4BF6-82A5-801C97AD52BB}" srcOrd="4" destOrd="0" parTransId="{0E1339FC-06BE-444C-8F90-9874FA6E8256}" sibTransId="{1C1288FC-9242-4597-ACFF-EDA909CFF940}"/>
+    <dgm:cxn modelId="{9D70EBE6-62DE-492F-95A4-7FC4B1A81BCA}" srcId="{E2806877-746D-4643-9C90-BA9CB4181DC3}" destId="{D9637B58-BA7A-46B4-ADA2-6A2AD5AC04B0}" srcOrd="2" destOrd="0" parTransId="{F7872226-D0BE-4222-836A-D19242FBB4C2}" sibTransId="{A922E25C-AC37-448D-AD12-4ACF9C82326F}"/>
+    <dgm:cxn modelId="{D4DC3A45-EE6B-4342-B22E-C0504A1634E2}" type="presOf" srcId="{E2806877-746D-4643-9C90-BA9CB4181DC3}" destId="{518A01C0-EC69-4C94-AA46-00651156550A}" srcOrd="0" destOrd="0" presId="urn:microsoft.com/office/officeart/2005/8/layout/bProcess2"/>
+    <dgm:cxn modelId="{7929F84F-3CAD-4B2E-8C48-19B7631DCF14}" type="presOf" srcId="{AF8927E3-E0F9-4A40-8AF1-357E0BA7A968}" destId="{2F498206-EF98-4025-B343-2598E47412D2}" srcOrd="0" destOrd="0" presId="urn:microsoft.com/office/officeart/2005/8/layout/bProcess2"/>
+    <dgm:cxn modelId="{BD6C25B9-4D1F-4F3C-9C64-45E7AD72F5F6}" srcId="{E2806877-746D-4643-9C90-BA9CB4181DC3}" destId="{2CD01FC3-8F3E-40E4-AE1E-EACD538AF0EA}" srcOrd="3" destOrd="0" parTransId="{4E45351B-22AB-4E6A-BC37-9914C6075356}" sibTransId="{AF8927E3-E0F9-4A40-8AF1-357E0BA7A968}"/>
+    <dgm:cxn modelId="{6AA6FC74-EDF8-4841-A6B6-0F61755CA8BA}" type="presParOf" srcId="{518A01C0-EC69-4C94-AA46-00651156550A}" destId="{EEEADB88-EB1F-44CB-8BEA-2D5C0621E504}" srcOrd="0" destOrd="0" presId="urn:microsoft.com/office/officeart/2005/8/layout/bProcess2"/>
+    <dgm:cxn modelId="{F5F0351D-7066-46C2-8F51-80814FA7EC7D}" type="presParOf" srcId="{518A01C0-EC69-4C94-AA46-00651156550A}" destId="{F706B9BB-0D37-4981-9D9B-EC76D93A30BA}" srcOrd="1" destOrd="0" presId="urn:microsoft.com/office/officeart/2005/8/layout/bProcess2"/>
+    <dgm:cxn modelId="{0857C012-14CE-43A6-90CF-44A9E53C302D}" type="presParOf" srcId="{518A01C0-EC69-4C94-AA46-00651156550A}" destId="{B684EA59-B882-4F57-B63A-BCCD760ED718}" srcOrd="2" destOrd="0" presId="urn:microsoft.com/office/officeart/2005/8/layout/bProcess2"/>
+    <dgm:cxn modelId="{CB1761EF-3C55-4B73-9718-86A728F3405B}" type="presParOf" srcId="{B684EA59-B882-4F57-B63A-BCCD760ED718}" destId="{86CB7B8B-53C6-41DD-BC73-2E38793277EB}" srcOrd="0" destOrd="0" presId="urn:microsoft.com/office/officeart/2005/8/layout/bProcess2"/>
+    <dgm:cxn modelId="{8E1D3D18-6FC1-41BD-B5B7-E0F28602BEFC}" type="presParOf" srcId="{B684EA59-B882-4F57-B63A-BCCD760ED718}" destId="{6B99CEB0-FEC2-45CD-A80E-2BB943DC7B60}" srcOrd="1" destOrd="0" presId="urn:microsoft.com/office/officeart/2005/8/layout/bProcess2"/>
+    <dgm:cxn modelId="{CF4D2215-22B8-4E4E-8B6A-33BF524E80EC}" type="presParOf" srcId="{518A01C0-EC69-4C94-AA46-00651156550A}" destId="{3CE98933-FF12-4CE4-9418-79D456604D4B}" srcOrd="3" destOrd="0" presId="urn:microsoft.com/office/officeart/2005/8/layout/bProcess2"/>
+    <dgm:cxn modelId="{EF8F92A3-196D-47D0-9ADE-CDEB7ACE10B0}" type="presParOf" srcId="{518A01C0-EC69-4C94-AA46-00651156550A}" destId="{A83EE8B5-5FB2-41B7-888F-9E081A0F389F}" srcOrd="4" destOrd="0" presId="urn:microsoft.com/office/officeart/2005/8/layout/bProcess2"/>
+    <dgm:cxn modelId="{E6F5FEE2-861D-498D-B851-AF926CCA274E}" type="presParOf" srcId="{A83EE8B5-5FB2-41B7-888F-9E081A0F389F}" destId="{A3E14F96-5779-4C28-ACEE-3AAC01EB617B}" srcOrd="0" destOrd="0" presId="urn:microsoft.com/office/officeart/2005/8/layout/bProcess2"/>
+    <dgm:cxn modelId="{53E8D830-58E4-4F6C-8F7A-66DFBCC5D745}" type="presParOf" srcId="{A83EE8B5-5FB2-41B7-888F-9E081A0F389F}" destId="{7A28E3D2-93CE-46A1-9B01-86D0ADBA8B5E}" srcOrd="1" destOrd="0" presId="urn:microsoft.com/office/officeart/2005/8/layout/bProcess2"/>
+    <dgm:cxn modelId="{05D4537F-3C6F-435C-86FB-22B4C11D229A}" type="presParOf" srcId="{518A01C0-EC69-4C94-AA46-00651156550A}" destId="{2CEC5635-DCDB-4F69-B92E-7040BDE833B8}" srcOrd="5" destOrd="0" presId="urn:microsoft.com/office/officeart/2005/8/layout/bProcess2"/>
+    <dgm:cxn modelId="{66AFEE82-FF12-4C80-8EA3-3CFC7AD9414D}" type="presParOf" srcId="{518A01C0-EC69-4C94-AA46-00651156550A}" destId="{0AE85C83-8B01-4B56-A245-6469B83D6B0D}" srcOrd="6" destOrd="0" presId="urn:microsoft.com/office/officeart/2005/8/layout/bProcess2"/>
+    <dgm:cxn modelId="{19F9A586-B3A3-4145-97BA-CF34519FDAD3}" type="presParOf" srcId="{0AE85C83-8B01-4B56-A245-6469B83D6B0D}" destId="{B2799FEF-94D8-4EA5-9C88-55D45C5FB1D4}" srcOrd="0" destOrd="0" presId="urn:microsoft.com/office/officeart/2005/8/layout/bProcess2"/>
+    <dgm:cxn modelId="{8A04B1BB-B4DB-4725-9981-9BA2A9E035B9}" type="presParOf" srcId="{0AE85C83-8B01-4B56-A245-6469B83D6B0D}" destId="{32D39A9C-07C4-47E1-806F-EC3E4934616C}" srcOrd="1" destOrd="0" presId="urn:microsoft.com/office/officeart/2005/8/layout/bProcess2"/>
+    <dgm:cxn modelId="{8B8A7071-987B-4503-AF37-09886889611F}" type="presParOf" srcId="{518A01C0-EC69-4C94-AA46-00651156550A}" destId="{2F498206-EF98-4025-B343-2598E47412D2}" srcOrd="7" destOrd="0" presId="urn:microsoft.com/office/officeart/2005/8/layout/bProcess2"/>
+    <dgm:cxn modelId="{3F6916BD-7735-4F8B-8246-E2CA65C0DA3E}" type="presParOf" srcId="{518A01C0-EC69-4C94-AA46-00651156550A}" destId="{59E36A69-5A60-497E-AA4A-B7FBC67CC707}" srcOrd="8" destOrd="0" presId="urn:microsoft.com/office/officeart/2005/8/layout/bProcess2"/>
+    <dgm:cxn modelId="{44A8E232-A487-4DC8-8849-1C6984A2B047}" type="presParOf" srcId="{59E36A69-5A60-497E-AA4A-B7FBC67CC707}" destId="{B60795C4-6251-471F-A797-F7CDC3F4392C}" srcOrd="0" destOrd="0" presId="urn:microsoft.com/office/officeart/2005/8/layout/bProcess2"/>
+    <dgm:cxn modelId="{03ABA4F0-3C11-492A-BD6C-589ABCFCE08D}" type="presParOf" srcId="{59E36A69-5A60-497E-AA4A-B7FBC67CC707}" destId="{3DD585B4-E792-43B7-A8FB-83493083EBB2}" srcOrd="1" destOrd="0" presId="urn:microsoft.com/office/officeart/2005/8/layout/bProcess2"/>
+    <dgm:cxn modelId="{08617619-6C4E-478A-A566-0CA920ABE4FA}" type="presParOf" srcId="{518A01C0-EC69-4C94-AA46-00651156550A}" destId="{7A1E91C8-8A0C-4492-870F-1ED0473A2920}" srcOrd="9" destOrd="0" presId="urn:microsoft.com/office/officeart/2005/8/layout/bProcess2"/>
+    <dgm:cxn modelId="{3A620DD3-0096-4204-BE52-EFFBB3BFE4CA}" type="presParOf" srcId="{518A01C0-EC69-4C94-AA46-00651156550A}" destId="{CE80D0E0-C9C4-4D3E-BE7D-AB8C6C488505}" srcOrd="10" destOrd="0" presId="urn:microsoft.com/office/officeart/2005/8/layout/bProcess2"/>
   </dgm:cxnLst>
   <dgm:bg/>
   <dgm:whole/>
@@ -2497,7 +4081,1591 @@
 </dsp:drawing>
 </file>
 
+<file path=ppt/diagrams/drawing2.xml><?xml version="1.0" encoding="utf-8"?>
+<dsp:drawing xmlns:dgm="http://schemas.openxmlformats.org/drawingml/2006/diagram" xmlns:dsp="http://schemas.microsoft.com/office/drawing/2008/diagram" xmlns:a="http://schemas.openxmlformats.org/drawingml/2006/main">
+  <dsp:spTree>
+    <dsp:nvGrpSpPr>
+      <dsp:cNvPr id="0" name=""/>
+      <dsp:cNvGrpSpPr/>
+    </dsp:nvGrpSpPr>
+    <dsp:grpSpPr/>
+    <dsp:sp modelId="{EEEADB88-EB1F-44CB-8BEA-2D5C0621E504}">
+      <dsp:nvSpPr>
+        <dsp:cNvPr id="0" name=""/>
+        <dsp:cNvSpPr/>
+      </dsp:nvSpPr>
+      <dsp:spPr>
+        <a:xfrm>
+          <a:off x="871964" y="154551"/>
+          <a:ext cx="2115975" cy="2069261"/>
+        </a:xfrm>
+        <a:prstGeom prst="ellipse">
+          <a:avLst/>
+        </a:prstGeom>
+        <a:gradFill rotWithShape="0">
+          <a:gsLst>
+            <a:gs pos="0">
+              <a:schemeClr val="accent6">
+                <a:hueOff val="0"/>
+                <a:satOff val="0"/>
+                <a:lumOff val="0"/>
+                <a:alphaOff val="0"/>
+                <a:satMod val="103000"/>
+                <a:lumMod val="102000"/>
+                <a:tint val="94000"/>
+              </a:schemeClr>
+            </a:gs>
+            <a:gs pos="50000">
+              <a:schemeClr val="accent6">
+                <a:hueOff val="0"/>
+                <a:satOff val="0"/>
+                <a:lumOff val="0"/>
+                <a:alphaOff val="0"/>
+                <a:satMod val="110000"/>
+                <a:lumMod val="100000"/>
+                <a:shade val="100000"/>
+              </a:schemeClr>
+            </a:gs>
+            <a:gs pos="100000">
+              <a:schemeClr val="accent6">
+                <a:hueOff val="0"/>
+                <a:satOff val="0"/>
+                <a:lumOff val="0"/>
+                <a:alphaOff val="0"/>
+                <a:lumMod val="99000"/>
+                <a:satMod val="120000"/>
+                <a:shade val="78000"/>
+              </a:schemeClr>
+            </a:gs>
+          </a:gsLst>
+          <a:lin ang="5400000" scaled="0"/>
+        </a:gradFill>
+        <a:ln>
+          <a:noFill/>
+        </a:ln>
+        <a:effectLst/>
+        <a:scene3d>
+          <a:camera prst="orthographicFront"/>
+          <a:lightRig rig="flat" dir="t"/>
+        </a:scene3d>
+        <a:sp3d prstMaterial="plastic">
+          <a:bevelT w="120900" h="88900"/>
+          <a:bevelB w="88900" h="31750" prst="angle"/>
+        </a:sp3d>
+      </dsp:spPr>
+      <dsp:style>
+        <a:lnRef idx="0">
+          <a:scrgbClr r="0" g="0" b="0"/>
+        </a:lnRef>
+        <a:fillRef idx="3">
+          <a:scrgbClr r="0" g="0" b="0"/>
+        </a:fillRef>
+        <a:effectRef idx="2">
+          <a:scrgbClr r="0" g="0" b="0"/>
+        </a:effectRef>
+        <a:fontRef idx="minor">
+          <a:schemeClr val="lt1"/>
+        </a:fontRef>
+      </dsp:style>
+      <dsp:txBody>
+        <a:bodyPr spcFirstLastPara="0" vert="horz" wrap="square" lIns="40640" tIns="40640" rIns="40640" bIns="40640" numCol="1" spcCol="1270" anchor="ctr" anchorCtr="0">
+          <a:noAutofit/>
+        </a:bodyPr>
+        <a:lstStyle/>
+        <a:p>
+          <a:pPr lvl="0" algn="ctr" defTabSz="1422400" latinLnBrk="1">
+            <a:lnSpc>
+              <a:spcPct val="100000"/>
+            </a:lnSpc>
+            <a:spcBef>
+              <a:spcPct val="0"/>
+            </a:spcBef>
+            <a:spcAft>
+              <a:spcPts val="0"/>
+            </a:spcAft>
+          </a:pPr>
+          <a:r>
+            <a:rPr lang="ko-KR" altLang="en-US" sz="3200" b="1" kern="1200" dirty="0" smtClean="0"/>
+            <a:t>입력</a:t>
+          </a:r>
+          <a:endParaRPr lang="en-US" altLang="ko-KR" sz="3200" b="1" kern="1200" dirty="0" smtClean="0"/>
+        </a:p>
+        <a:p>
+          <a:pPr lvl="0" algn="ctr" defTabSz="1422400" latinLnBrk="1">
+            <a:lnSpc>
+              <a:spcPct val="100000"/>
+            </a:lnSpc>
+            <a:spcBef>
+              <a:spcPct val="0"/>
+            </a:spcBef>
+            <a:spcAft>
+              <a:spcPts val="0"/>
+            </a:spcAft>
+          </a:pPr>
+          <a:r>
+            <a:rPr lang="en-US" altLang="ko-KR" sz="1600" kern="1200" dirty="0" smtClean="0"/>
+            <a:t>-from Team #2</a:t>
+          </a:r>
+          <a:endParaRPr lang="ko-KR" altLang="en-US" sz="3200" kern="1200" dirty="0"/>
+        </a:p>
+      </dsp:txBody>
+      <dsp:txXfrm>
+        <a:off x="1181841" y="457587"/>
+        <a:ext cx="1496221" cy="1463189"/>
+      </dsp:txXfrm>
+    </dsp:sp>
+    <dsp:sp modelId="{F706B9BB-0D37-4981-9D9B-EC76D93A30BA}">
+      <dsp:nvSpPr>
+        <dsp:cNvPr id="0" name=""/>
+        <dsp:cNvSpPr/>
+      </dsp:nvSpPr>
+      <dsp:spPr>
+        <a:xfrm rot="10800000">
+          <a:off x="1554616" y="2411482"/>
+          <a:ext cx="750672" cy="397856"/>
+        </a:xfrm>
+        <a:prstGeom prst="triangle">
+          <a:avLst/>
+        </a:prstGeom>
+        <a:gradFill rotWithShape="0">
+          <a:gsLst>
+            <a:gs pos="0">
+              <a:schemeClr val="accent6">
+                <a:tint val="60000"/>
+                <a:hueOff val="0"/>
+                <a:satOff val="0"/>
+                <a:lumOff val="0"/>
+                <a:alphaOff val="0"/>
+                <a:satMod val="103000"/>
+                <a:lumMod val="102000"/>
+                <a:tint val="94000"/>
+              </a:schemeClr>
+            </a:gs>
+            <a:gs pos="50000">
+              <a:schemeClr val="accent6">
+                <a:tint val="60000"/>
+                <a:hueOff val="0"/>
+                <a:satOff val="0"/>
+                <a:lumOff val="0"/>
+                <a:alphaOff val="0"/>
+                <a:satMod val="110000"/>
+                <a:lumMod val="100000"/>
+                <a:shade val="100000"/>
+              </a:schemeClr>
+            </a:gs>
+            <a:gs pos="100000">
+              <a:schemeClr val="accent6">
+                <a:tint val="60000"/>
+                <a:hueOff val="0"/>
+                <a:satOff val="0"/>
+                <a:lumOff val="0"/>
+                <a:alphaOff val="0"/>
+                <a:lumMod val="99000"/>
+                <a:satMod val="120000"/>
+                <a:shade val="78000"/>
+              </a:schemeClr>
+            </a:gs>
+          </a:gsLst>
+          <a:lin ang="5400000" scaled="0"/>
+        </a:gradFill>
+        <a:ln>
+          <a:noFill/>
+        </a:ln>
+        <a:effectLst/>
+        <a:scene3d>
+          <a:camera prst="orthographicFront"/>
+          <a:lightRig rig="flat" dir="t"/>
+        </a:scene3d>
+        <a:sp3d z="-80000" prstMaterial="plastic">
+          <a:bevelT w="50800" h="50800"/>
+          <a:bevelB w="25400" h="25400" prst="angle"/>
+        </a:sp3d>
+      </dsp:spPr>
+      <dsp:style>
+        <a:lnRef idx="0">
+          <a:scrgbClr r="0" g="0" b="0"/>
+        </a:lnRef>
+        <a:fillRef idx="3">
+          <a:scrgbClr r="0" g="0" b="0"/>
+        </a:fillRef>
+        <a:effectRef idx="2">
+          <a:scrgbClr r="0" g="0" b="0"/>
+        </a:effectRef>
+        <a:fontRef idx="minor">
+          <a:schemeClr val="lt1"/>
+        </a:fontRef>
+      </dsp:style>
+    </dsp:sp>
+    <dsp:sp modelId="{6B99CEB0-FEC2-45CD-A80E-2BB943DC7B60}">
+      <dsp:nvSpPr>
+        <dsp:cNvPr id="0" name=""/>
+        <dsp:cNvSpPr/>
+      </dsp:nvSpPr>
+      <dsp:spPr>
+        <a:xfrm>
+          <a:off x="7233" y="2974486"/>
+          <a:ext cx="3845438" cy="3728961"/>
+        </a:xfrm>
+        <a:prstGeom prst="ellipse">
+          <a:avLst/>
+        </a:prstGeom>
+        <a:gradFill rotWithShape="0">
+          <a:gsLst>
+            <a:gs pos="0">
+              <a:schemeClr val="accent6">
+                <a:hueOff val="0"/>
+                <a:satOff val="0"/>
+                <a:lumOff val="0"/>
+                <a:alphaOff val="0"/>
+                <a:satMod val="103000"/>
+                <a:lumMod val="102000"/>
+                <a:tint val="94000"/>
+              </a:schemeClr>
+            </a:gs>
+            <a:gs pos="50000">
+              <a:schemeClr val="accent6">
+                <a:hueOff val="0"/>
+                <a:satOff val="0"/>
+                <a:lumOff val="0"/>
+                <a:alphaOff val="0"/>
+                <a:satMod val="110000"/>
+                <a:lumMod val="100000"/>
+                <a:shade val="100000"/>
+              </a:schemeClr>
+            </a:gs>
+            <a:gs pos="100000">
+              <a:schemeClr val="accent6">
+                <a:hueOff val="0"/>
+                <a:satOff val="0"/>
+                <a:lumOff val="0"/>
+                <a:alphaOff val="0"/>
+                <a:lumMod val="99000"/>
+                <a:satMod val="120000"/>
+                <a:shade val="78000"/>
+              </a:schemeClr>
+            </a:gs>
+          </a:gsLst>
+          <a:lin ang="5400000" scaled="0"/>
+        </a:gradFill>
+        <a:ln>
+          <a:noFill/>
+        </a:ln>
+        <a:effectLst/>
+        <a:scene3d>
+          <a:camera prst="orthographicFront"/>
+          <a:lightRig rig="flat" dir="t"/>
+        </a:scene3d>
+        <a:sp3d prstMaterial="plastic">
+          <a:bevelT w="120900" h="88900"/>
+          <a:bevelB w="88900" h="31750" prst="angle"/>
+        </a:sp3d>
+      </dsp:spPr>
+      <dsp:style>
+        <a:lnRef idx="0">
+          <a:scrgbClr r="0" g="0" b="0"/>
+        </a:lnRef>
+        <a:fillRef idx="3">
+          <a:scrgbClr r="0" g="0" b="0"/>
+        </a:fillRef>
+        <a:effectRef idx="2">
+          <a:scrgbClr r="0" g="0" b="0"/>
+        </a:effectRef>
+        <a:fontRef idx="minor">
+          <a:schemeClr val="lt1"/>
+        </a:fontRef>
+      </dsp:style>
+      <dsp:txBody>
+        <a:bodyPr spcFirstLastPara="0" vert="horz" wrap="square" lIns="57150" tIns="57150" rIns="57150" bIns="57150" numCol="1" spcCol="1270" anchor="ctr" anchorCtr="0">
+          <a:noAutofit/>
+        </a:bodyPr>
+        <a:lstStyle/>
+        <a:p>
+          <a:pPr lvl="0" algn="ctr" defTabSz="2000250" latinLnBrk="1">
+            <a:lnSpc>
+              <a:spcPct val="100000"/>
+            </a:lnSpc>
+            <a:spcBef>
+              <a:spcPct val="0"/>
+            </a:spcBef>
+            <a:spcAft>
+              <a:spcPct val="35000"/>
+            </a:spcAft>
+          </a:pPr>
+          <a:r>
+            <a:rPr lang="en-US" altLang="ko-KR" sz="4500" kern="1200" dirty="0" smtClean="0"/>
+            <a:t>Parse</a:t>
+          </a:r>
+        </a:p>
+        <a:p>
+          <a:pPr lvl="0" algn="ctr" defTabSz="2000250" latinLnBrk="1">
+            <a:lnSpc>
+              <a:spcPct val="100000"/>
+            </a:lnSpc>
+            <a:spcBef>
+              <a:spcPct val="0"/>
+            </a:spcBef>
+            <a:spcAft>
+              <a:spcPct val="35000"/>
+            </a:spcAft>
+          </a:pPr>
+          <a:r>
+            <a:rPr lang="en-US" altLang="ko-KR" sz="2000" kern="1200" dirty="0" smtClean="0"/>
+            <a:t>‘do’, </a:t>
+          </a:r>
+          <a:r>
+            <a:rPr lang="en-US" altLang="ko-KR" sz="2000" kern="1200" dirty="0" err="1" smtClean="0"/>
+            <a:t>s,u,d,r,l,R,L</a:t>
+          </a:r>
+          <a:r>
+            <a:rPr lang="en-US" altLang="ko-KR" sz="2000" kern="1200" dirty="0" smtClean="0"/>
+            <a:t>, </a:t>
+          </a:r>
+          <a:r>
+            <a:rPr lang="ko-KR" altLang="en-US" sz="2000" kern="1200" dirty="0" smtClean="0"/>
+            <a:t>치환</a:t>
+          </a:r>
+          <a:r>
+            <a:rPr lang="en-US" altLang="ko-KR" sz="2000" kern="1200" dirty="0" smtClean="0"/>
+            <a:t>,</a:t>
+          </a:r>
+          <a:r>
+            <a:rPr lang="ko-KR" altLang="en-US" sz="2000" kern="1200" dirty="0" smtClean="0"/>
+            <a:t>확률 등</a:t>
+          </a:r>
+          <a:r>
+            <a:rPr lang="en-US" altLang="ko-KR" sz="2000" kern="1200" dirty="0" smtClean="0"/>
+            <a:t> </a:t>
+          </a:r>
+          <a:r>
+            <a:rPr lang="ko-KR" altLang="en-US" sz="2000" kern="1200" dirty="0" smtClean="0"/>
+            <a:t>구분</a:t>
+          </a:r>
+          <a:endParaRPr lang="ko-KR" altLang="en-US" sz="2000" kern="1200" dirty="0"/>
+        </a:p>
+      </dsp:txBody>
+      <dsp:txXfrm>
+        <a:off x="570384" y="3520580"/>
+        <a:ext cx="2719136" cy="2636773"/>
+      </dsp:txXfrm>
+    </dsp:sp>
+    <dsp:sp modelId="{3CE98933-FF12-4CE4-9418-79D456604D4B}">
+      <dsp:nvSpPr>
+        <dsp:cNvPr id="0" name=""/>
+        <dsp:cNvSpPr/>
+      </dsp:nvSpPr>
+      <dsp:spPr>
+        <a:xfrm rot="5908040">
+          <a:off x="4329656" y="5053154"/>
+          <a:ext cx="750672" cy="397856"/>
+        </a:xfrm>
+        <a:prstGeom prst="triangle">
+          <a:avLst/>
+        </a:prstGeom>
+        <a:gradFill rotWithShape="0">
+          <a:gsLst>
+            <a:gs pos="0">
+              <a:schemeClr val="accent6">
+                <a:tint val="60000"/>
+                <a:hueOff val="0"/>
+                <a:satOff val="0"/>
+                <a:lumOff val="0"/>
+                <a:alphaOff val="0"/>
+                <a:satMod val="103000"/>
+                <a:lumMod val="102000"/>
+                <a:tint val="94000"/>
+              </a:schemeClr>
+            </a:gs>
+            <a:gs pos="50000">
+              <a:schemeClr val="accent6">
+                <a:tint val="60000"/>
+                <a:hueOff val="0"/>
+                <a:satOff val="0"/>
+                <a:lumOff val="0"/>
+                <a:alphaOff val="0"/>
+                <a:satMod val="110000"/>
+                <a:lumMod val="100000"/>
+                <a:shade val="100000"/>
+              </a:schemeClr>
+            </a:gs>
+            <a:gs pos="100000">
+              <a:schemeClr val="accent6">
+                <a:tint val="60000"/>
+                <a:hueOff val="0"/>
+                <a:satOff val="0"/>
+                <a:lumOff val="0"/>
+                <a:alphaOff val="0"/>
+                <a:lumMod val="99000"/>
+                <a:satMod val="120000"/>
+                <a:shade val="78000"/>
+              </a:schemeClr>
+            </a:gs>
+          </a:gsLst>
+          <a:lin ang="5400000" scaled="0"/>
+        </a:gradFill>
+        <a:ln>
+          <a:noFill/>
+        </a:ln>
+        <a:effectLst/>
+        <a:scene3d>
+          <a:camera prst="orthographicFront"/>
+          <a:lightRig rig="flat" dir="t"/>
+        </a:scene3d>
+        <a:sp3d z="-80000" prstMaterial="plastic">
+          <a:bevelT w="50800" h="50800"/>
+          <a:bevelB w="25400" h="25400" prst="angle"/>
+        </a:sp3d>
+      </dsp:spPr>
+      <dsp:style>
+        <a:lnRef idx="0">
+          <a:scrgbClr r="0" g="0" b="0"/>
+        </a:lnRef>
+        <a:fillRef idx="3">
+          <a:scrgbClr r="0" g="0" b="0"/>
+        </a:fillRef>
+        <a:effectRef idx="2">
+          <a:scrgbClr r="0" g="0" b="0"/>
+        </a:effectRef>
+        <a:fontRef idx="minor">
+          <a:schemeClr val="lt1"/>
+        </a:fontRef>
+      </dsp:style>
+    </dsp:sp>
+    <dsp:sp modelId="{7A28E3D2-93CE-46A1-9B01-86D0ADBA8B5E}">
+      <dsp:nvSpPr>
+        <dsp:cNvPr id="0" name=""/>
+        <dsp:cNvSpPr/>
+      </dsp:nvSpPr>
+      <dsp:spPr>
+        <a:xfrm>
+          <a:off x="5544719" y="4394468"/>
+          <a:ext cx="2308979" cy="2308979"/>
+        </a:xfrm>
+        <a:prstGeom prst="ellipse">
+          <a:avLst/>
+        </a:prstGeom>
+        <a:gradFill rotWithShape="0">
+          <a:gsLst>
+            <a:gs pos="0">
+              <a:schemeClr val="accent6">
+                <a:hueOff val="0"/>
+                <a:satOff val="0"/>
+                <a:lumOff val="0"/>
+                <a:alphaOff val="0"/>
+                <a:satMod val="103000"/>
+                <a:lumMod val="102000"/>
+                <a:tint val="94000"/>
+              </a:schemeClr>
+            </a:gs>
+            <a:gs pos="50000">
+              <a:schemeClr val="accent6">
+                <a:hueOff val="0"/>
+                <a:satOff val="0"/>
+                <a:lumOff val="0"/>
+                <a:alphaOff val="0"/>
+                <a:satMod val="110000"/>
+                <a:lumMod val="100000"/>
+                <a:shade val="100000"/>
+              </a:schemeClr>
+            </a:gs>
+            <a:gs pos="100000">
+              <a:schemeClr val="accent6">
+                <a:hueOff val="0"/>
+                <a:satOff val="0"/>
+                <a:lumOff val="0"/>
+                <a:alphaOff val="0"/>
+                <a:lumMod val="99000"/>
+                <a:satMod val="120000"/>
+                <a:shade val="78000"/>
+              </a:schemeClr>
+            </a:gs>
+          </a:gsLst>
+          <a:lin ang="5400000" scaled="0"/>
+        </a:gradFill>
+        <a:ln>
+          <a:noFill/>
+        </a:ln>
+        <a:effectLst/>
+        <a:scene3d>
+          <a:camera prst="orthographicFront"/>
+          <a:lightRig rig="flat" dir="t"/>
+        </a:scene3d>
+        <a:sp3d prstMaterial="plastic">
+          <a:bevelT w="120900" h="88900"/>
+          <a:bevelB w="88900" h="31750" prst="angle"/>
+        </a:sp3d>
+      </dsp:spPr>
+      <dsp:style>
+        <a:lnRef idx="0">
+          <a:scrgbClr r="0" g="0" b="0"/>
+        </a:lnRef>
+        <a:fillRef idx="3">
+          <a:scrgbClr r="0" g="0" b="0"/>
+        </a:fillRef>
+        <a:effectRef idx="2">
+          <a:scrgbClr r="0" g="0" b="0"/>
+        </a:effectRef>
+        <a:fontRef idx="minor">
+          <a:schemeClr val="lt1"/>
+        </a:fontRef>
+      </dsp:style>
+      <dsp:txBody>
+        <a:bodyPr spcFirstLastPara="0" vert="horz" wrap="square" lIns="25400" tIns="25400" rIns="25400" bIns="25400" numCol="1" spcCol="1270" anchor="ctr" anchorCtr="0">
+          <a:noAutofit/>
+        </a:bodyPr>
+        <a:lstStyle/>
+        <a:p>
+          <a:pPr lvl="0" algn="ctr" defTabSz="889000" latinLnBrk="1">
+            <a:lnSpc>
+              <a:spcPct val="100000"/>
+            </a:lnSpc>
+            <a:spcBef>
+              <a:spcPct val="0"/>
+            </a:spcBef>
+            <a:spcAft>
+              <a:spcPts val="0"/>
+            </a:spcAft>
+          </a:pPr>
+          <a:r>
+            <a:rPr lang="ko-KR" altLang="en-US" sz="2000" b="1" kern="1200" dirty="0" smtClean="0"/>
+            <a:t>치환</a:t>
+          </a:r>
+          <a:endParaRPr lang="en-US" altLang="ko-KR" sz="2000" b="1" kern="1200" dirty="0" smtClean="0"/>
+        </a:p>
+        <a:p>
+          <a:pPr lvl="0" algn="ctr" defTabSz="889000" latinLnBrk="1">
+            <a:lnSpc>
+              <a:spcPct val="100000"/>
+            </a:lnSpc>
+            <a:spcBef>
+              <a:spcPct val="0"/>
+            </a:spcBef>
+            <a:spcAft>
+              <a:spcPts val="0"/>
+            </a:spcAft>
+          </a:pPr>
+          <a:r>
+            <a:rPr lang="en-US" altLang="ko-KR" sz="2000" b="1" kern="1200" dirty="0" smtClean="0"/>
+            <a:t>&amp; </a:t>
+          </a:r>
+          <a:r>
+            <a:rPr lang="ko-KR" altLang="en-US" sz="2000" b="1" kern="1200" dirty="0" smtClean="0"/>
+            <a:t>확률</a:t>
+          </a:r>
+          <a:r>
+            <a:rPr lang="ko-KR" altLang="en-US" sz="2000" kern="1200" dirty="0" smtClean="0"/>
+            <a:t> </a:t>
+          </a:r>
+          <a:endParaRPr lang="en-US" altLang="ko-KR" sz="2000" kern="1200" dirty="0" smtClean="0"/>
+        </a:p>
+        <a:p>
+          <a:pPr lvl="0" algn="ctr" defTabSz="889000" latinLnBrk="1">
+            <a:lnSpc>
+              <a:spcPct val="100000"/>
+            </a:lnSpc>
+            <a:spcBef>
+              <a:spcPct val="0"/>
+            </a:spcBef>
+            <a:spcAft>
+              <a:spcPts val="0"/>
+            </a:spcAft>
+          </a:pPr>
+          <a:r>
+            <a:rPr lang="en-US" altLang="ko-KR" sz="2000" kern="1200" dirty="0" smtClean="0"/>
+            <a:t>: </a:t>
+          </a:r>
+          <a:r>
+            <a:rPr lang="ko-KR" altLang="en-US" sz="2000" kern="1200" dirty="0" smtClean="0"/>
+            <a:t>적용</a:t>
+          </a:r>
+          <a:r>
+            <a:rPr lang="en-US" altLang="ko-KR" sz="2000" kern="1200" dirty="0" smtClean="0"/>
+            <a:t>!!</a:t>
+          </a:r>
+          <a:endParaRPr lang="ko-KR" altLang="en-US" sz="2000" kern="1200" dirty="0"/>
+        </a:p>
+      </dsp:txBody>
+      <dsp:txXfrm>
+        <a:off x="5882861" y="4732610"/>
+        <a:ext cx="1632695" cy="1632695"/>
+      </dsp:txXfrm>
+    </dsp:sp>
+    <dsp:sp modelId="{2CEC5635-DCDB-4F69-B92E-7040BDE833B8}">
+      <dsp:nvSpPr>
+        <dsp:cNvPr id="0" name=""/>
+        <dsp:cNvSpPr/>
+      </dsp:nvSpPr>
+      <dsp:spPr>
+        <a:xfrm>
+          <a:off x="6323872" y="3808943"/>
+          <a:ext cx="750672" cy="397856"/>
+        </a:xfrm>
+        <a:prstGeom prst="triangle">
+          <a:avLst/>
+        </a:prstGeom>
+        <a:gradFill rotWithShape="0">
+          <a:gsLst>
+            <a:gs pos="0">
+              <a:schemeClr val="accent6">
+                <a:tint val="60000"/>
+                <a:hueOff val="0"/>
+                <a:satOff val="0"/>
+                <a:lumOff val="0"/>
+                <a:alphaOff val="0"/>
+                <a:satMod val="103000"/>
+                <a:lumMod val="102000"/>
+                <a:tint val="94000"/>
+              </a:schemeClr>
+            </a:gs>
+            <a:gs pos="50000">
+              <a:schemeClr val="accent6">
+                <a:tint val="60000"/>
+                <a:hueOff val="0"/>
+                <a:satOff val="0"/>
+                <a:lumOff val="0"/>
+                <a:alphaOff val="0"/>
+                <a:satMod val="110000"/>
+                <a:lumMod val="100000"/>
+                <a:shade val="100000"/>
+              </a:schemeClr>
+            </a:gs>
+            <a:gs pos="100000">
+              <a:schemeClr val="accent6">
+                <a:tint val="60000"/>
+                <a:hueOff val="0"/>
+                <a:satOff val="0"/>
+                <a:lumOff val="0"/>
+                <a:alphaOff val="0"/>
+                <a:lumMod val="99000"/>
+                <a:satMod val="120000"/>
+                <a:shade val="78000"/>
+              </a:schemeClr>
+            </a:gs>
+          </a:gsLst>
+          <a:lin ang="5400000" scaled="0"/>
+        </a:gradFill>
+        <a:ln>
+          <a:noFill/>
+        </a:ln>
+        <a:effectLst/>
+        <a:scene3d>
+          <a:camera prst="orthographicFront"/>
+          <a:lightRig rig="flat" dir="t"/>
+        </a:scene3d>
+        <a:sp3d z="-80000" prstMaterial="plastic">
+          <a:bevelT w="50800" h="50800"/>
+          <a:bevelB w="25400" h="25400" prst="angle"/>
+        </a:sp3d>
+      </dsp:spPr>
+      <dsp:style>
+        <a:lnRef idx="0">
+          <a:scrgbClr r="0" g="0" b="0"/>
+        </a:lnRef>
+        <a:fillRef idx="3">
+          <a:scrgbClr r="0" g="0" b="0"/>
+        </a:fillRef>
+        <a:effectRef idx="2">
+          <a:scrgbClr r="0" g="0" b="0"/>
+        </a:effectRef>
+        <a:fontRef idx="minor">
+          <a:schemeClr val="lt1"/>
+        </a:fontRef>
+      </dsp:style>
+    </dsp:sp>
+    <dsp:sp modelId="{32D39A9C-07C4-47E1-806F-EC3E4934616C}">
+      <dsp:nvSpPr>
+        <dsp:cNvPr id="0" name=""/>
+        <dsp:cNvSpPr/>
+      </dsp:nvSpPr>
+      <dsp:spPr>
+        <a:xfrm>
+          <a:off x="4925061" y="193508"/>
+          <a:ext cx="3548294" cy="3450286"/>
+        </a:xfrm>
+        <a:prstGeom prst="ellipse">
+          <a:avLst/>
+        </a:prstGeom>
+        <a:gradFill rotWithShape="0">
+          <a:gsLst>
+            <a:gs pos="0">
+              <a:schemeClr val="accent6">
+                <a:hueOff val="0"/>
+                <a:satOff val="0"/>
+                <a:lumOff val="0"/>
+                <a:alphaOff val="0"/>
+                <a:satMod val="103000"/>
+                <a:lumMod val="102000"/>
+                <a:tint val="94000"/>
+              </a:schemeClr>
+            </a:gs>
+            <a:gs pos="50000">
+              <a:schemeClr val="accent6">
+                <a:hueOff val="0"/>
+                <a:satOff val="0"/>
+                <a:lumOff val="0"/>
+                <a:alphaOff val="0"/>
+                <a:satMod val="110000"/>
+                <a:lumMod val="100000"/>
+                <a:shade val="100000"/>
+              </a:schemeClr>
+            </a:gs>
+            <a:gs pos="100000">
+              <a:schemeClr val="accent6">
+                <a:hueOff val="0"/>
+                <a:satOff val="0"/>
+                <a:lumOff val="0"/>
+                <a:alphaOff val="0"/>
+                <a:lumMod val="99000"/>
+                <a:satMod val="120000"/>
+                <a:shade val="78000"/>
+              </a:schemeClr>
+            </a:gs>
+          </a:gsLst>
+          <a:lin ang="5400000" scaled="0"/>
+        </a:gradFill>
+        <a:ln>
+          <a:noFill/>
+        </a:ln>
+        <a:effectLst/>
+        <a:scene3d>
+          <a:camera prst="orthographicFront"/>
+          <a:lightRig rig="flat" dir="t"/>
+        </a:scene3d>
+        <a:sp3d prstMaterial="plastic">
+          <a:bevelT w="120900" h="88900"/>
+          <a:bevelB w="88900" h="31750" prst="angle"/>
+        </a:sp3d>
+      </dsp:spPr>
+      <dsp:style>
+        <a:lnRef idx="0">
+          <a:scrgbClr r="0" g="0" b="0"/>
+        </a:lnRef>
+        <a:fillRef idx="3">
+          <a:scrgbClr r="0" g="0" b="0"/>
+        </a:fillRef>
+        <a:effectRef idx="2">
+          <a:scrgbClr r="0" g="0" b="0"/>
+        </a:effectRef>
+        <a:fontRef idx="minor">
+          <a:schemeClr val="lt1"/>
+        </a:fontRef>
+      </dsp:style>
+      <dsp:txBody>
+        <a:bodyPr spcFirstLastPara="0" vert="horz" wrap="square" lIns="35560" tIns="35560" rIns="35560" bIns="35560" numCol="1" spcCol="1270" anchor="ctr" anchorCtr="0">
+          <a:noAutofit/>
+        </a:bodyPr>
+        <a:lstStyle/>
+        <a:p>
+          <a:pPr lvl="0" algn="ctr" defTabSz="1244600" latinLnBrk="1">
+            <a:lnSpc>
+              <a:spcPct val="100000"/>
+            </a:lnSpc>
+            <a:spcBef>
+              <a:spcPct val="0"/>
+            </a:spcBef>
+            <a:spcAft>
+              <a:spcPts val="0"/>
+            </a:spcAft>
+          </a:pPr>
+          <a:r>
+            <a:rPr lang="en-US" altLang="ko-KR" sz="2800" b="1" kern="1200" dirty="0" smtClean="0"/>
+            <a:t>s l r </a:t>
+          </a:r>
+          <a:r>
+            <a:rPr lang="en-US" altLang="ko-KR" sz="2800" b="1" kern="1200" dirty="0" err="1" smtClean="0"/>
+            <a:t>R</a:t>
+          </a:r>
+          <a:r>
+            <a:rPr lang="en-US" altLang="ko-KR" sz="2800" b="1" kern="1200" dirty="0" smtClean="0"/>
+            <a:t> L u d</a:t>
+          </a:r>
+        </a:p>
+        <a:p>
+          <a:pPr lvl="0" algn="ctr" defTabSz="1244600" latinLnBrk="1">
+            <a:lnSpc>
+              <a:spcPct val="100000"/>
+            </a:lnSpc>
+            <a:spcBef>
+              <a:spcPct val="0"/>
+            </a:spcBef>
+            <a:spcAft>
+              <a:spcPts val="0"/>
+            </a:spcAft>
+          </a:pPr>
+          <a:r>
+            <a:rPr lang="ko-KR" altLang="en-US" sz="2800" kern="1200" dirty="0" smtClean="0"/>
+            <a:t>명령어</a:t>
+          </a:r>
+          <a:endParaRPr lang="en-US" altLang="ko-KR" sz="2800" kern="1200" dirty="0" smtClean="0"/>
+        </a:p>
+        <a:p>
+          <a:pPr lvl="0" algn="ctr" defTabSz="1244600" latinLnBrk="1">
+            <a:lnSpc>
+              <a:spcPct val="100000"/>
+            </a:lnSpc>
+            <a:spcBef>
+              <a:spcPct val="0"/>
+            </a:spcBef>
+            <a:spcAft>
+              <a:spcPts val="0"/>
+            </a:spcAft>
+          </a:pPr>
+          <a:r>
+            <a:rPr lang="ko-KR" altLang="en-US" sz="2800" kern="1200" dirty="0" smtClean="0"/>
+            <a:t>좌표 처리</a:t>
+          </a:r>
+          <a:r>
+            <a:rPr lang="en-US" altLang="ko-KR" sz="2800" kern="1200" dirty="0" smtClean="0"/>
+            <a:t>!</a:t>
+          </a:r>
+          <a:endParaRPr lang="ko-KR" altLang="en-US" sz="2800" kern="1200" dirty="0"/>
+        </a:p>
+      </dsp:txBody>
+      <dsp:txXfrm>
+        <a:off x="5444697" y="698791"/>
+        <a:ext cx="2509022" cy="2439720"/>
+      </dsp:txXfrm>
+    </dsp:sp>
+    <dsp:sp modelId="{2F498206-EF98-4025-B343-2598E47412D2}">
+      <dsp:nvSpPr>
+        <dsp:cNvPr id="0" name=""/>
+        <dsp:cNvSpPr/>
+      </dsp:nvSpPr>
+      <dsp:spPr>
+        <a:xfrm rot="4832603">
+          <a:off x="8665743" y="1329651"/>
+          <a:ext cx="750672" cy="397856"/>
+        </a:xfrm>
+        <a:prstGeom prst="triangle">
+          <a:avLst/>
+        </a:prstGeom>
+        <a:gradFill rotWithShape="0">
+          <a:gsLst>
+            <a:gs pos="0">
+              <a:schemeClr val="accent6">
+                <a:tint val="60000"/>
+                <a:hueOff val="0"/>
+                <a:satOff val="0"/>
+                <a:lumOff val="0"/>
+                <a:alphaOff val="0"/>
+                <a:satMod val="103000"/>
+                <a:lumMod val="102000"/>
+                <a:tint val="94000"/>
+              </a:schemeClr>
+            </a:gs>
+            <a:gs pos="50000">
+              <a:schemeClr val="accent6">
+                <a:tint val="60000"/>
+                <a:hueOff val="0"/>
+                <a:satOff val="0"/>
+                <a:lumOff val="0"/>
+                <a:alphaOff val="0"/>
+                <a:satMod val="110000"/>
+                <a:lumMod val="100000"/>
+                <a:shade val="100000"/>
+              </a:schemeClr>
+            </a:gs>
+            <a:gs pos="100000">
+              <a:schemeClr val="accent6">
+                <a:tint val="60000"/>
+                <a:hueOff val="0"/>
+                <a:satOff val="0"/>
+                <a:lumOff val="0"/>
+                <a:alphaOff val="0"/>
+                <a:lumMod val="99000"/>
+                <a:satMod val="120000"/>
+                <a:shade val="78000"/>
+              </a:schemeClr>
+            </a:gs>
+          </a:gsLst>
+          <a:lin ang="5400000" scaled="0"/>
+        </a:gradFill>
+        <a:ln>
+          <a:noFill/>
+        </a:ln>
+        <a:effectLst/>
+        <a:scene3d>
+          <a:camera prst="orthographicFront"/>
+          <a:lightRig rig="flat" dir="t"/>
+        </a:scene3d>
+        <a:sp3d z="-80000" prstMaterial="plastic">
+          <a:bevelT w="50800" h="50800"/>
+          <a:bevelB w="25400" h="25400" prst="angle"/>
+        </a:sp3d>
+      </dsp:spPr>
+      <dsp:style>
+        <a:lnRef idx="0">
+          <a:scrgbClr r="0" g="0" b="0"/>
+        </a:lnRef>
+        <a:fillRef idx="3">
+          <a:scrgbClr r="0" g="0" b="0"/>
+        </a:fillRef>
+        <a:effectRef idx="2">
+          <a:scrgbClr r="0" g="0" b="0"/>
+        </a:effectRef>
+        <a:fontRef idx="minor">
+          <a:schemeClr val="lt1"/>
+        </a:fontRef>
+      </dsp:style>
+    </dsp:sp>
+    <dsp:sp modelId="{3DD585B4-E792-43B7-A8FB-83493083EBB2}">
+      <dsp:nvSpPr>
+        <dsp:cNvPr id="0" name=""/>
+        <dsp:cNvSpPr/>
+      </dsp:nvSpPr>
+      <dsp:spPr>
+        <a:xfrm>
+          <a:off x="9598198" y="245960"/>
+          <a:ext cx="2039875" cy="2039875"/>
+        </a:xfrm>
+        <a:prstGeom prst="ellipse">
+          <a:avLst/>
+        </a:prstGeom>
+        <a:gradFill rotWithShape="0">
+          <a:gsLst>
+            <a:gs pos="0">
+              <a:schemeClr val="accent6">
+                <a:hueOff val="0"/>
+                <a:satOff val="0"/>
+                <a:lumOff val="0"/>
+                <a:alphaOff val="0"/>
+                <a:satMod val="103000"/>
+                <a:lumMod val="102000"/>
+                <a:tint val="94000"/>
+              </a:schemeClr>
+            </a:gs>
+            <a:gs pos="50000">
+              <a:schemeClr val="accent6">
+                <a:hueOff val="0"/>
+                <a:satOff val="0"/>
+                <a:lumOff val="0"/>
+                <a:alphaOff val="0"/>
+                <a:satMod val="110000"/>
+                <a:lumMod val="100000"/>
+                <a:shade val="100000"/>
+              </a:schemeClr>
+            </a:gs>
+            <a:gs pos="100000">
+              <a:schemeClr val="accent6">
+                <a:hueOff val="0"/>
+                <a:satOff val="0"/>
+                <a:lumOff val="0"/>
+                <a:alphaOff val="0"/>
+                <a:lumMod val="99000"/>
+                <a:satMod val="120000"/>
+                <a:shade val="78000"/>
+              </a:schemeClr>
+            </a:gs>
+          </a:gsLst>
+          <a:lin ang="5400000" scaled="0"/>
+        </a:gradFill>
+        <a:ln>
+          <a:noFill/>
+        </a:ln>
+        <a:effectLst/>
+        <a:scene3d>
+          <a:camera prst="orthographicFront"/>
+          <a:lightRig rig="flat" dir="t"/>
+        </a:scene3d>
+        <a:sp3d prstMaterial="plastic">
+          <a:bevelT w="120900" h="88900"/>
+          <a:bevelB w="88900" h="31750" prst="angle"/>
+        </a:sp3d>
+      </dsp:spPr>
+      <dsp:style>
+        <a:lnRef idx="0">
+          <a:scrgbClr r="0" g="0" b="0"/>
+        </a:lnRef>
+        <a:fillRef idx="3">
+          <a:scrgbClr r="0" g="0" b="0"/>
+        </a:fillRef>
+        <a:effectRef idx="2">
+          <a:scrgbClr r="0" g="0" b="0"/>
+        </a:effectRef>
+        <a:fontRef idx="minor">
+          <a:schemeClr val="lt1"/>
+        </a:fontRef>
+      </dsp:style>
+      <dsp:txBody>
+        <a:bodyPr spcFirstLastPara="0" vert="horz" wrap="square" lIns="25400" tIns="25400" rIns="25400" bIns="25400" numCol="1" spcCol="1270" anchor="ctr" anchorCtr="0">
+          <a:noAutofit/>
+        </a:bodyPr>
+        <a:lstStyle/>
+        <a:p>
+          <a:pPr lvl="0" algn="ctr" defTabSz="889000" latinLnBrk="1">
+            <a:lnSpc>
+              <a:spcPct val="100000"/>
+            </a:lnSpc>
+            <a:spcBef>
+              <a:spcPct val="0"/>
+            </a:spcBef>
+            <a:spcAft>
+              <a:spcPts val="0"/>
+            </a:spcAft>
+          </a:pPr>
+          <a:r>
+            <a:rPr lang="ko-KR" altLang="en-US" sz="2000" kern="1200" dirty="0" smtClean="0"/>
+            <a:t>좌표 </a:t>
+          </a:r>
+          <a:r>
+            <a:rPr lang="ko-KR" altLang="en-US" sz="2000" kern="1200" dirty="0" smtClean="0"/>
+            <a:t>수합</a:t>
+          </a:r>
+          <a:endParaRPr lang="en-US" altLang="ko-KR" sz="2000" kern="1200" dirty="0" smtClean="0"/>
+        </a:p>
+        <a:p>
+          <a:pPr lvl="0" algn="ctr" defTabSz="889000" latinLnBrk="1">
+            <a:lnSpc>
+              <a:spcPct val="100000"/>
+            </a:lnSpc>
+            <a:spcBef>
+              <a:spcPct val="0"/>
+            </a:spcBef>
+            <a:spcAft>
+              <a:spcPts val="0"/>
+            </a:spcAft>
+          </a:pPr>
+          <a:r>
+            <a:rPr lang="en-US" altLang="ko-KR" sz="1400" kern="1200" dirty="0" smtClean="0"/>
+            <a:t>-DB </a:t>
+          </a:r>
+          <a:r>
+            <a:rPr lang="ko-KR" altLang="en-US" sz="1400" kern="1200" dirty="0" smtClean="0"/>
+            <a:t>배열 저장</a:t>
+          </a:r>
+          <a:endParaRPr lang="ko-KR" altLang="en-US" sz="1400" kern="1200" dirty="0"/>
+        </a:p>
+      </dsp:txBody>
+      <dsp:txXfrm>
+        <a:off x="9896931" y="544693"/>
+        <a:ext cx="1442409" cy="1442409"/>
+      </dsp:txXfrm>
+    </dsp:sp>
+    <dsp:sp modelId="{7A1E91C8-8A0C-4492-870F-1ED0473A2920}">
+      <dsp:nvSpPr>
+        <dsp:cNvPr id="0" name=""/>
+        <dsp:cNvSpPr/>
+      </dsp:nvSpPr>
+      <dsp:spPr>
+        <a:xfrm rot="10800000">
+          <a:off x="10242799" y="2499730"/>
+          <a:ext cx="750672" cy="397856"/>
+        </a:xfrm>
+        <a:prstGeom prst="triangle">
+          <a:avLst/>
+        </a:prstGeom>
+        <a:gradFill rotWithShape="0">
+          <a:gsLst>
+            <a:gs pos="0">
+              <a:schemeClr val="accent6">
+                <a:tint val="60000"/>
+                <a:hueOff val="0"/>
+                <a:satOff val="0"/>
+                <a:lumOff val="0"/>
+                <a:alphaOff val="0"/>
+                <a:satMod val="103000"/>
+                <a:lumMod val="102000"/>
+                <a:tint val="94000"/>
+              </a:schemeClr>
+            </a:gs>
+            <a:gs pos="50000">
+              <a:schemeClr val="accent6">
+                <a:tint val="60000"/>
+                <a:hueOff val="0"/>
+                <a:satOff val="0"/>
+                <a:lumOff val="0"/>
+                <a:alphaOff val="0"/>
+                <a:satMod val="110000"/>
+                <a:lumMod val="100000"/>
+                <a:shade val="100000"/>
+              </a:schemeClr>
+            </a:gs>
+            <a:gs pos="100000">
+              <a:schemeClr val="accent6">
+                <a:tint val="60000"/>
+                <a:hueOff val="0"/>
+                <a:satOff val="0"/>
+                <a:lumOff val="0"/>
+                <a:alphaOff val="0"/>
+                <a:lumMod val="99000"/>
+                <a:satMod val="120000"/>
+                <a:shade val="78000"/>
+              </a:schemeClr>
+            </a:gs>
+          </a:gsLst>
+          <a:lin ang="5400000" scaled="0"/>
+        </a:gradFill>
+        <a:ln>
+          <a:noFill/>
+        </a:ln>
+        <a:effectLst/>
+        <a:scene3d>
+          <a:camera prst="orthographicFront"/>
+          <a:lightRig rig="flat" dir="t"/>
+        </a:scene3d>
+        <a:sp3d z="-80000" prstMaterial="plastic">
+          <a:bevelT w="50800" h="50800"/>
+          <a:bevelB w="25400" h="25400" prst="angle"/>
+        </a:sp3d>
+      </dsp:spPr>
+      <dsp:style>
+        <a:lnRef idx="0">
+          <a:scrgbClr r="0" g="0" b="0"/>
+        </a:lnRef>
+        <a:fillRef idx="3">
+          <a:scrgbClr r="0" g="0" b="0"/>
+        </a:fillRef>
+        <a:effectRef idx="2">
+          <a:scrgbClr r="0" g="0" b="0"/>
+        </a:effectRef>
+        <a:fontRef idx="minor">
+          <a:schemeClr val="lt1"/>
+        </a:fontRef>
+      </dsp:style>
+    </dsp:sp>
+    <dsp:sp modelId="{CE80D0E0-C9C4-4D3E-BE7D-AB8C6C488505}">
+      <dsp:nvSpPr>
+        <dsp:cNvPr id="0" name=""/>
+        <dsp:cNvSpPr/>
+      </dsp:nvSpPr>
+      <dsp:spPr>
+        <a:xfrm>
+          <a:off x="9545746" y="3088961"/>
+          <a:ext cx="2144779" cy="2144779"/>
+        </a:xfrm>
+        <a:prstGeom prst="ellipse">
+          <a:avLst/>
+        </a:prstGeom>
+        <a:gradFill rotWithShape="0">
+          <a:gsLst>
+            <a:gs pos="0">
+              <a:schemeClr val="accent6">
+                <a:hueOff val="0"/>
+                <a:satOff val="0"/>
+                <a:lumOff val="0"/>
+                <a:alphaOff val="0"/>
+                <a:satMod val="103000"/>
+                <a:lumMod val="102000"/>
+                <a:tint val="94000"/>
+              </a:schemeClr>
+            </a:gs>
+            <a:gs pos="50000">
+              <a:schemeClr val="accent6">
+                <a:hueOff val="0"/>
+                <a:satOff val="0"/>
+                <a:lumOff val="0"/>
+                <a:alphaOff val="0"/>
+                <a:satMod val="110000"/>
+                <a:lumMod val="100000"/>
+                <a:shade val="100000"/>
+              </a:schemeClr>
+            </a:gs>
+            <a:gs pos="100000">
+              <a:schemeClr val="accent6">
+                <a:hueOff val="0"/>
+                <a:satOff val="0"/>
+                <a:lumOff val="0"/>
+                <a:alphaOff val="0"/>
+                <a:lumMod val="99000"/>
+                <a:satMod val="120000"/>
+                <a:shade val="78000"/>
+              </a:schemeClr>
+            </a:gs>
+          </a:gsLst>
+          <a:lin ang="5400000" scaled="0"/>
+        </a:gradFill>
+        <a:ln>
+          <a:noFill/>
+        </a:ln>
+        <a:effectLst/>
+        <a:scene3d>
+          <a:camera prst="orthographicFront"/>
+          <a:lightRig rig="flat" dir="t"/>
+        </a:scene3d>
+        <a:sp3d prstMaterial="plastic">
+          <a:bevelT w="120900" h="88900"/>
+          <a:bevelB w="88900" h="31750" prst="angle"/>
+        </a:sp3d>
+      </dsp:spPr>
+      <dsp:style>
+        <a:lnRef idx="0">
+          <a:scrgbClr r="0" g="0" b="0"/>
+        </a:lnRef>
+        <a:fillRef idx="3">
+          <a:scrgbClr r="0" g="0" b="0"/>
+        </a:fillRef>
+        <a:effectRef idx="2">
+          <a:scrgbClr r="0" g="0" b="0"/>
+        </a:effectRef>
+        <a:fontRef idx="minor">
+          <a:schemeClr val="lt1"/>
+        </a:fontRef>
+      </dsp:style>
+      <dsp:txBody>
+        <a:bodyPr spcFirstLastPara="0" vert="horz" wrap="square" lIns="45720" tIns="45720" rIns="45720" bIns="45720" numCol="1" spcCol="1270" anchor="ctr" anchorCtr="0">
+          <a:noAutofit/>
+        </a:bodyPr>
+        <a:lstStyle/>
+        <a:p>
+          <a:pPr lvl="0" algn="ctr" defTabSz="1600200" latinLnBrk="1">
+            <a:lnSpc>
+              <a:spcPct val="100000"/>
+            </a:lnSpc>
+            <a:spcBef>
+              <a:spcPct val="0"/>
+            </a:spcBef>
+            <a:spcAft>
+              <a:spcPts val="0"/>
+            </a:spcAft>
+          </a:pPr>
+          <a:r>
+            <a:rPr lang="ko-KR" altLang="en-US" sz="3600" kern="1200" dirty="0" smtClean="0"/>
+            <a:t>출력</a:t>
+          </a:r>
+          <a:endParaRPr lang="en-US" altLang="ko-KR" sz="3600" kern="1200" dirty="0" smtClean="0"/>
+        </a:p>
+        <a:p>
+          <a:pPr lvl="0" algn="ctr" defTabSz="1600200" latinLnBrk="1">
+            <a:lnSpc>
+              <a:spcPct val="100000"/>
+            </a:lnSpc>
+            <a:spcBef>
+              <a:spcPct val="0"/>
+            </a:spcBef>
+            <a:spcAft>
+              <a:spcPts val="0"/>
+            </a:spcAft>
+          </a:pPr>
+          <a:r>
+            <a:rPr lang="en-US" altLang="ko-KR" sz="1400" kern="1200" dirty="0" smtClean="0"/>
+            <a:t>-&gt; </a:t>
+          </a:r>
+          <a:r>
+            <a:rPr lang="ko-KR" altLang="en-US" sz="1400" kern="1200" dirty="0" err="1" smtClean="0"/>
+            <a:t>웹페이지로</a:t>
+          </a:r>
+          <a:endParaRPr lang="ko-KR" altLang="en-US" sz="1400" kern="1200" dirty="0"/>
+        </a:p>
+      </dsp:txBody>
+      <dsp:txXfrm>
+        <a:off x="9859842" y="3403057"/>
+        <a:ext cx="1516587" cy="1516587"/>
+      </dsp:txXfrm>
+    </dsp:sp>
+  </dsp:spTree>
+</dsp:drawing>
+</file>
+
 <file path=ppt/diagrams/layout1.xml><?xml version="1.0" encoding="utf-8"?>
+<dgm:layoutDef xmlns:dgm="http://schemas.openxmlformats.org/drawingml/2006/diagram" xmlns:a="http://schemas.openxmlformats.org/drawingml/2006/main" uniqueId="urn:microsoft.com/office/officeart/2005/8/layout/bProcess2">
+  <dgm:title val=""/>
+  <dgm:desc val=""/>
+  <dgm:catLst>
+    <dgm:cat type="process" pri="24000"/>
+  </dgm:catLst>
+  <dgm:sampData>
+    <dgm:dataModel>
+      <dgm:ptLst>
+        <dgm:pt modelId="0" type="doc"/>
+        <dgm:pt modelId="1">
+          <dgm:prSet phldr="1"/>
+        </dgm:pt>
+        <dgm:pt modelId="2">
+          <dgm:prSet phldr="1"/>
+        </dgm:pt>
+        <dgm:pt modelId="3">
+          <dgm:prSet phldr="1"/>
+        </dgm:pt>
+        <dgm:pt modelId="4">
+          <dgm:prSet phldr="1"/>
+        </dgm:pt>
+        <dgm:pt modelId="5">
+          <dgm:prSet phldr="1"/>
+        </dgm:pt>
+        <dgm:pt modelId="6">
+          <dgm:prSet phldr="1"/>
+        </dgm:pt>
+        <dgm:pt modelId="7">
+          <dgm:prSet phldr="1"/>
+        </dgm:pt>
+        <dgm:pt modelId="8">
+          <dgm:prSet phldr="1"/>
+        </dgm:pt>
+        <dgm:pt modelId="9">
+          <dgm:prSet phldr="1"/>
+        </dgm:pt>
+      </dgm:ptLst>
+      <dgm:cxnLst>
+        <dgm:cxn modelId="10" srcId="0" destId="1" srcOrd="0" destOrd="0"/>
+        <dgm:cxn modelId="11" srcId="0" destId="2" srcOrd="1" destOrd="0"/>
+        <dgm:cxn modelId="12" srcId="0" destId="3" srcOrd="2" destOrd="0"/>
+        <dgm:cxn modelId="13" srcId="0" destId="4" srcOrd="3" destOrd="0"/>
+        <dgm:cxn modelId="14" srcId="0" destId="5" srcOrd="4" destOrd="0"/>
+        <dgm:cxn modelId="15" srcId="0" destId="6" srcOrd="5" destOrd="0"/>
+        <dgm:cxn modelId="16" srcId="0" destId="7" srcOrd="6" destOrd="0"/>
+        <dgm:cxn modelId="17" srcId="0" destId="8" srcOrd="7" destOrd="0"/>
+        <dgm:cxn modelId="18" srcId="0" destId="9" srcOrd="8" destOrd="0"/>
+      </dgm:cxnLst>
+      <dgm:bg/>
+      <dgm:whole/>
+    </dgm:dataModel>
+  </dgm:sampData>
+  <dgm:styleData>
+    <dgm:dataModel>
+      <dgm:ptLst>
+        <dgm:pt modelId="0" type="doc"/>
+        <dgm:pt modelId="1"/>
+        <dgm:pt modelId="2"/>
+      </dgm:ptLst>
+      <dgm:cxnLst>
+        <dgm:cxn modelId="3" srcId="0" destId="1" srcOrd="0" destOrd="0"/>
+        <dgm:cxn modelId="4" srcId="0" destId="2" srcOrd="1" destOrd="0"/>
+      </dgm:cxnLst>
+      <dgm:bg/>
+      <dgm:whole/>
+    </dgm:dataModel>
+  </dgm:styleData>
+  <dgm:clrData>
+    <dgm:dataModel>
+      <dgm:ptLst>
+        <dgm:pt modelId="0" type="doc"/>
+        <dgm:pt modelId="1"/>
+        <dgm:pt modelId="2"/>
+        <dgm:pt modelId="3"/>
+        <dgm:pt modelId="4"/>
+        <dgm:pt modelId="5"/>
+        <dgm:pt modelId="6"/>
+      </dgm:ptLst>
+      <dgm:cxnLst>
+        <dgm:cxn modelId="7" srcId="0" destId="1" srcOrd="0" destOrd="0"/>
+        <dgm:cxn modelId="8" srcId="0" destId="2" srcOrd="1" destOrd="0"/>
+        <dgm:cxn modelId="9" srcId="0" destId="3" srcOrd="2" destOrd="0"/>
+        <dgm:cxn modelId="10" srcId="0" destId="4" srcOrd="3" destOrd="0"/>
+        <dgm:cxn modelId="11" srcId="0" destId="5" srcOrd="4" destOrd="0"/>
+        <dgm:cxn modelId="12" srcId="0" destId="6" srcOrd="5" destOrd="0"/>
+      </dgm:cxnLst>
+      <dgm:bg/>
+      <dgm:whole/>
+    </dgm:dataModel>
+  </dgm:clrData>
+  <dgm:layoutNode name="diagram">
+    <dgm:varLst>
+      <dgm:dir/>
+      <dgm:resizeHandles/>
+    </dgm:varLst>
+    <dgm:choose name="Name0">
+      <dgm:if name="Name1" func="var" arg="dir" op="equ" val="norm">
+        <dgm:alg type="snake">
+          <dgm:param type="grDir" val="tL"/>
+          <dgm:param type="flowDir" val="col"/>
+          <dgm:param type="contDir" val="revDir"/>
+        </dgm:alg>
+      </dgm:if>
+      <dgm:else name="Name2">
+        <dgm:alg type="snake">
+          <dgm:param type="grDir" val="tR"/>
+          <dgm:param type="flowDir" val="col"/>
+          <dgm:param type="contDir" val="revDir"/>
+        </dgm:alg>
+      </dgm:else>
+    </dgm:choose>
+    <dgm:shape xmlns:r="http://schemas.openxmlformats.org/officeDocument/2006/relationships" r:blip="">
+      <dgm:adjLst/>
+    </dgm:shape>
+    <dgm:presOf/>
+    <dgm:constrLst>
+      <dgm:constr type="w" for="ch" forName="firstNode" refType="w"/>
+      <dgm:constr type="w" for="ch" forName="lastNode" refType="w" refFor="ch" refForName="firstNode" op="equ"/>
+      <dgm:constr type="w" for="ch" forName="middleNode" refType="w" refFor="ch" refForName="firstNode" op="equ"/>
+      <dgm:constr type="h" for="ch" ptType="sibTrans" refType="w" refFor="ch" refForName="middleNode" op="equ" fact="0.35"/>
+      <dgm:constr type="sp" refType="w" refFor="ch" refForName="middleNode" fact="0.5"/>
+      <dgm:constr type="connDist" for="des" ptType="sibTrans" op="equ"/>
+      <dgm:constr type="primFontSz" for="ch" forName="firstNode" val="65"/>
+      <dgm:constr type="primFontSz" for="ch" forName="lastNode" refType="primFontSz" refFor="ch" refForName="firstNode" op="equ"/>
+      <dgm:constr type="primFontSz" for="des" forName="shape" val="65"/>
+      <dgm:constr type="primFontSz" for="des" forName="shape" refType="primFontSz" refFor="ch" refForName="firstNode" op="lte"/>
+      <dgm:constr type="primFontSz" for="des" forName="shape" refType="primFontSz" refFor="ch" refForName="lastNode" op="lte"/>
+    </dgm:constrLst>
+    <dgm:ruleLst/>
+    <dgm:forEach name="Name3" axis="ch" ptType="node">
+      <dgm:choose name="Name4">
+        <dgm:if name="Name5" axis="self" ptType="node" func="pos" op="equ" val="1">
+          <dgm:layoutNode name="firstNode">
+            <dgm:varLst>
+              <dgm:bulletEnabled val="1"/>
+            </dgm:varLst>
+            <dgm:alg type="tx">
+              <dgm:param type="txAnchorVertCh" val="mid"/>
+            </dgm:alg>
+            <dgm:shape xmlns:r="http://schemas.openxmlformats.org/officeDocument/2006/relationships" type="ellipse" r:blip="">
+              <dgm:adjLst/>
+            </dgm:shape>
+            <dgm:presOf axis="desOrSelf" ptType="node"/>
+            <dgm:constrLst>
+              <dgm:constr type="h" refType="w"/>
+              <dgm:constr type="tMarg" refType="primFontSz" fact="0.1"/>
+              <dgm:constr type="bMarg" refType="primFontSz" fact="0.1"/>
+              <dgm:constr type="lMarg" refType="primFontSz" fact="0.1"/>
+              <dgm:constr type="rMarg" refType="primFontSz" fact="0.1"/>
+            </dgm:constrLst>
+            <dgm:ruleLst>
+              <dgm:rule type="primFontSz" val="5" fact="NaN" max="NaN"/>
+            </dgm:ruleLst>
+          </dgm:layoutNode>
+        </dgm:if>
+        <dgm:if name="Name6" axis="self" ptType="node" func="revPos" op="equ" val="1">
+          <dgm:layoutNode name="lastNode">
+            <dgm:varLst>
+              <dgm:bulletEnabled val="1"/>
+            </dgm:varLst>
+            <dgm:alg type="tx">
+              <dgm:param type="txAnchorVertCh" val="mid"/>
+            </dgm:alg>
+            <dgm:shape xmlns:r="http://schemas.openxmlformats.org/officeDocument/2006/relationships" type="ellipse" r:blip="">
+              <dgm:adjLst/>
+            </dgm:shape>
+            <dgm:presOf axis="desOrSelf" ptType="node"/>
+            <dgm:constrLst>
+              <dgm:constr type="h" refType="w"/>
+              <dgm:constr type="tMarg" refType="primFontSz" fact="0.1"/>
+              <dgm:constr type="bMarg" refType="primFontSz" fact="0.1"/>
+              <dgm:constr type="lMarg" refType="primFontSz" fact="0.1"/>
+              <dgm:constr type="rMarg" refType="primFontSz" fact="0.1"/>
+            </dgm:constrLst>
+            <dgm:ruleLst>
+              <dgm:rule type="primFontSz" val="5" fact="NaN" max="NaN"/>
+            </dgm:ruleLst>
+          </dgm:layoutNode>
+        </dgm:if>
+        <dgm:else name="Name7">
+          <dgm:layoutNode name="middleNode">
+            <dgm:alg type="composite"/>
+            <dgm:shape xmlns:r="http://schemas.openxmlformats.org/officeDocument/2006/relationships" r:blip="">
+              <dgm:adjLst/>
+            </dgm:shape>
+            <dgm:presOf/>
+            <dgm:constrLst>
+              <dgm:constr type="h" refType="w"/>
+              <dgm:constr type="w" for="ch" forName="padding" refType="w"/>
+              <dgm:constr type="h" for="ch" forName="padding" refType="h"/>
+              <dgm:constr type="w" for="ch" forName="shape" refType="w" fact="0.667"/>
+              <dgm:constr type="h" for="ch" forName="shape" refType="h" fact="0.667"/>
+              <dgm:constr type="ctrX" for="ch" forName="shape" refType="w" fact="0.5"/>
+              <dgm:constr type="ctrY" for="ch" forName="shape" refType="h" fact="0.5"/>
+            </dgm:constrLst>
+            <dgm:ruleLst/>
+            <dgm:layoutNode name="padding">
+              <dgm:alg type="sp"/>
+              <dgm:shape xmlns:r="http://schemas.openxmlformats.org/officeDocument/2006/relationships" type="ellipse" r:blip="" hideGeom="1">
+                <dgm:adjLst/>
+              </dgm:shape>
+              <dgm:presOf/>
+              <dgm:constrLst/>
+              <dgm:ruleLst/>
+            </dgm:layoutNode>
+            <dgm:layoutNode name="shape">
+              <dgm:varLst>
+                <dgm:bulletEnabled val="1"/>
+              </dgm:varLst>
+              <dgm:alg type="tx">
+                <dgm:param type="txAnchorVertCh" val="mid"/>
+              </dgm:alg>
+              <dgm:shape xmlns:r="http://schemas.openxmlformats.org/officeDocument/2006/relationships" type="ellipse" r:blip="">
+                <dgm:adjLst/>
+              </dgm:shape>
+              <dgm:presOf axis="desOrSelf" ptType="node"/>
+              <dgm:constrLst>
+                <dgm:constr type="h" refType="w"/>
+                <dgm:constr type="tMarg" refType="primFontSz" fact="0.1"/>
+                <dgm:constr type="bMarg" refType="primFontSz" fact="0.1"/>
+                <dgm:constr type="lMarg" refType="primFontSz" fact="0.1"/>
+                <dgm:constr type="rMarg" refType="primFontSz" fact="0.1"/>
+              </dgm:constrLst>
+              <dgm:ruleLst>
+                <dgm:rule type="primFontSz" val="5" fact="NaN" max="NaN"/>
+              </dgm:ruleLst>
+            </dgm:layoutNode>
+          </dgm:layoutNode>
+        </dgm:else>
+      </dgm:choose>
+      <dgm:forEach name="Name8" axis="followSib" ptType="sibTrans" cnt="1">
+        <dgm:layoutNode name="sibTrans">
+          <dgm:choose name="Name9">
+            <dgm:if name="Name10" func="var" arg="dir" op="equ" val="norm">
+              <dgm:choose name="Name11">
+                <dgm:if name="Name12" axis="self" ptType="sibTrans" func="pos" op="equ" val="1">
+                  <dgm:alg type="conn">
+                    <dgm:param type="begPts" val="auto"/>
+                    <dgm:param type="endPts" val="auto"/>
+                    <dgm:param type="srcNode" val="firstNode"/>
+                    <dgm:param type="dstNode" val="shape"/>
+                  </dgm:alg>
+                </dgm:if>
+                <dgm:if name="Name13" axis="self" ptType="sibTrans" func="revPos" op="equ" val="1">
+                  <dgm:alg type="conn">
+                    <dgm:param type="begPts" val="auto"/>
+                    <dgm:param type="endPts" val="auto"/>
+                    <dgm:param type="srcNode" val="shape"/>
+                    <dgm:param type="dstNode" val="lastNode"/>
+                  </dgm:alg>
+                </dgm:if>
+                <dgm:else name="Name14">
+                  <dgm:alg type="conn">
+                    <dgm:param type="begPts" val="auto"/>
+                    <dgm:param type="endPts" val="auto"/>
+                    <dgm:param type="srcNode" val="shape"/>
+                    <dgm:param type="dstNode" val="shape"/>
+                  </dgm:alg>
+                </dgm:else>
+              </dgm:choose>
+            </dgm:if>
+            <dgm:else name="Name15">
+              <dgm:choose name="Name16">
+                <dgm:if name="Name17" axis="self" ptType="sibTrans" func="pos" op="equ" val="1">
+                  <dgm:alg type="conn">
+                    <dgm:param type="begPts" val="auto"/>
+                    <dgm:param type="endPts" val="auto"/>
+                    <dgm:param type="srcNode" val="firstNode"/>
+                    <dgm:param type="dstNode" val="shape"/>
+                  </dgm:alg>
+                </dgm:if>
+                <dgm:if name="Name18" axis="self" ptType="sibTrans" func="revPos" op="equ" val="1">
+                  <dgm:alg type="conn">
+                    <dgm:param type="begPts" val="auto"/>
+                    <dgm:param type="endPts" val="auto"/>
+                    <dgm:param type="srcNode" val="shape"/>
+                    <dgm:param type="dstNode" val="lastNode"/>
+                  </dgm:alg>
+                </dgm:if>
+                <dgm:else name="Name19">
+                  <dgm:alg type="conn">
+                    <dgm:param type="begPts" val="auto"/>
+                    <dgm:param type="endPts" val="auto"/>
+                    <dgm:param type="srcNode" val="shape"/>
+                    <dgm:param type="dstNode" val="shape"/>
+                  </dgm:alg>
+                </dgm:else>
+              </dgm:choose>
+            </dgm:else>
+          </dgm:choose>
+          <dgm:shape xmlns:r="http://schemas.openxmlformats.org/officeDocument/2006/relationships" rot="90" type="triangle" r:blip="">
+            <dgm:adjLst/>
+          </dgm:shape>
+          <dgm:presOf axis="self"/>
+          <dgm:constrLst>
+            <dgm:constr type="w" refType="h"/>
+            <dgm:constr type="connDist"/>
+            <dgm:constr type="begPad" refType="connDist" fact="0.25"/>
+            <dgm:constr type="endPad" refType="connDist" fact="0.22"/>
+          </dgm:constrLst>
+          <dgm:ruleLst/>
+        </dgm:layoutNode>
+      </dgm:forEach>
+    </dgm:forEach>
+  </dgm:layoutNode>
+</dgm:layoutDef>
+</file>
+
+<file path=ppt/diagrams/layout2.xml><?xml version="1.0" encoding="utf-8"?>
 <dgm:layoutDef xmlns:dgm="http://schemas.openxmlformats.org/drawingml/2006/diagram" xmlns:a="http://schemas.openxmlformats.org/drawingml/2006/main" uniqueId="urn:microsoft.com/office/officeart/2005/8/layout/bProcess2">
   <dgm:title val=""/>
   <dgm:desc val=""/>
@@ -3841,6 +7009,1123 @@
 </dgm:styleDef>
 </file>
 
+<file path=ppt/diagrams/quickStyle2.xml><?xml version="1.0" encoding="utf-8"?>
+<dgm:styleDef xmlns:dgm="http://schemas.openxmlformats.org/drawingml/2006/diagram" xmlns:a="http://schemas.openxmlformats.org/drawingml/2006/main" uniqueId="urn:microsoft.com/office/officeart/2005/8/quickstyle/3d1">
+  <dgm:title val=""/>
+  <dgm:desc val=""/>
+  <dgm:catLst>
+    <dgm:cat type="3D" pri="11100"/>
+  </dgm:catLst>
+  <dgm:scene3d>
+    <a:camera prst="orthographicFront"/>
+    <a:lightRig rig="threePt" dir="t"/>
+  </dgm:scene3d>
+  <dgm:styleLbl name="node0">
+    <dgm:scene3d>
+      <a:camera prst="orthographicFront"/>
+      <a:lightRig rig="flat" dir="t"/>
+    </dgm:scene3d>
+    <dgm:sp3d prstMaterial="plastic">
+      <a:bevelT w="120900" h="88900"/>
+      <a:bevelB w="88900" h="31750" prst="angle"/>
+    </dgm:sp3d>
+    <dgm:txPr/>
+    <dgm:style>
+      <a:lnRef idx="0">
+        <a:scrgbClr r="0" g="0" b="0"/>
+      </a:lnRef>
+      <a:fillRef idx="3">
+        <a:scrgbClr r="0" g="0" b="0"/>
+      </a:fillRef>
+      <a:effectRef idx="2">
+        <a:scrgbClr r="0" g="0" b="0"/>
+      </a:effectRef>
+      <a:fontRef idx="minor">
+        <a:schemeClr val="lt1"/>
+      </a:fontRef>
+    </dgm:style>
+  </dgm:styleLbl>
+  <dgm:styleLbl name="lnNode1">
+    <dgm:scene3d>
+      <a:camera prst="orthographicFront"/>
+      <a:lightRig rig="flat" dir="t"/>
+    </dgm:scene3d>
+    <dgm:sp3d prstMaterial="plastic">
+      <a:bevelT w="120900" h="88900"/>
+      <a:bevelB w="88900" h="31750" prst="angle"/>
+    </dgm:sp3d>
+    <dgm:txPr/>
+    <dgm:style>
+      <a:lnRef idx="0">
+        <a:scrgbClr r="0" g="0" b="0"/>
+      </a:lnRef>
+      <a:fillRef idx="3">
+        <a:scrgbClr r="0" g="0" b="0"/>
+      </a:fillRef>
+      <a:effectRef idx="1">
+        <a:scrgbClr r="0" g="0" b="0"/>
+      </a:effectRef>
+      <a:fontRef idx="minor">
+        <a:schemeClr val="lt1"/>
+      </a:fontRef>
+    </dgm:style>
+  </dgm:styleLbl>
+  <dgm:styleLbl name="vennNode1">
+    <dgm:scene3d>
+      <a:camera prst="orthographicFront"/>
+      <a:lightRig rig="flat" dir="t"/>
+    </dgm:scene3d>
+    <dgm:sp3d prstMaterial="plastic">
+      <a:bevelT w="120900" h="88900"/>
+      <a:bevelB w="88900" h="31750" prst="angle"/>
+    </dgm:sp3d>
+    <dgm:txPr/>
+    <dgm:style>
+      <a:lnRef idx="0">
+        <a:scrgbClr r="0" g="0" b="0"/>
+      </a:lnRef>
+      <a:fillRef idx="1">
+        <a:scrgbClr r="0" g="0" b="0"/>
+      </a:fillRef>
+      <a:effectRef idx="1">
+        <a:scrgbClr r="0" g="0" b="0"/>
+      </a:effectRef>
+      <a:fontRef idx="minor">
+        <a:schemeClr val="tx1"/>
+      </a:fontRef>
+    </dgm:style>
+  </dgm:styleLbl>
+  <dgm:styleLbl name="alignNode1">
+    <dgm:scene3d>
+      <a:camera prst="orthographicFront"/>
+      <a:lightRig rig="flat" dir="t"/>
+    </dgm:scene3d>
+    <dgm:sp3d prstMaterial="plastic">
+      <a:bevelT w="120900" h="88900"/>
+      <a:bevelB w="88900" h="31750" prst="angle"/>
+    </dgm:sp3d>
+    <dgm:txPr/>
+    <dgm:style>
+      <a:lnRef idx="1">
+        <a:scrgbClr r="0" g="0" b="0"/>
+      </a:lnRef>
+      <a:fillRef idx="3">
+        <a:scrgbClr r="0" g="0" b="0"/>
+      </a:fillRef>
+      <a:effectRef idx="2">
+        <a:scrgbClr r="0" g="0" b="0"/>
+      </a:effectRef>
+      <a:fontRef idx="minor">
+        <a:schemeClr val="lt1"/>
+      </a:fontRef>
+    </dgm:style>
+  </dgm:styleLbl>
+  <dgm:styleLbl name="node1">
+    <dgm:scene3d>
+      <a:camera prst="orthographicFront"/>
+      <a:lightRig rig="flat" dir="t"/>
+    </dgm:scene3d>
+    <dgm:sp3d prstMaterial="plastic">
+      <a:bevelT w="120900" h="88900"/>
+      <a:bevelB w="88900" h="31750" prst="angle"/>
+    </dgm:sp3d>
+    <dgm:txPr/>
+    <dgm:style>
+      <a:lnRef idx="0">
+        <a:scrgbClr r="0" g="0" b="0"/>
+      </a:lnRef>
+      <a:fillRef idx="3">
+        <a:scrgbClr r="0" g="0" b="0"/>
+      </a:fillRef>
+      <a:effectRef idx="2">
+        <a:scrgbClr r="0" g="0" b="0"/>
+      </a:effectRef>
+      <a:fontRef idx="minor">
+        <a:schemeClr val="lt1"/>
+      </a:fontRef>
+    </dgm:style>
+  </dgm:styleLbl>
+  <dgm:styleLbl name="node2">
+    <dgm:scene3d>
+      <a:camera prst="orthographicFront"/>
+      <a:lightRig rig="flat" dir="t"/>
+    </dgm:scene3d>
+    <dgm:sp3d prstMaterial="plastic">
+      <a:bevelT w="120900" h="88900"/>
+      <a:bevelB w="88900" h="31750" prst="angle"/>
+    </dgm:sp3d>
+    <dgm:txPr/>
+    <dgm:style>
+      <a:lnRef idx="0">
+        <a:scrgbClr r="0" g="0" b="0"/>
+      </a:lnRef>
+      <a:fillRef idx="3">
+        <a:scrgbClr r="0" g="0" b="0"/>
+      </a:fillRef>
+      <a:effectRef idx="1">
+        <a:scrgbClr r="0" g="0" b="0"/>
+      </a:effectRef>
+      <a:fontRef idx="minor">
+        <a:schemeClr val="lt1"/>
+      </a:fontRef>
+    </dgm:style>
+  </dgm:styleLbl>
+  <dgm:styleLbl name="node3">
+    <dgm:scene3d>
+      <a:camera prst="orthographicFront"/>
+      <a:lightRig rig="flat" dir="t"/>
+    </dgm:scene3d>
+    <dgm:sp3d prstMaterial="plastic">
+      <a:bevelT w="120900" h="88900"/>
+      <a:bevelB w="88900" h="31750" prst="angle"/>
+    </dgm:sp3d>
+    <dgm:txPr/>
+    <dgm:style>
+      <a:lnRef idx="0">
+        <a:scrgbClr r="0" g="0" b="0"/>
+      </a:lnRef>
+      <a:fillRef idx="3">
+        <a:scrgbClr r="0" g="0" b="0"/>
+      </a:fillRef>
+      <a:effectRef idx="1">
+        <a:scrgbClr r="0" g="0" b="0"/>
+      </a:effectRef>
+      <a:fontRef idx="minor">
+        <a:schemeClr val="lt1"/>
+      </a:fontRef>
+    </dgm:style>
+  </dgm:styleLbl>
+  <dgm:styleLbl name="node4">
+    <dgm:scene3d>
+      <a:camera prst="orthographicFront"/>
+      <a:lightRig rig="flat" dir="t"/>
+    </dgm:scene3d>
+    <dgm:sp3d prstMaterial="plastic">
+      <a:bevelT w="120900" h="88900"/>
+      <a:bevelB w="88900" h="31750" prst="angle"/>
+    </dgm:sp3d>
+    <dgm:txPr/>
+    <dgm:style>
+      <a:lnRef idx="0">
+        <a:scrgbClr r="0" g="0" b="0"/>
+      </a:lnRef>
+      <a:fillRef idx="3">
+        <a:scrgbClr r="0" g="0" b="0"/>
+      </a:fillRef>
+      <a:effectRef idx="1">
+        <a:scrgbClr r="0" g="0" b="0"/>
+      </a:effectRef>
+      <a:fontRef idx="minor">
+        <a:schemeClr val="lt1"/>
+      </a:fontRef>
+    </dgm:style>
+  </dgm:styleLbl>
+  <dgm:styleLbl name="fgImgPlace1">
+    <dgm:scene3d>
+      <a:camera prst="orthographicFront"/>
+      <a:lightRig rig="flat" dir="t"/>
+    </dgm:scene3d>
+    <dgm:sp3d z="127000" prstMaterial="plastic">
+      <a:bevelT w="88900" h="88900"/>
+      <a:bevelB w="88900" h="31750" prst="angle"/>
+    </dgm:sp3d>
+    <dgm:txPr/>
+    <dgm:style>
+      <a:lnRef idx="0">
+        <a:scrgbClr r="0" g="0" b="0"/>
+      </a:lnRef>
+      <a:fillRef idx="3">
+        <a:scrgbClr r="0" g="0" b="0"/>
+      </a:fillRef>
+      <a:effectRef idx="2">
+        <a:scrgbClr r="0" g="0" b="0"/>
+      </a:effectRef>
+      <a:fontRef idx="minor"/>
+    </dgm:style>
+  </dgm:styleLbl>
+  <dgm:styleLbl name="alignImgPlace1">
+    <dgm:scene3d>
+      <a:camera prst="orthographicFront"/>
+      <a:lightRig rig="flat" dir="t"/>
+    </dgm:scene3d>
+    <dgm:sp3d prstMaterial="plastic">
+      <a:bevelT w="88900" h="88900"/>
+      <a:bevelB w="88900" h="31750" prst="angle"/>
+    </dgm:sp3d>
+    <dgm:txPr/>
+    <dgm:style>
+      <a:lnRef idx="0">
+        <a:scrgbClr r="0" g="0" b="0"/>
+      </a:lnRef>
+      <a:fillRef idx="3">
+        <a:scrgbClr r="0" g="0" b="0"/>
+      </a:fillRef>
+      <a:effectRef idx="2">
+        <a:scrgbClr r="0" g="0" b="0"/>
+      </a:effectRef>
+      <a:fontRef idx="minor"/>
+    </dgm:style>
+  </dgm:styleLbl>
+  <dgm:styleLbl name="bgImgPlace1">
+    <dgm:scene3d>
+      <a:camera prst="orthographicFront"/>
+      <a:lightRig rig="flat" dir="t"/>
+    </dgm:scene3d>
+    <dgm:sp3d z="-190500" prstMaterial="plastic">
+      <a:bevelT w="88900" h="88900"/>
+      <a:bevelB w="88900" h="31750" prst="angle"/>
+    </dgm:sp3d>
+    <dgm:txPr/>
+    <dgm:style>
+      <a:lnRef idx="0">
+        <a:scrgbClr r="0" g="0" b="0"/>
+      </a:lnRef>
+      <a:fillRef idx="3">
+        <a:scrgbClr r="0" g="0" b="0"/>
+      </a:fillRef>
+      <a:effectRef idx="2">
+        <a:scrgbClr r="0" g="0" b="0"/>
+      </a:effectRef>
+      <a:fontRef idx="minor"/>
+    </dgm:style>
+  </dgm:styleLbl>
+  <dgm:styleLbl name="sibTrans2D1">
+    <dgm:scene3d>
+      <a:camera prst="orthographicFront"/>
+      <a:lightRig rig="flat" dir="t"/>
+    </dgm:scene3d>
+    <dgm:sp3d z="-80000" prstMaterial="plastic">
+      <a:bevelT w="50800" h="50800"/>
+      <a:bevelB w="25400" h="25400" prst="angle"/>
+    </dgm:sp3d>
+    <dgm:txPr/>
+    <dgm:style>
+      <a:lnRef idx="0">
+        <a:scrgbClr r="0" g="0" b="0"/>
+      </a:lnRef>
+      <a:fillRef idx="3">
+        <a:scrgbClr r="0" g="0" b="0"/>
+      </a:fillRef>
+      <a:effectRef idx="2">
+        <a:scrgbClr r="0" g="0" b="0"/>
+      </a:effectRef>
+      <a:fontRef idx="minor">
+        <a:schemeClr val="lt1"/>
+      </a:fontRef>
+    </dgm:style>
+  </dgm:styleLbl>
+  <dgm:styleLbl name="fgSibTrans2D1">
+    <dgm:scene3d>
+      <a:camera prst="orthographicFront"/>
+      <a:lightRig rig="flat" dir="t"/>
+    </dgm:scene3d>
+    <dgm:sp3d z="127000" prstMaterial="plastic">
+      <a:bevelT w="50800" h="50800"/>
+      <a:bevelB w="25400" h="25400" prst="angle"/>
+    </dgm:sp3d>
+    <dgm:txPr/>
+    <dgm:style>
+      <a:lnRef idx="0">
+        <a:scrgbClr r="0" g="0" b="0"/>
+      </a:lnRef>
+      <a:fillRef idx="3">
+        <a:scrgbClr r="0" g="0" b="0"/>
+      </a:fillRef>
+      <a:effectRef idx="2">
+        <a:scrgbClr r="0" g="0" b="0"/>
+      </a:effectRef>
+      <a:fontRef idx="minor">
+        <a:schemeClr val="lt1"/>
+      </a:fontRef>
+    </dgm:style>
+  </dgm:styleLbl>
+  <dgm:styleLbl name="bgSibTrans2D1">
+    <dgm:scene3d>
+      <a:camera prst="orthographicFront"/>
+      <a:lightRig rig="flat" dir="t"/>
+    </dgm:scene3d>
+    <dgm:sp3d z="-190500" prstMaterial="plastic">
+      <a:bevelT w="50800" h="50800"/>
+      <a:bevelB w="25400" h="25400" prst="angle"/>
+    </dgm:sp3d>
+    <dgm:txPr/>
+    <dgm:style>
+      <a:lnRef idx="0">
+        <a:scrgbClr r="0" g="0" b="0"/>
+      </a:lnRef>
+      <a:fillRef idx="3">
+        <a:scrgbClr r="0" g="0" b="0"/>
+      </a:fillRef>
+      <a:effectRef idx="2">
+        <a:scrgbClr r="0" g="0" b="0"/>
+      </a:effectRef>
+      <a:fontRef idx="minor">
+        <a:schemeClr val="lt1"/>
+      </a:fontRef>
+    </dgm:style>
+  </dgm:styleLbl>
+  <dgm:styleLbl name="sibTrans1D1">
+    <dgm:scene3d>
+      <a:camera prst="orthographicFront"/>
+      <a:lightRig rig="flat" dir="t"/>
+    </dgm:scene3d>
+    <dgm:sp3d z="-40000" prstMaterial="matte"/>
+    <dgm:txPr/>
+    <dgm:style>
+      <a:lnRef idx="1">
+        <a:scrgbClr r="0" g="0" b="0"/>
+      </a:lnRef>
+      <a:fillRef idx="0">
+        <a:scrgbClr r="0" g="0" b="0"/>
+      </a:fillRef>
+      <a:effectRef idx="0">
+        <a:scrgbClr r="0" g="0" b="0"/>
+      </a:effectRef>
+      <a:fontRef idx="minor"/>
+    </dgm:style>
+  </dgm:styleLbl>
+  <dgm:styleLbl name="callout">
+    <dgm:scene3d>
+      <a:camera prst="orthographicFront"/>
+      <a:lightRig rig="threePt" dir="t"/>
+    </dgm:scene3d>
+    <dgm:sp3d z="127000" prstMaterial="matte"/>
+    <dgm:txPr/>
+    <dgm:style>
+      <a:lnRef idx="2">
+        <a:scrgbClr r="0" g="0" b="0"/>
+      </a:lnRef>
+      <a:fillRef idx="1">
+        <a:scrgbClr r="0" g="0" b="0"/>
+      </a:fillRef>
+      <a:effectRef idx="0">
+        <a:scrgbClr r="0" g="0" b="0"/>
+      </a:effectRef>
+      <a:fontRef idx="minor"/>
+    </dgm:style>
+  </dgm:styleLbl>
+  <dgm:styleLbl name="asst0">
+    <dgm:scene3d>
+      <a:camera prst="orthographicFront"/>
+      <a:lightRig rig="flat" dir="t"/>
+    </dgm:scene3d>
+    <dgm:sp3d prstMaterial="plastic">
+      <a:bevelT w="120900" h="88900"/>
+      <a:bevelB w="88900" h="31750" prst="angle"/>
+    </dgm:sp3d>
+    <dgm:txPr/>
+    <dgm:style>
+      <a:lnRef idx="0">
+        <a:scrgbClr r="0" g="0" b="0"/>
+      </a:lnRef>
+      <a:fillRef idx="3">
+        <a:scrgbClr r="0" g="0" b="0"/>
+      </a:fillRef>
+      <a:effectRef idx="1">
+        <a:scrgbClr r="0" g="0" b="0"/>
+      </a:effectRef>
+      <a:fontRef idx="minor">
+        <a:schemeClr val="lt1"/>
+      </a:fontRef>
+    </dgm:style>
+  </dgm:styleLbl>
+  <dgm:styleLbl name="asst1">
+    <dgm:scene3d>
+      <a:camera prst="orthographicFront"/>
+      <a:lightRig rig="flat" dir="t"/>
+    </dgm:scene3d>
+    <dgm:sp3d prstMaterial="plastic">
+      <a:bevelT w="120900" h="88900"/>
+      <a:bevelB w="88900" h="31750" prst="angle"/>
+    </dgm:sp3d>
+    <dgm:txPr/>
+    <dgm:style>
+      <a:lnRef idx="0">
+        <a:scrgbClr r="0" g="0" b="0"/>
+      </a:lnRef>
+      <a:fillRef idx="3">
+        <a:scrgbClr r="0" g="0" b="0"/>
+      </a:fillRef>
+      <a:effectRef idx="1">
+        <a:scrgbClr r="0" g="0" b="0"/>
+      </a:effectRef>
+      <a:fontRef idx="minor">
+        <a:schemeClr val="lt1"/>
+      </a:fontRef>
+    </dgm:style>
+  </dgm:styleLbl>
+  <dgm:styleLbl name="asst2">
+    <dgm:scene3d>
+      <a:camera prst="orthographicFront"/>
+      <a:lightRig rig="flat" dir="t"/>
+    </dgm:scene3d>
+    <dgm:sp3d prstMaterial="plastic">
+      <a:bevelT w="120900" h="88900"/>
+      <a:bevelB w="88900" h="31750" prst="angle"/>
+    </dgm:sp3d>
+    <dgm:txPr/>
+    <dgm:style>
+      <a:lnRef idx="0">
+        <a:scrgbClr r="0" g="0" b="0"/>
+      </a:lnRef>
+      <a:fillRef idx="3">
+        <a:scrgbClr r="0" g="0" b="0"/>
+      </a:fillRef>
+      <a:effectRef idx="1">
+        <a:scrgbClr r="0" g="0" b="0"/>
+      </a:effectRef>
+      <a:fontRef idx="minor">
+        <a:schemeClr val="lt1"/>
+      </a:fontRef>
+    </dgm:style>
+  </dgm:styleLbl>
+  <dgm:styleLbl name="asst3">
+    <dgm:scene3d>
+      <a:camera prst="orthographicFront"/>
+      <a:lightRig rig="flat" dir="t"/>
+    </dgm:scene3d>
+    <dgm:sp3d prstMaterial="plastic">
+      <a:bevelT w="120900" h="88900"/>
+      <a:bevelB w="88900" h="31750" prst="angle"/>
+    </dgm:sp3d>
+    <dgm:txPr/>
+    <dgm:style>
+      <a:lnRef idx="0">
+        <a:scrgbClr r="0" g="0" b="0"/>
+      </a:lnRef>
+      <a:fillRef idx="3">
+        <a:scrgbClr r="0" g="0" b="0"/>
+      </a:fillRef>
+      <a:effectRef idx="1">
+        <a:scrgbClr r="0" g="0" b="0"/>
+      </a:effectRef>
+      <a:fontRef idx="minor">
+        <a:schemeClr val="lt1"/>
+      </a:fontRef>
+    </dgm:style>
+  </dgm:styleLbl>
+  <dgm:styleLbl name="parChTrans2D1">
+    <dgm:scene3d>
+      <a:camera prst="orthographicFront"/>
+      <a:lightRig rig="flat" dir="t"/>
+    </dgm:scene3d>
+    <dgm:sp3d z="-100000" prstMaterial="plastic">
+      <a:bevelT w="120900" h="88900"/>
+      <a:bevelB w="88900" h="31750" prst="angle"/>
+    </dgm:sp3d>
+    <dgm:txPr/>
+    <dgm:style>
+      <a:lnRef idx="0">
+        <a:scrgbClr r="0" g="0" b="0"/>
+      </a:lnRef>
+      <a:fillRef idx="3">
+        <a:scrgbClr r="0" g="0" b="0"/>
+      </a:fillRef>
+      <a:effectRef idx="1">
+        <a:scrgbClr r="0" g="0" b="0"/>
+      </a:effectRef>
+      <a:fontRef idx="minor">
+        <a:schemeClr val="lt1"/>
+      </a:fontRef>
+    </dgm:style>
+  </dgm:styleLbl>
+  <dgm:styleLbl name="parChTrans2D2">
+    <dgm:scene3d>
+      <a:camera prst="orthographicFront"/>
+      <a:lightRig rig="flat" dir="t"/>
+    </dgm:scene3d>
+    <dgm:sp3d z="-60000" prstMaterial="plastic">
+      <a:bevelT w="120900" h="88900"/>
+      <a:bevelB w="88900" h="31750" prst="angle"/>
+    </dgm:sp3d>
+    <dgm:txPr/>
+    <dgm:style>
+      <a:lnRef idx="0">
+        <a:scrgbClr r="0" g="0" b="0"/>
+      </a:lnRef>
+      <a:fillRef idx="3">
+        <a:scrgbClr r="0" g="0" b="0"/>
+      </a:fillRef>
+      <a:effectRef idx="1">
+        <a:scrgbClr r="0" g="0" b="0"/>
+      </a:effectRef>
+      <a:fontRef idx="minor">
+        <a:schemeClr val="lt1"/>
+      </a:fontRef>
+    </dgm:style>
+  </dgm:styleLbl>
+  <dgm:styleLbl name="parChTrans2D3">
+    <dgm:scene3d>
+      <a:camera prst="orthographicFront"/>
+      <a:lightRig rig="flat" dir="t"/>
+    </dgm:scene3d>
+    <dgm:sp3d z="-60000" prstMaterial="plastic">
+      <a:bevelT w="120900" h="88900"/>
+      <a:bevelB w="88900" h="31750" prst="angle"/>
+    </dgm:sp3d>
+    <dgm:txPr/>
+    <dgm:style>
+      <a:lnRef idx="0">
+        <a:scrgbClr r="0" g="0" b="0"/>
+      </a:lnRef>
+      <a:fillRef idx="3">
+        <a:scrgbClr r="0" g="0" b="0"/>
+      </a:fillRef>
+      <a:effectRef idx="1">
+        <a:scrgbClr r="0" g="0" b="0"/>
+      </a:effectRef>
+      <a:fontRef idx="minor">
+        <a:schemeClr val="lt1"/>
+      </a:fontRef>
+    </dgm:style>
+  </dgm:styleLbl>
+  <dgm:styleLbl name="parChTrans2D4">
+    <dgm:scene3d>
+      <a:camera prst="orthographicFront"/>
+      <a:lightRig rig="flat" dir="t"/>
+    </dgm:scene3d>
+    <dgm:sp3d z="-60000" prstMaterial="plastic">
+      <a:bevelT w="120900" h="88900"/>
+      <a:bevelB w="88900" h="31750" prst="angle"/>
+    </dgm:sp3d>
+    <dgm:txPr/>
+    <dgm:style>
+      <a:lnRef idx="0">
+        <a:scrgbClr r="0" g="0" b="0"/>
+      </a:lnRef>
+      <a:fillRef idx="3">
+        <a:scrgbClr r="0" g="0" b="0"/>
+      </a:fillRef>
+      <a:effectRef idx="1">
+        <a:scrgbClr r="0" g="0" b="0"/>
+      </a:effectRef>
+      <a:fontRef idx="minor">
+        <a:schemeClr val="lt1"/>
+      </a:fontRef>
+    </dgm:style>
+  </dgm:styleLbl>
+  <dgm:styleLbl name="parChTrans1D1">
+    <dgm:scene3d>
+      <a:camera prst="orthographicFront"/>
+      <a:lightRig rig="flat" dir="t"/>
+    </dgm:scene3d>
+    <dgm:sp3d prstMaterial="matte"/>
+    <dgm:txPr/>
+    <dgm:style>
+      <a:lnRef idx="2">
+        <a:scrgbClr r="0" g="0" b="0"/>
+      </a:lnRef>
+      <a:fillRef idx="0">
+        <a:scrgbClr r="0" g="0" b="0"/>
+      </a:fillRef>
+      <a:effectRef idx="0">
+        <a:scrgbClr r="0" g="0" b="0"/>
+      </a:effectRef>
+      <a:fontRef idx="minor"/>
+    </dgm:style>
+  </dgm:styleLbl>
+  <dgm:styleLbl name="parChTrans1D2">
+    <dgm:scene3d>
+      <a:camera prst="orthographicFront"/>
+      <a:lightRig rig="flat" dir="t"/>
+    </dgm:scene3d>
+    <dgm:sp3d prstMaterial="matte"/>
+    <dgm:txPr/>
+    <dgm:style>
+      <a:lnRef idx="2">
+        <a:scrgbClr r="0" g="0" b="0"/>
+      </a:lnRef>
+      <a:fillRef idx="0">
+        <a:scrgbClr r="0" g="0" b="0"/>
+      </a:fillRef>
+      <a:effectRef idx="0">
+        <a:scrgbClr r="0" g="0" b="0"/>
+      </a:effectRef>
+      <a:fontRef idx="minor"/>
+    </dgm:style>
+  </dgm:styleLbl>
+  <dgm:styleLbl name="parChTrans1D3">
+    <dgm:scene3d>
+      <a:camera prst="orthographicFront"/>
+      <a:lightRig rig="flat" dir="t"/>
+    </dgm:scene3d>
+    <dgm:sp3d prstMaterial="matte"/>
+    <dgm:txPr/>
+    <dgm:style>
+      <a:lnRef idx="2">
+        <a:scrgbClr r="0" g="0" b="0"/>
+      </a:lnRef>
+      <a:fillRef idx="0">
+        <a:scrgbClr r="0" g="0" b="0"/>
+      </a:fillRef>
+      <a:effectRef idx="0">
+        <a:scrgbClr r="0" g="0" b="0"/>
+      </a:effectRef>
+      <a:fontRef idx="minor"/>
+    </dgm:style>
+  </dgm:styleLbl>
+  <dgm:styleLbl name="parChTrans1D4">
+    <dgm:scene3d>
+      <a:camera prst="orthographicFront"/>
+      <a:lightRig rig="flat" dir="t"/>
+    </dgm:scene3d>
+    <dgm:sp3d prstMaterial="matte"/>
+    <dgm:txPr/>
+    <dgm:style>
+      <a:lnRef idx="2">
+        <a:scrgbClr r="0" g="0" b="0"/>
+      </a:lnRef>
+      <a:fillRef idx="0">
+        <a:scrgbClr r="0" g="0" b="0"/>
+      </a:fillRef>
+      <a:effectRef idx="0">
+        <a:scrgbClr r="0" g="0" b="0"/>
+      </a:effectRef>
+      <a:fontRef idx="minor"/>
+    </dgm:style>
+  </dgm:styleLbl>
+  <dgm:styleLbl name="fgAcc1">
+    <dgm:scene3d>
+      <a:camera prst="orthographicFront"/>
+      <a:lightRig rig="flat" dir="t"/>
+    </dgm:scene3d>
+    <dgm:sp3d z="190500" extrusionH="12700" prstMaterial="plastic">
+      <a:bevelT w="50800" h="50800"/>
+    </dgm:sp3d>
+    <dgm:txPr/>
+    <dgm:style>
+      <a:lnRef idx="1">
+        <a:scrgbClr r="0" g="0" b="0"/>
+      </a:lnRef>
+      <a:fillRef idx="1">
+        <a:scrgbClr r="0" g="0" b="0"/>
+      </a:fillRef>
+      <a:effectRef idx="2">
+        <a:scrgbClr r="0" g="0" b="0"/>
+      </a:effectRef>
+      <a:fontRef idx="minor"/>
+    </dgm:style>
+  </dgm:styleLbl>
+  <dgm:styleLbl name="conFgAcc1">
+    <dgm:scene3d>
+      <a:camera prst="orthographicFront"/>
+      <a:lightRig rig="flat" dir="t"/>
+    </dgm:scene3d>
+    <dgm:sp3d z="190500" extrusionH="12700" prstMaterial="plastic">
+      <a:bevelT w="50800" h="50800"/>
+    </dgm:sp3d>
+    <dgm:txPr/>
+    <dgm:style>
+      <a:lnRef idx="1">
+        <a:scrgbClr r="0" g="0" b="0"/>
+      </a:lnRef>
+      <a:fillRef idx="1">
+        <a:scrgbClr r="0" g="0" b="0"/>
+      </a:fillRef>
+      <a:effectRef idx="2">
+        <a:scrgbClr r="0" g="0" b="0"/>
+      </a:effectRef>
+      <a:fontRef idx="minor"/>
+    </dgm:style>
+  </dgm:styleLbl>
+  <dgm:styleLbl name="alignAcc1">
+    <dgm:scene3d>
+      <a:camera prst="orthographicFront"/>
+      <a:lightRig rig="flat" dir="t"/>
+    </dgm:scene3d>
+    <dgm:sp3d extrusionH="12700" prstMaterial="plastic">
+      <a:bevelT w="50800" h="50800"/>
+    </dgm:sp3d>
+    <dgm:txPr/>
+    <dgm:style>
+      <a:lnRef idx="1">
+        <a:scrgbClr r="0" g="0" b="0"/>
+      </a:lnRef>
+      <a:fillRef idx="1">
+        <a:scrgbClr r="0" g="0" b="0"/>
+      </a:fillRef>
+      <a:effectRef idx="2">
+        <a:scrgbClr r="0" g="0" b="0"/>
+      </a:effectRef>
+      <a:fontRef idx="minor"/>
+    </dgm:style>
+  </dgm:styleLbl>
+  <dgm:styleLbl name="trAlignAcc1">
+    <dgm:scene3d>
+      <a:camera prst="orthographicFront"/>
+      <a:lightRig rig="flat" dir="t"/>
+    </dgm:scene3d>
+    <dgm:sp3d extrusionH="12700" prstMaterial="plastic">
+      <a:bevelT w="50800" h="50800"/>
+    </dgm:sp3d>
+    <dgm:txPr/>
+    <dgm:style>
+      <a:lnRef idx="1">
+        <a:scrgbClr r="0" g="0" b="0"/>
+      </a:lnRef>
+      <a:fillRef idx="1">
+        <a:scrgbClr r="0" g="0" b="0"/>
+      </a:fillRef>
+      <a:effectRef idx="2">
+        <a:scrgbClr r="0" g="0" b="0"/>
+      </a:effectRef>
+      <a:fontRef idx="minor"/>
+    </dgm:style>
+  </dgm:styleLbl>
+  <dgm:styleLbl name="bgAcc1">
+    <dgm:scene3d>
+      <a:camera prst="orthographicFront"/>
+      <a:lightRig rig="flat" dir="t"/>
+    </dgm:scene3d>
+    <dgm:sp3d z="-190500" extrusionH="12700" prstMaterial="plastic">
+      <a:bevelT w="50800" h="50800"/>
+    </dgm:sp3d>
+    <dgm:txPr/>
+    <dgm:style>
+      <a:lnRef idx="1">
+        <a:scrgbClr r="0" g="0" b="0"/>
+      </a:lnRef>
+      <a:fillRef idx="1">
+        <a:scrgbClr r="0" g="0" b="0"/>
+      </a:fillRef>
+      <a:effectRef idx="2">
+        <a:scrgbClr r="0" g="0" b="0"/>
+      </a:effectRef>
+      <a:fontRef idx="minor"/>
+    </dgm:style>
+  </dgm:styleLbl>
+  <dgm:styleLbl name="solidFgAcc1">
+    <dgm:scene3d>
+      <a:camera prst="orthographicFront"/>
+      <a:lightRig rig="flat" dir="t"/>
+    </dgm:scene3d>
+    <dgm:sp3d z="190500" extrusionH="12700" prstMaterial="plastic">
+      <a:bevelT w="50800" h="50800"/>
+    </dgm:sp3d>
+    <dgm:txPr/>
+    <dgm:style>
+      <a:lnRef idx="1">
+        <a:scrgbClr r="0" g="0" b="0"/>
+      </a:lnRef>
+      <a:fillRef idx="1">
+        <a:scrgbClr r="0" g="0" b="0"/>
+      </a:fillRef>
+      <a:effectRef idx="2">
+        <a:scrgbClr r="0" g="0" b="0"/>
+      </a:effectRef>
+      <a:fontRef idx="minor"/>
+    </dgm:style>
+  </dgm:styleLbl>
+  <dgm:styleLbl name="solidAlignAcc1">
+    <dgm:scene3d>
+      <a:camera prst="orthographicFront"/>
+      <a:lightRig rig="flat" dir="t"/>
+    </dgm:scene3d>
+    <dgm:sp3d extrusionH="12700" prstMaterial="plastic">
+      <a:bevelT w="50800" h="50800"/>
+    </dgm:sp3d>
+    <dgm:txPr/>
+    <dgm:style>
+      <a:lnRef idx="1">
+        <a:scrgbClr r="0" g="0" b="0"/>
+      </a:lnRef>
+      <a:fillRef idx="1">
+        <a:scrgbClr r="0" g="0" b="0"/>
+      </a:fillRef>
+      <a:effectRef idx="2">
+        <a:scrgbClr r="0" g="0" b="0"/>
+      </a:effectRef>
+      <a:fontRef idx="minor"/>
+    </dgm:style>
+  </dgm:styleLbl>
+  <dgm:styleLbl name="solidBgAcc1">
+    <dgm:scene3d>
+      <a:camera prst="orthographicFront"/>
+      <a:lightRig rig="flat" dir="t"/>
+    </dgm:scene3d>
+    <dgm:sp3d z="-190500" extrusionH="12700" prstMaterial="plastic">
+      <a:bevelT w="50800" h="50800"/>
+    </dgm:sp3d>
+    <dgm:txPr/>
+    <dgm:style>
+      <a:lnRef idx="1">
+        <a:scrgbClr r="0" g="0" b="0"/>
+      </a:lnRef>
+      <a:fillRef idx="1">
+        <a:scrgbClr r="0" g="0" b="0"/>
+      </a:fillRef>
+      <a:effectRef idx="2">
+        <a:scrgbClr r="0" g="0" b="0"/>
+      </a:effectRef>
+      <a:fontRef idx="minor"/>
+    </dgm:style>
+  </dgm:styleLbl>
+  <dgm:styleLbl name="fgAccFollowNode1">
+    <dgm:scene3d>
+      <a:camera prst="orthographicFront"/>
+      <a:lightRig rig="flat" dir="t"/>
+    </dgm:scene3d>
+    <dgm:sp3d z="190500" extrusionH="12700" prstMaterial="plastic">
+      <a:bevelT w="50800" h="50800"/>
+    </dgm:sp3d>
+    <dgm:txPr/>
+    <dgm:style>
+      <a:lnRef idx="1">
+        <a:scrgbClr r="0" g="0" b="0"/>
+      </a:lnRef>
+      <a:fillRef idx="1">
+        <a:scrgbClr r="0" g="0" b="0"/>
+      </a:fillRef>
+      <a:effectRef idx="2">
+        <a:scrgbClr r="0" g="0" b="0"/>
+      </a:effectRef>
+      <a:fontRef idx="minor"/>
+    </dgm:style>
+  </dgm:styleLbl>
+  <dgm:styleLbl name="alignAccFollowNode1">
+    <dgm:scene3d>
+      <a:camera prst="orthographicFront"/>
+      <a:lightRig rig="flat" dir="t"/>
+    </dgm:scene3d>
+    <dgm:sp3d extrusionH="12700" prstMaterial="plastic">
+      <a:bevelT w="50800" h="50800"/>
+    </dgm:sp3d>
+    <dgm:txPr/>
+    <dgm:style>
+      <a:lnRef idx="1">
+        <a:scrgbClr r="0" g="0" b="0"/>
+      </a:lnRef>
+      <a:fillRef idx="1">
+        <a:scrgbClr r="0" g="0" b="0"/>
+      </a:fillRef>
+      <a:effectRef idx="2">
+        <a:scrgbClr r="0" g="0" b="0"/>
+      </a:effectRef>
+      <a:fontRef idx="minor"/>
+    </dgm:style>
+  </dgm:styleLbl>
+  <dgm:styleLbl name="bgAccFollowNode1">
+    <dgm:scene3d>
+      <a:camera prst="orthographicFront"/>
+      <a:lightRig rig="flat" dir="t"/>
+    </dgm:scene3d>
+    <dgm:sp3d z="-190500" extrusionH="12700" prstMaterial="plastic">
+      <a:bevelT w="50800" h="50800"/>
+    </dgm:sp3d>
+    <dgm:txPr/>
+    <dgm:style>
+      <a:lnRef idx="1">
+        <a:scrgbClr r="0" g="0" b="0"/>
+      </a:lnRef>
+      <a:fillRef idx="1">
+        <a:scrgbClr r="0" g="0" b="0"/>
+      </a:fillRef>
+      <a:effectRef idx="2">
+        <a:scrgbClr r="0" g="0" b="0"/>
+      </a:effectRef>
+      <a:fontRef idx="minor"/>
+    </dgm:style>
+  </dgm:styleLbl>
+  <dgm:styleLbl name="fgAcc0">
+    <dgm:scene3d>
+      <a:camera prst="orthographicFront"/>
+      <a:lightRig rig="flat" dir="t"/>
+    </dgm:scene3d>
+    <dgm:sp3d z="190500" extrusionH="12700" prstMaterial="plastic">
+      <a:bevelT w="50800" h="50800"/>
+    </dgm:sp3d>
+    <dgm:txPr/>
+    <dgm:style>
+      <a:lnRef idx="1">
+        <a:scrgbClr r="0" g="0" b="0"/>
+      </a:lnRef>
+      <a:fillRef idx="1">
+        <a:scrgbClr r="0" g="0" b="0"/>
+      </a:fillRef>
+      <a:effectRef idx="2">
+        <a:scrgbClr r="0" g="0" b="0"/>
+      </a:effectRef>
+      <a:fontRef idx="minor"/>
+    </dgm:style>
+  </dgm:styleLbl>
+  <dgm:styleLbl name="fgAcc2">
+    <dgm:scene3d>
+      <a:camera prst="orthographicFront"/>
+      <a:lightRig rig="flat" dir="t"/>
+    </dgm:scene3d>
+    <dgm:sp3d z="190500" extrusionH="12700" prstMaterial="plastic">
+      <a:bevelT w="50800" h="50800"/>
+    </dgm:sp3d>
+    <dgm:txPr/>
+    <dgm:style>
+      <a:lnRef idx="1">
+        <a:scrgbClr r="0" g="0" b="0"/>
+      </a:lnRef>
+      <a:fillRef idx="1">
+        <a:scrgbClr r="0" g="0" b="0"/>
+      </a:fillRef>
+      <a:effectRef idx="2">
+        <a:scrgbClr r="0" g="0" b="0"/>
+      </a:effectRef>
+      <a:fontRef idx="minor"/>
+    </dgm:style>
+  </dgm:styleLbl>
+  <dgm:styleLbl name="fgAcc3">
+    <dgm:scene3d>
+      <a:camera prst="orthographicFront"/>
+      <a:lightRig rig="flat" dir="t"/>
+    </dgm:scene3d>
+    <dgm:sp3d z="190500" extrusionH="12700" prstMaterial="plastic">
+      <a:bevelT w="50800" h="50800"/>
+    </dgm:sp3d>
+    <dgm:txPr/>
+    <dgm:style>
+      <a:lnRef idx="1">
+        <a:scrgbClr r="0" g="0" b="0"/>
+      </a:lnRef>
+      <a:fillRef idx="1">
+        <a:scrgbClr r="0" g="0" b="0"/>
+      </a:fillRef>
+      <a:effectRef idx="2">
+        <a:scrgbClr r="0" g="0" b="0"/>
+      </a:effectRef>
+      <a:fontRef idx="minor"/>
+    </dgm:style>
+  </dgm:styleLbl>
+  <dgm:styleLbl name="fgAcc4">
+    <dgm:scene3d>
+      <a:camera prst="orthographicFront"/>
+      <a:lightRig rig="flat" dir="t"/>
+    </dgm:scene3d>
+    <dgm:sp3d z="190500" extrusionH="12700" prstMaterial="plastic">
+      <a:bevelT w="50800" h="50800"/>
+    </dgm:sp3d>
+    <dgm:txPr/>
+    <dgm:style>
+      <a:lnRef idx="1">
+        <a:scrgbClr r="0" g="0" b="0"/>
+      </a:lnRef>
+      <a:fillRef idx="1">
+        <a:scrgbClr r="0" g="0" b="0"/>
+      </a:fillRef>
+      <a:effectRef idx="2">
+        <a:scrgbClr r="0" g="0" b="0"/>
+      </a:effectRef>
+      <a:fontRef idx="minor"/>
+    </dgm:style>
+  </dgm:styleLbl>
+  <dgm:styleLbl name="bgShp">
+    <dgm:scene3d>
+      <a:camera prst="orthographicFront"/>
+      <a:lightRig rig="flat" dir="t"/>
+    </dgm:scene3d>
+    <dgm:sp3d z="-190500" extrusionH="12700" prstMaterial="plastic">
+      <a:bevelT w="50800" h="50800"/>
+    </dgm:sp3d>
+    <dgm:txPr/>
+    <dgm:style>
+      <a:lnRef idx="0">
+        <a:scrgbClr r="0" g="0" b="0"/>
+      </a:lnRef>
+      <a:fillRef idx="3">
+        <a:scrgbClr r="0" g="0" b="0"/>
+      </a:fillRef>
+      <a:effectRef idx="0">
+        <a:scrgbClr r="0" g="0" b="0"/>
+      </a:effectRef>
+      <a:fontRef idx="minor"/>
+    </dgm:style>
+  </dgm:styleLbl>
+  <dgm:styleLbl name="dkBgShp">
+    <dgm:scene3d>
+      <a:camera prst="orthographicFront"/>
+      <a:lightRig rig="flat" dir="t"/>
+    </dgm:scene3d>
+    <dgm:sp3d z="-190500" extrusionH="12700" prstMaterial="plastic">
+      <a:bevelT w="50800" h="50800"/>
+    </dgm:sp3d>
+    <dgm:txPr/>
+    <dgm:style>
+      <a:lnRef idx="0">
+        <a:scrgbClr r="0" g="0" b="0"/>
+      </a:lnRef>
+      <a:fillRef idx="2">
+        <a:scrgbClr r="0" g="0" b="0"/>
+      </a:fillRef>
+      <a:effectRef idx="0">
+        <a:scrgbClr r="0" g="0" b="0"/>
+      </a:effectRef>
+      <a:fontRef idx="minor"/>
+    </dgm:style>
+  </dgm:styleLbl>
+  <dgm:styleLbl name="trBgShp">
+    <dgm:scene3d>
+      <a:camera prst="orthographicFront"/>
+      <a:lightRig rig="flat" dir="t"/>
+    </dgm:scene3d>
+    <dgm:sp3d z="-190500" extrusionH="12700" prstMaterial="matte"/>
+    <dgm:txPr/>
+    <dgm:style>
+      <a:lnRef idx="0">
+        <a:scrgbClr r="0" g="0" b="0"/>
+      </a:lnRef>
+      <a:fillRef idx="1">
+        <a:scrgbClr r="0" g="0" b="0"/>
+      </a:fillRef>
+      <a:effectRef idx="0">
+        <a:scrgbClr r="0" g="0" b="0"/>
+      </a:effectRef>
+      <a:fontRef idx="minor"/>
+    </dgm:style>
+  </dgm:styleLbl>
+  <dgm:styleLbl name="fgShp">
+    <dgm:scene3d>
+      <a:camera prst="orthographicFront"/>
+      <a:lightRig rig="flat" dir="t"/>
+    </dgm:scene3d>
+    <dgm:sp3d z="190500" prstMaterial="plastic">
+      <a:bevelT w="120900" h="88900"/>
+      <a:bevelB w="88900" h="31750" prst="angle"/>
+    </dgm:sp3d>
+    <dgm:txPr/>
+    <dgm:style>
+      <a:lnRef idx="0">
+        <a:scrgbClr r="0" g="0" b="0"/>
+      </a:lnRef>
+      <a:fillRef idx="1">
+        <a:scrgbClr r="0" g="0" b="0"/>
+      </a:fillRef>
+      <a:effectRef idx="3">
+        <a:scrgbClr r="0" g="0" b="0"/>
+      </a:effectRef>
+      <a:fontRef idx="minor">
+        <a:schemeClr val="lt1"/>
+      </a:fontRef>
+    </dgm:style>
+  </dgm:styleLbl>
+  <dgm:styleLbl name="revTx">
+    <dgm:scene3d>
+      <a:camera prst="orthographicFront"/>
+      <a:lightRig rig="threePt" dir="t"/>
+    </dgm:scene3d>
+    <dgm:sp3d/>
+    <dgm:txPr/>
+    <dgm:style>
+      <a:lnRef idx="0">
+        <a:scrgbClr r="0" g="0" b="0"/>
+      </a:lnRef>
+      <a:fillRef idx="0">
+        <a:scrgbClr r="0" g="0" b="0"/>
+      </a:fillRef>
+      <a:effectRef idx="0">
+        <a:scrgbClr r="0" g="0" b="0"/>
+      </a:effectRef>
+      <a:fontRef idx="minor"/>
+    </dgm:style>
+  </dgm:styleLbl>
+</dgm:styleDef>
+</file>
+
 <file path=ppt/slideLayouts/slideLayout1.xml><?xml version="1.0" encoding="utf-8"?>
 <p:sldLayout xmlns:a="http://schemas.openxmlformats.org/drawingml/2006/main" xmlns:r="http://schemas.openxmlformats.org/officeDocument/2006/relationships" xmlns:p="http://schemas.openxmlformats.org/presentationml/2006/main" type="title" preserve="1">
   <p:cSld name="제목 슬라이드">
@@ -3972,7 +8257,7 @@
           <a:p>
             <a:fld id="{02E63F8A-5E39-481B-9C88-80E785DBE38A}" type="datetimeFigureOut">
               <a:rPr lang="ko-KR" altLang="en-US" smtClean="0"/>
-              <a:t>2013-08-13-Tue</a:t>
+              <a:t>2013-08-14-Wed</a:t>
             </a:fld>
             <a:endParaRPr lang="ko-KR" altLang="en-US"/>
           </a:p>
@@ -4142,7 +8427,7 @@
           <a:p>
             <a:fld id="{02E63F8A-5E39-481B-9C88-80E785DBE38A}" type="datetimeFigureOut">
               <a:rPr lang="ko-KR" altLang="en-US" smtClean="0"/>
-              <a:t>2013-08-13-Tue</a:t>
+              <a:t>2013-08-14-Wed</a:t>
             </a:fld>
             <a:endParaRPr lang="ko-KR" altLang="en-US"/>
           </a:p>
@@ -4322,7 +8607,7 @@
           <a:p>
             <a:fld id="{02E63F8A-5E39-481B-9C88-80E785DBE38A}" type="datetimeFigureOut">
               <a:rPr lang="ko-KR" altLang="en-US" smtClean="0"/>
-              <a:t>2013-08-13-Tue</a:t>
+              <a:t>2013-08-14-Wed</a:t>
             </a:fld>
             <a:endParaRPr lang="ko-KR" altLang="en-US"/>
           </a:p>
@@ -4492,7 +8777,7 @@
           <a:p>
             <a:fld id="{02E63F8A-5E39-481B-9C88-80E785DBE38A}" type="datetimeFigureOut">
               <a:rPr lang="ko-KR" altLang="en-US" smtClean="0"/>
-              <a:t>2013-08-13-Tue</a:t>
+              <a:t>2013-08-14-Wed</a:t>
             </a:fld>
             <a:endParaRPr lang="ko-KR" altLang="en-US"/>
           </a:p>
@@ -4738,7 +9023,7 @@
           <a:p>
             <a:fld id="{02E63F8A-5E39-481B-9C88-80E785DBE38A}" type="datetimeFigureOut">
               <a:rPr lang="ko-KR" altLang="en-US" smtClean="0"/>
-              <a:t>2013-08-13-Tue</a:t>
+              <a:t>2013-08-14-Wed</a:t>
             </a:fld>
             <a:endParaRPr lang="ko-KR" altLang="en-US"/>
           </a:p>
@@ -4970,7 +9255,7 @@
           <a:p>
             <a:fld id="{02E63F8A-5E39-481B-9C88-80E785DBE38A}" type="datetimeFigureOut">
               <a:rPr lang="ko-KR" altLang="en-US" smtClean="0"/>
-              <a:t>2013-08-13-Tue</a:t>
+              <a:t>2013-08-14-Wed</a:t>
             </a:fld>
             <a:endParaRPr lang="ko-KR" altLang="en-US"/>
           </a:p>
@@ -5337,7 +9622,7 @@
           <a:p>
             <a:fld id="{02E63F8A-5E39-481B-9C88-80E785DBE38A}" type="datetimeFigureOut">
               <a:rPr lang="ko-KR" altLang="en-US" smtClean="0"/>
-              <a:t>2013-08-13-Tue</a:t>
+              <a:t>2013-08-14-Wed</a:t>
             </a:fld>
             <a:endParaRPr lang="ko-KR" altLang="en-US"/>
           </a:p>
@@ -5455,7 +9740,7 @@
           <a:p>
             <a:fld id="{02E63F8A-5E39-481B-9C88-80E785DBE38A}" type="datetimeFigureOut">
               <a:rPr lang="ko-KR" altLang="en-US" smtClean="0"/>
-              <a:t>2013-08-13-Tue</a:t>
+              <a:t>2013-08-14-Wed</a:t>
             </a:fld>
             <a:endParaRPr lang="ko-KR" altLang="en-US"/>
           </a:p>
@@ -5550,7 +9835,7 @@
           <a:p>
             <a:fld id="{02E63F8A-5E39-481B-9C88-80E785DBE38A}" type="datetimeFigureOut">
               <a:rPr lang="ko-KR" altLang="en-US" smtClean="0"/>
-              <a:t>2013-08-13-Tue</a:t>
+              <a:t>2013-08-14-Wed</a:t>
             </a:fld>
             <a:endParaRPr lang="ko-KR" altLang="en-US"/>
           </a:p>
@@ -5827,7 +10112,7 @@
           <a:p>
             <a:fld id="{02E63F8A-5E39-481B-9C88-80E785DBE38A}" type="datetimeFigureOut">
               <a:rPr lang="ko-KR" altLang="en-US" smtClean="0"/>
-              <a:t>2013-08-13-Tue</a:t>
+              <a:t>2013-08-14-Wed</a:t>
             </a:fld>
             <a:endParaRPr lang="ko-KR" altLang="en-US"/>
           </a:p>
@@ -6084,7 +10369,7 @@
           <a:p>
             <a:fld id="{02E63F8A-5E39-481B-9C88-80E785DBE38A}" type="datetimeFigureOut">
               <a:rPr lang="ko-KR" altLang="en-US" smtClean="0"/>
-              <a:t>2013-08-13-Tue</a:t>
+              <a:t>2013-08-14-Wed</a:t>
             </a:fld>
             <a:endParaRPr lang="ko-KR" altLang="en-US"/>
           </a:p>
@@ -6297,7 +10582,7 @@
           <a:p>
             <a:fld id="{02E63F8A-5E39-481B-9C88-80E785DBE38A}" type="datetimeFigureOut">
               <a:rPr lang="ko-KR" altLang="en-US" smtClean="0"/>
-              <a:t>2013-08-13-Tue</a:t>
+              <a:t>2013-08-14-Wed</a:t>
             </a:fld>
             <a:endParaRPr lang="ko-KR" altLang="en-US"/>
           </a:p>
@@ -8176,6 +12461,399 @@
 </p:sld>
 </file>
 
+<file path=ppt/slides/slide2.xml><?xml version="1.0" encoding="utf-8"?>
+<p:sld xmlns:a="http://schemas.openxmlformats.org/drawingml/2006/main" xmlns:r="http://schemas.openxmlformats.org/officeDocument/2006/relationships" xmlns:p="http://schemas.openxmlformats.org/presentationml/2006/main">
+  <p:cSld>
+    <p:spTree>
+      <p:nvGrpSpPr>
+        <p:cNvPr id="1" name=""/>
+        <p:cNvGrpSpPr/>
+        <p:nvPr/>
+      </p:nvGrpSpPr>
+      <p:grpSpPr>
+        <a:xfrm>
+          <a:off x="0" y="0"/>
+          <a:ext cx="0" cy="0"/>
+          <a:chOff x="0" y="0"/>
+          <a:chExt cx="0" cy="0"/>
+        </a:xfrm>
+      </p:grpSpPr>
+      <p:graphicFrame>
+        <p:nvGraphicFramePr>
+          <p:cNvPr id="5" name="다이어그램 4"/>
+          <p:cNvGraphicFramePr/>
+          <p:nvPr>
+            <p:extLst>
+              <p:ext uri="{D42A27DB-BD31-4B8C-83A1-F6EECF244321}">
+                <p14:modId xmlns:p14="http://schemas.microsoft.com/office/powerpoint/2010/main" val="3409271775"/>
+              </p:ext>
+            </p:extLst>
+          </p:nvPr>
+        </p:nvGraphicFramePr>
+        <p:xfrm>
+          <a:off x="253835" y="-12878"/>
+          <a:ext cx="11697759" cy="6858000"/>
+        </p:xfrm>
+        <a:graphic>
+          <a:graphicData uri="http://schemas.openxmlformats.org/drawingml/2006/diagram">
+            <dgm:relIds xmlns:dgm="http://schemas.openxmlformats.org/drawingml/2006/diagram" xmlns:r="http://schemas.openxmlformats.org/officeDocument/2006/relationships" r:dm="rId2" r:lo="rId3" r:qs="rId4" r:cs="rId5"/>
+          </a:graphicData>
+        </a:graphic>
+      </p:graphicFrame>
+      <p:sp>
+        <p:nvSpPr>
+          <p:cNvPr id="26" name="모서리가 접힌 도형 25"/>
+          <p:cNvSpPr/>
+          <p:nvPr/>
+        </p:nvSpPr>
+        <p:spPr>
+          <a:xfrm>
+            <a:off x="9382655" y="4599945"/>
+            <a:ext cx="759853" cy="850006"/>
+          </a:xfrm>
+          <a:prstGeom prst="foldedCorner">
+            <a:avLst/>
+          </a:prstGeom>
+          <a:solidFill>
+            <a:srgbClr val="FF0000"/>
+          </a:solidFill>
+          <a:ln>
+            <a:solidFill>
+              <a:schemeClr val="bg1"/>
+            </a:solidFill>
+          </a:ln>
+        </p:spPr>
+        <p:style>
+          <a:lnRef idx="2">
+            <a:schemeClr val="accent1">
+              <a:shade val="50000"/>
+            </a:schemeClr>
+          </a:lnRef>
+          <a:fillRef idx="1">
+            <a:schemeClr val="accent1"/>
+          </a:fillRef>
+          <a:effectRef idx="0">
+            <a:schemeClr val="accent1"/>
+          </a:effectRef>
+          <a:fontRef idx="minor">
+            <a:schemeClr val="lt1"/>
+          </a:fontRef>
+        </p:style>
+        <p:txBody>
+          <a:bodyPr rtlCol="0" anchor="ctr"/>
+          <a:lstStyle/>
+          <a:p>
+            <a:pPr algn="ctr"/>
+            <a:r>
+              <a:rPr lang="en-US" altLang="ko-KR" dirty="0" smtClean="0"/>
+              <a:t>*.OBJ</a:t>
+            </a:r>
+            <a:endParaRPr lang="ko-KR" altLang="en-US" dirty="0"/>
+          </a:p>
+        </p:txBody>
+      </p:sp>
+      <p:sp>
+        <p:nvSpPr>
+          <p:cNvPr id="2" name="TextBox 1"/>
+          <p:cNvSpPr txBox="1"/>
+          <p:nvPr/>
+        </p:nvSpPr>
+        <p:spPr>
+          <a:xfrm>
+            <a:off x="1224595" y="459523"/>
+            <a:ext cx="721216" cy="646331"/>
+          </a:xfrm>
+          <a:prstGeom prst="rect">
+            <a:avLst/>
+          </a:prstGeom>
+          <a:noFill/>
+        </p:spPr>
+        <p:txBody>
+          <a:bodyPr wrap="square" rtlCol="0">
+            <a:spAutoFit/>
+          </a:bodyPr>
+          <a:lstStyle/>
+          <a:p>
+            <a:r>
+              <a:rPr lang="ko-KR" altLang="en-US" sz="3600" b="1" dirty="0" smtClean="0">
+                <a:solidFill>
+                  <a:srgbClr val="FF0000"/>
+                </a:solidFill>
+              </a:rPr>
+              <a:t>①</a:t>
+            </a:r>
+            <a:endParaRPr lang="ko-KR" altLang="en-US" sz="3600" b="1" dirty="0">
+              <a:solidFill>
+                <a:srgbClr val="FF0000"/>
+              </a:solidFill>
+            </a:endParaRPr>
+          </a:p>
+        </p:txBody>
+      </p:sp>
+      <p:sp>
+        <p:nvSpPr>
+          <p:cNvPr id="36" name="TextBox 35"/>
+          <p:cNvSpPr txBox="1"/>
+          <p:nvPr/>
+        </p:nvSpPr>
+        <p:spPr>
+          <a:xfrm>
+            <a:off x="851107" y="3309672"/>
+            <a:ext cx="721216" cy="646331"/>
+          </a:xfrm>
+          <a:prstGeom prst="rect">
+            <a:avLst/>
+          </a:prstGeom>
+          <a:noFill/>
+        </p:spPr>
+        <p:txBody>
+          <a:bodyPr wrap="square" rtlCol="0">
+            <a:spAutoFit/>
+          </a:bodyPr>
+          <a:lstStyle/>
+          <a:p>
+            <a:r>
+              <a:rPr lang="ko-KR" altLang="en-US" sz="3600" b="1" dirty="0" smtClean="0">
+                <a:solidFill>
+                  <a:srgbClr val="FF0000"/>
+                </a:solidFill>
+              </a:rPr>
+              <a:t>②</a:t>
+            </a:r>
+            <a:endParaRPr lang="ko-KR" altLang="en-US" sz="3600" b="1" dirty="0">
+              <a:solidFill>
+                <a:srgbClr val="FF0000"/>
+              </a:solidFill>
+            </a:endParaRPr>
+          </a:p>
+        </p:txBody>
+      </p:sp>
+      <p:sp>
+        <p:nvSpPr>
+          <p:cNvPr id="37" name="TextBox 36"/>
+          <p:cNvSpPr txBox="1"/>
+          <p:nvPr/>
+        </p:nvSpPr>
+        <p:spPr>
+          <a:xfrm>
+            <a:off x="6096535" y="4599945"/>
+            <a:ext cx="721216" cy="646331"/>
+          </a:xfrm>
+          <a:prstGeom prst="rect">
+            <a:avLst/>
+          </a:prstGeom>
+          <a:noFill/>
+        </p:spPr>
+        <p:txBody>
+          <a:bodyPr wrap="square" rtlCol="0">
+            <a:spAutoFit/>
+          </a:bodyPr>
+          <a:lstStyle/>
+          <a:p>
+            <a:r>
+              <a:rPr lang="ko-KR" altLang="en-US" sz="3600" b="1" dirty="0" smtClean="0">
+                <a:solidFill>
+                  <a:srgbClr val="FF0000"/>
+                </a:solidFill>
+              </a:rPr>
+              <a:t>③</a:t>
+            </a:r>
+            <a:endParaRPr lang="ko-KR" altLang="en-US" sz="3600" b="1" dirty="0">
+              <a:solidFill>
+                <a:srgbClr val="FF0000"/>
+              </a:solidFill>
+            </a:endParaRPr>
+          </a:p>
+        </p:txBody>
+      </p:sp>
+      <p:sp>
+        <p:nvSpPr>
+          <p:cNvPr id="38" name="TextBox 37"/>
+          <p:cNvSpPr txBox="1"/>
+          <p:nvPr/>
+        </p:nvSpPr>
+        <p:spPr>
+          <a:xfrm>
+            <a:off x="6639456" y="3666621"/>
+            <a:ext cx="1963631" cy="646331"/>
+          </a:xfrm>
+          <a:prstGeom prst="rect">
+            <a:avLst/>
+          </a:prstGeom>
+          <a:noFill/>
+        </p:spPr>
+        <p:txBody>
+          <a:bodyPr wrap="square" rtlCol="0">
+            <a:spAutoFit/>
+          </a:bodyPr>
+          <a:lstStyle/>
+          <a:p>
+            <a:r>
+              <a:rPr lang="ko-KR" altLang="en-US" sz="3600" b="1" u="sng" dirty="0" smtClean="0">
+                <a:solidFill>
+                  <a:srgbClr val="FF0000"/>
+                </a:solidFill>
+              </a:rPr>
+              <a:t>④</a:t>
+            </a:r>
+            <a:r>
+              <a:rPr lang="ko-KR" altLang="en-US" b="1" u="sng" dirty="0" smtClean="0">
+                <a:solidFill>
+                  <a:srgbClr val="FF0000"/>
+                </a:solidFill>
+              </a:rPr>
+              <a:t>명령 완성</a:t>
+            </a:r>
+            <a:r>
+              <a:rPr lang="en-US" altLang="ko-KR" b="1" u="sng" dirty="0" smtClean="0">
+                <a:solidFill>
+                  <a:srgbClr val="FF0000"/>
+                </a:solidFill>
+              </a:rPr>
+              <a:t>!</a:t>
+            </a:r>
+            <a:endParaRPr lang="ko-KR" altLang="en-US" sz="3600" b="1" u="sng" dirty="0">
+              <a:solidFill>
+                <a:srgbClr val="FF0000"/>
+              </a:solidFill>
+            </a:endParaRPr>
+          </a:p>
+        </p:txBody>
+      </p:sp>
+      <p:sp>
+        <p:nvSpPr>
+          <p:cNvPr id="39" name="TextBox 38"/>
+          <p:cNvSpPr txBox="1"/>
+          <p:nvPr/>
+        </p:nvSpPr>
+        <p:spPr>
+          <a:xfrm>
+            <a:off x="5690852" y="487669"/>
+            <a:ext cx="721216" cy="646331"/>
+          </a:xfrm>
+          <a:prstGeom prst="rect">
+            <a:avLst/>
+          </a:prstGeom>
+          <a:noFill/>
+        </p:spPr>
+        <p:txBody>
+          <a:bodyPr wrap="square" rtlCol="0">
+            <a:spAutoFit/>
+          </a:bodyPr>
+          <a:lstStyle/>
+          <a:p>
+            <a:r>
+              <a:rPr lang="ko-KR" altLang="en-US" sz="3600" b="1" dirty="0" smtClean="0">
+                <a:solidFill>
+                  <a:srgbClr val="FF0000"/>
+                </a:solidFill>
+              </a:rPr>
+              <a:t>⑤</a:t>
+            </a:r>
+            <a:endParaRPr lang="ko-KR" altLang="en-US" sz="3600" b="1" dirty="0">
+              <a:solidFill>
+                <a:srgbClr val="FF0000"/>
+              </a:solidFill>
+            </a:endParaRPr>
+          </a:p>
+        </p:txBody>
+      </p:sp>
+      <p:sp>
+        <p:nvSpPr>
+          <p:cNvPr id="40" name="TextBox 39"/>
+          <p:cNvSpPr txBox="1"/>
+          <p:nvPr/>
+        </p:nvSpPr>
+        <p:spPr>
+          <a:xfrm>
+            <a:off x="10142508" y="324160"/>
+            <a:ext cx="721216" cy="646331"/>
+          </a:xfrm>
+          <a:prstGeom prst="rect">
+            <a:avLst/>
+          </a:prstGeom>
+          <a:noFill/>
+        </p:spPr>
+        <p:txBody>
+          <a:bodyPr wrap="square" rtlCol="0">
+            <a:spAutoFit/>
+          </a:bodyPr>
+          <a:lstStyle/>
+          <a:p>
+            <a:r>
+              <a:rPr lang="ko-KR" altLang="en-US" sz="3600" b="1" dirty="0" smtClean="0">
+                <a:solidFill>
+                  <a:srgbClr val="FF0000"/>
+                </a:solidFill>
+              </a:rPr>
+              <a:t>⑥</a:t>
+            </a:r>
+            <a:endParaRPr lang="ko-KR" altLang="en-US" sz="3600" b="1" dirty="0">
+              <a:solidFill>
+                <a:srgbClr val="FF0000"/>
+              </a:solidFill>
+            </a:endParaRPr>
+          </a:p>
+        </p:txBody>
+      </p:sp>
+      <p:sp>
+        <p:nvSpPr>
+          <p:cNvPr id="41" name="TextBox 40"/>
+          <p:cNvSpPr txBox="1"/>
+          <p:nvPr/>
+        </p:nvSpPr>
+        <p:spPr>
+          <a:xfrm>
+            <a:off x="10142508" y="3151009"/>
+            <a:ext cx="721216" cy="646331"/>
+          </a:xfrm>
+          <a:prstGeom prst="rect">
+            <a:avLst/>
+          </a:prstGeom>
+          <a:noFill/>
+        </p:spPr>
+        <p:txBody>
+          <a:bodyPr wrap="square" rtlCol="0">
+            <a:spAutoFit/>
+          </a:bodyPr>
+          <a:lstStyle/>
+          <a:p>
+            <a:r>
+              <a:rPr lang="ko-KR" altLang="en-US" sz="3600" b="1" dirty="0" smtClean="0">
+                <a:solidFill>
+                  <a:srgbClr val="FF0000"/>
+                </a:solidFill>
+              </a:rPr>
+              <a:t>⑦</a:t>
+            </a:r>
+            <a:endParaRPr lang="ko-KR" altLang="en-US" sz="3600" b="1" dirty="0">
+              <a:solidFill>
+                <a:srgbClr val="FF0000"/>
+              </a:solidFill>
+            </a:endParaRPr>
+          </a:p>
+        </p:txBody>
+      </p:sp>
+    </p:spTree>
+    <p:extLst>
+      <p:ext uri="{BB962C8B-B14F-4D97-AF65-F5344CB8AC3E}">
+        <p14:creationId xmlns:p14="http://schemas.microsoft.com/office/powerpoint/2010/main" val="3076268584"/>
+      </p:ext>
+    </p:extLst>
+  </p:cSld>
+  <p:clrMapOvr>
+    <a:masterClrMapping/>
+  </p:clrMapOvr>
+  <p:timing>
+    <p:tnLst>
+      <p:par>
+        <p:cTn id="1" dur="indefinite" restart="never" nodeType="tmRoot"/>
+      </p:par>
+    </p:tnLst>
+  </p:timing>
+</p:sld>
+</file>
+
 <file path=ppt/theme/theme1.xml><?xml version="1.0" encoding="utf-8"?>
 <a:theme xmlns:a="http://schemas.openxmlformats.org/drawingml/2006/main" name="Office 테마">
   <a:themeElements>
